--- a/Prompts/수소에너지_발표자료.pptx
+++ b/Prompts/수소에너지_발표자료.pptx
@@ -3180,7 +3180,7 @@
           <a:p>
             <a:pPr algn="ctr"/>
             <a:r>
-              <a:rPr sz="4400" b="1">
+              <a:rPr sz="5200" b="1">
                 <a:solidFill>
                   <a:srgbClr val="FFFFFF"/>
                 </a:solidFill>
@@ -3196,7 +3196,7 @@
               </a:spcBef>
             </a:pPr>
             <a:r>
-              <a:rPr sz="2000" b="0">
+              <a:rPr sz="2600" b="0">
                 <a:solidFill>
                   <a:srgbClr val="2ECC71"/>
                 </a:solidFill>
@@ -3274,7 +3274,7 @@
           <a:p>
             <a:pPr algn="ctr"/>
             <a:r>
-              <a:rPr sz="1600" b="0">
+              <a:rPr sz="2200" b="0">
                 <a:solidFill>
                   <a:srgbClr val="BBBBBB"/>
                 </a:solidFill>
@@ -3290,7 +3290,7 @@
               </a:spcBef>
             </a:pPr>
             <a:r>
-              <a:rPr sz="1400" b="0">
+              <a:rPr sz="1800" b="0">
                 <a:solidFill>
                   <a:srgbClr val="999999"/>
                 </a:solidFill>
@@ -3437,7 +3437,7 @@
           <a:p>
             <a:pPr algn="l"/>
             <a:r>
-              <a:rPr sz="2800" b="1">
+              <a:rPr sz="3400" b="1">
                 <a:solidFill>
                   <a:srgbClr val="FFFFFF"/>
                 </a:solidFill>
@@ -3515,7 +3515,7 @@
           <a:p>
             <a:pPr algn="r"/>
             <a:r>
-              <a:rPr sz="1000" b="0">
+              <a:rPr sz="1200" b="0">
                 <a:solidFill>
                   <a:srgbClr val="666666"/>
                 </a:solidFill>
@@ -3556,7 +3556,7 @@
                     <a:p>
                       <a:pPr algn="ctr"/>
                       <a:r>
-                        <a:rPr sz="1300" b="1">
+                        <a:rPr sz="1600" b="1">
                           <a:solidFill>
                             <a:srgbClr val="FFFFFF"/>
                           </a:solidFill>
@@ -3579,7 +3579,7 @@
                     <a:p>
                       <a:pPr algn="ctr"/>
                       <a:r>
-                        <a:rPr sz="1300" b="1">
+                        <a:rPr sz="1600" b="1">
                           <a:solidFill>
                             <a:srgbClr val="FFFFFF"/>
                           </a:solidFill>
@@ -3604,7 +3604,7 @@
                     <a:p>
                       <a:pPr algn="l"/>
                       <a:r>
-                        <a:rPr sz="1200" b="0">
+                        <a:rPr sz="1400" b="0">
                           <a:solidFill>
                             <a:srgbClr val="333333"/>
                           </a:solidFill>
@@ -3627,7 +3627,7 @@
                     <a:p>
                       <a:pPr algn="l"/>
                       <a:r>
-                        <a:rPr sz="1200" b="0">
+                        <a:rPr sz="1400" b="0">
                           <a:solidFill>
                             <a:srgbClr val="333333"/>
                           </a:solidFill>
@@ -3652,7 +3652,7 @@
                     <a:p>
                       <a:pPr algn="l"/>
                       <a:r>
-                        <a:rPr sz="1200" b="0">
+                        <a:rPr sz="1400" b="0">
                           <a:solidFill>
                             <a:srgbClr val="333333"/>
                           </a:solidFill>
@@ -3675,7 +3675,7 @@
                     <a:p>
                       <a:pPr algn="l"/>
                       <a:r>
-                        <a:rPr sz="1200" b="0">
+                        <a:rPr sz="1400" b="0">
                           <a:solidFill>
                             <a:srgbClr val="333333"/>
                           </a:solidFill>
@@ -3700,7 +3700,7 @@
                     <a:p>
                       <a:pPr algn="l"/>
                       <a:r>
-                        <a:rPr sz="1200" b="0">
+                        <a:rPr sz="1400" b="0">
                           <a:solidFill>
                             <a:srgbClr val="333333"/>
                           </a:solidFill>
@@ -3723,7 +3723,7 @@
                     <a:p>
                       <a:pPr algn="l"/>
                       <a:r>
-                        <a:rPr sz="1200" b="0">
+                        <a:rPr sz="1400" b="0">
                           <a:solidFill>
                             <a:srgbClr val="333333"/>
                           </a:solidFill>
@@ -3748,7 +3748,7 @@
                     <a:p>
                       <a:pPr algn="l"/>
                       <a:r>
-                        <a:rPr sz="1200" b="0">
+                        <a:rPr sz="1400" b="0">
                           <a:solidFill>
                             <a:srgbClr val="333333"/>
                           </a:solidFill>
@@ -3771,7 +3771,7 @@
                     <a:p>
                       <a:pPr algn="l"/>
                       <a:r>
-                        <a:rPr sz="1200" b="0">
+                        <a:rPr sz="1400" b="0">
                           <a:solidFill>
                             <a:srgbClr val="333333"/>
                           </a:solidFill>
@@ -3796,7 +3796,7 @@
                     <a:p>
                       <a:pPr algn="l"/>
                       <a:r>
-                        <a:rPr sz="1200" b="0">
+                        <a:rPr sz="1400" b="0">
                           <a:solidFill>
                             <a:srgbClr val="333333"/>
                           </a:solidFill>
@@ -3819,7 +3819,7 @@
                     <a:p>
                       <a:pPr algn="l"/>
                       <a:r>
-                        <a:rPr sz="1200" b="0">
+                        <a:rPr sz="1400" b="0">
                           <a:solidFill>
                             <a:srgbClr val="333333"/>
                           </a:solidFill>
@@ -3844,7 +3844,7 @@
                     <a:p>
                       <a:pPr algn="l"/>
                       <a:r>
-                        <a:rPr sz="1200" b="0">
+                        <a:rPr sz="1400" b="0">
                           <a:solidFill>
                             <a:srgbClr val="333333"/>
                           </a:solidFill>
@@ -3867,7 +3867,7 @@
                     <a:p>
                       <a:pPr algn="l"/>
                       <a:r>
-                        <a:rPr sz="1200" b="0">
+                        <a:rPr sz="1400" b="0">
                           <a:solidFill>
                             <a:srgbClr val="333333"/>
                           </a:solidFill>
@@ -3892,7 +3892,7 @@
                     <a:p>
                       <a:pPr algn="l"/>
                       <a:r>
-                        <a:rPr sz="1200" b="0">
+                        <a:rPr sz="1400" b="0">
                           <a:solidFill>
                             <a:srgbClr val="333333"/>
                           </a:solidFill>
@@ -3915,7 +3915,7 @@
                     <a:p>
                       <a:pPr algn="l"/>
                       <a:r>
-                        <a:rPr sz="1200" b="0">
+                        <a:rPr sz="1400" b="0">
                           <a:solidFill>
                             <a:srgbClr val="333333"/>
                           </a:solidFill>
@@ -3940,7 +3940,7 @@
                     <a:p>
                       <a:pPr algn="l"/>
                       <a:r>
-                        <a:rPr sz="1200" b="0">
+                        <a:rPr sz="1400" b="0">
                           <a:solidFill>
                             <a:srgbClr val="333333"/>
                           </a:solidFill>
@@ -3963,7 +3963,7 @@
                     <a:p>
                       <a:pPr algn="l"/>
                       <a:r>
-                        <a:rPr sz="1200" b="0">
+                        <a:rPr sz="1400" b="0">
                           <a:solidFill>
                             <a:srgbClr val="333333"/>
                           </a:solidFill>
@@ -4007,7 +4007,7 @@
           <a:lstStyle/>
           <a:p>
             <a:r>
-              <a:rPr sz="1600" b="1">
+              <a:rPr sz="2000" b="1">
                 <a:solidFill>
                   <a:srgbClr val="1B3A5C"/>
                 </a:solidFill>
@@ -4049,7 +4049,7 @@
                     <a:p>
                       <a:pPr algn="ctr"/>
                       <a:r>
-                        <a:rPr sz="1300" b="1">
+                        <a:rPr sz="1600" b="1">
                           <a:solidFill>
                             <a:srgbClr val="FFFFFF"/>
                           </a:solidFill>
@@ -4072,7 +4072,7 @@
                     <a:p>
                       <a:pPr algn="ctr"/>
                       <a:r>
-                        <a:rPr sz="1300" b="1">
+                        <a:rPr sz="1600" b="1">
                           <a:solidFill>
                             <a:srgbClr val="FFFFFF"/>
                           </a:solidFill>
@@ -4095,7 +4095,7 @@
                     <a:p>
                       <a:pPr algn="ctr"/>
                       <a:r>
-                        <a:rPr sz="1300" b="1">
+                        <a:rPr sz="1600" b="1">
                           <a:solidFill>
                             <a:srgbClr val="FFFFFF"/>
                           </a:solidFill>
@@ -4120,7 +4120,7 @@
                     <a:p>
                       <a:pPr algn="l"/>
                       <a:r>
-                        <a:rPr sz="1200" b="0">
+                        <a:rPr sz="1400" b="0">
                           <a:solidFill>
                             <a:srgbClr val="333333"/>
                           </a:solidFill>
@@ -4143,7 +4143,7 @@
                     <a:p>
                       <a:pPr algn="l"/>
                       <a:r>
-                        <a:rPr sz="1200" b="0">
+                        <a:rPr sz="1400" b="0">
                           <a:solidFill>
                             <a:srgbClr val="333333"/>
                           </a:solidFill>
@@ -4166,7 +4166,7 @@
                     <a:p>
                       <a:pPr algn="l"/>
                       <a:r>
-                        <a:rPr sz="1200" b="0">
+                        <a:rPr sz="1400" b="0">
                           <a:solidFill>
                             <a:srgbClr val="333333"/>
                           </a:solidFill>
@@ -4191,7 +4191,7 @@
                     <a:p>
                       <a:pPr algn="l"/>
                       <a:r>
-                        <a:rPr sz="1200" b="0">
+                        <a:rPr sz="1400" b="0">
                           <a:solidFill>
                             <a:srgbClr val="333333"/>
                           </a:solidFill>
@@ -4214,7 +4214,7 @@
                     <a:p>
                       <a:pPr algn="l"/>
                       <a:r>
-                        <a:rPr sz="1200" b="0">
+                        <a:rPr sz="1400" b="0">
                           <a:solidFill>
                             <a:srgbClr val="333333"/>
                           </a:solidFill>
@@ -4237,7 +4237,7 @@
                     <a:p>
                       <a:pPr algn="l"/>
                       <a:r>
-                        <a:rPr sz="1200" b="0">
+                        <a:rPr sz="1400" b="0">
                           <a:solidFill>
                             <a:srgbClr val="333333"/>
                           </a:solidFill>
@@ -4262,7 +4262,7 @@
                     <a:p>
                       <a:pPr algn="l"/>
                       <a:r>
-                        <a:rPr sz="1200" b="0">
+                        <a:rPr sz="1400" b="0">
                           <a:solidFill>
                             <a:srgbClr val="333333"/>
                           </a:solidFill>
@@ -4285,7 +4285,7 @@
                     <a:p>
                       <a:pPr algn="l"/>
                       <a:r>
-                        <a:rPr sz="1200" b="0">
+                        <a:rPr sz="1400" b="0">
                           <a:solidFill>
                             <a:srgbClr val="333333"/>
                           </a:solidFill>
@@ -4308,7 +4308,7 @@
                     <a:p>
                       <a:pPr algn="l"/>
                       <a:r>
-                        <a:rPr sz="1200" b="0">
+                        <a:rPr sz="1400" b="0">
                           <a:solidFill>
                             <a:srgbClr val="333333"/>
                           </a:solidFill>
@@ -4333,7 +4333,7 @@
                     <a:p>
                       <a:pPr algn="l"/>
                       <a:r>
-                        <a:rPr sz="1200" b="0">
+                        <a:rPr sz="1400" b="0">
                           <a:solidFill>
                             <a:srgbClr val="333333"/>
                           </a:solidFill>
@@ -4356,7 +4356,7 @@
                     <a:p>
                       <a:pPr algn="l"/>
                       <a:r>
-                        <a:rPr sz="1200" b="0">
+                        <a:rPr sz="1400" b="0">
                           <a:solidFill>
                             <a:srgbClr val="333333"/>
                           </a:solidFill>
@@ -4379,7 +4379,7 @@
                     <a:p>
                       <a:pPr algn="l"/>
                       <a:r>
-                        <a:rPr sz="1200" b="0">
+                        <a:rPr sz="1400" b="0">
                           <a:solidFill>
                             <a:srgbClr val="333333"/>
                           </a:solidFill>
@@ -4404,7 +4404,7 @@
                     <a:p>
                       <a:pPr algn="l"/>
                       <a:r>
-                        <a:rPr sz="1200" b="0">
+                        <a:rPr sz="1400" b="0">
                           <a:solidFill>
                             <a:srgbClr val="333333"/>
                           </a:solidFill>
@@ -4427,7 +4427,7 @@
                     <a:p>
                       <a:pPr algn="l"/>
                       <a:r>
-                        <a:rPr sz="1200" b="0">
+                        <a:rPr sz="1400" b="0">
                           <a:solidFill>
                             <a:srgbClr val="333333"/>
                           </a:solidFill>
@@ -4450,7 +4450,7 @@
                     <a:p>
                       <a:pPr algn="l"/>
                       <a:r>
-                        <a:rPr sz="1200" b="0">
+                        <a:rPr sz="1400" b="0">
                           <a:solidFill>
                             <a:srgbClr val="333333"/>
                           </a:solidFill>
@@ -4499,7 +4499,7 @@
               </a:spcAft>
             </a:pPr>
             <a:r>
-              <a:rPr sz="1500" b="1">
+              <a:rPr sz="1800" b="1">
                 <a:solidFill>
                   <a:srgbClr val="1B3A5C"/>
                 </a:solidFill>
@@ -4515,7 +4515,7 @@
               </a:spcAft>
             </a:pPr>
             <a:r>
-              <a:rPr sz="1300" b="0">
+              <a:rPr sz="1600" b="0">
                 <a:solidFill>
                   <a:srgbClr val="333333"/>
                 </a:solidFill>
@@ -4531,7 +4531,7 @@
               </a:spcAft>
             </a:pPr>
             <a:r>
-              <a:rPr sz="1300" b="0">
+              <a:rPr sz="1600" b="0">
                 <a:solidFill>
                   <a:srgbClr val="333333"/>
                 </a:solidFill>
@@ -4678,7 +4678,7 @@
           <a:p>
             <a:pPr algn="l"/>
             <a:r>
-              <a:rPr sz="2800" b="1">
+              <a:rPr sz="3400" b="1">
                 <a:solidFill>
                   <a:srgbClr val="FFFFFF"/>
                 </a:solidFill>
@@ -4756,7 +4756,7 @@
           <a:p>
             <a:pPr algn="r"/>
             <a:r>
-              <a:rPr sz="1000" b="0">
+              <a:rPr sz="1200" b="0">
                 <a:solidFill>
                   <a:srgbClr val="666666"/>
                 </a:solidFill>
@@ -4795,7 +4795,7 @@
               </a:spcAft>
             </a:pPr>
             <a:r>
-              <a:rPr sz="1800" b="1">
+              <a:rPr sz="2200" b="1">
                 <a:solidFill>
                   <a:srgbClr val="1B3A5C"/>
                 </a:solidFill>
@@ -4811,7 +4811,7 @@
               </a:spcAft>
             </a:pPr>
             <a:r>
-              <a:rPr sz="1500" b="0">
+              <a:rPr sz="1800" b="0">
                 <a:solidFill>
                   <a:srgbClr val="333333"/>
                 </a:solidFill>
@@ -4827,7 +4827,7 @@
               </a:spcAft>
             </a:pPr>
             <a:r>
-              <a:rPr sz="1500" b="0">
+              <a:rPr sz="1800" b="0">
                 <a:solidFill>
                   <a:srgbClr val="333333"/>
                 </a:solidFill>
@@ -4843,7 +4843,7 @@
               </a:spcAft>
             </a:pPr>
             <a:r>
-              <a:rPr sz="1500" b="0">
+              <a:rPr sz="1800" b="0">
                 <a:solidFill>
                   <a:srgbClr val="333333"/>
                 </a:solidFill>
@@ -4875,7 +4875,7 @@
               </a:spcAft>
             </a:pPr>
             <a:r>
-              <a:rPr sz="1800" b="1">
+              <a:rPr sz="2200" b="1">
                 <a:solidFill>
                   <a:srgbClr val="1B3A5C"/>
                 </a:solidFill>
@@ -4891,7 +4891,7 @@
               </a:spcAft>
             </a:pPr>
             <a:r>
-              <a:rPr sz="1500" b="0">
+              <a:rPr sz="1800" b="0">
                 <a:solidFill>
                   <a:srgbClr val="333333"/>
                 </a:solidFill>
@@ -4923,7 +4923,7 @@
               </a:spcAft>
             </a:pPr>
             <a:r>
-              <a:rPr sz="1800" b="1">
+              <a:rPr sz="2200" b="1">
                 <a:solidFill>
                   <a:srgbClr val="1B3A5C"/>
                 </a:solidFill>
@@ -4939,7 +4939,7 @@
               </a:spcAft>
             </a:pPr>
             <a:r>
-              <a:rPr sz="1500" b="0">
+              <a:rPr sz="1800" b="0">
                 <a:solidFill>
                   <a:srgbClr val="333333"/>
                 </a:solidFill>
@@ -4955,7 +4955,7 @@
               </a:spcAft>
             </a:pPr>
             <a:r>
-              <a:rPr sz="1500" b="0">
+              <a:rPr sz="1800" b="0">
                 <a:solidFill>
                   <a:srgbClr val="333333"/>
                 </a:solidFill>
@@ -4996,7 +4996,7 @@
                     <a:p>
                       <a:pPr algn="ctr"/>
                       <a:r>
-                        <a:rPr sz="1200" b="1">
+                        <a:rPr sz="1500" b="1">
                           <a:solidFill>
                             <a:srgbClr val="FFFFFF"/>
                           </a:solidFill>
@@ -5019,7 +5019,7 @@
                     <a:p>
                       <a:pPr algn="ctr"/>
                       <a:r>
-                        <a:rPr sz="1200" b="1">
+                        <a:rPr sz="1500" b="1">
                           <a:solidFill>
                             <a:srgbClr val="FFFFFF"/>
                           </a:solidFill>
@@ -5044,7 +5044,7 @@
                     <a:p>
                       <a:pPr algn="l"/>
                       <a:r>
-                        <a:rPr sz="1100" b="0">
+                        <a:rPr sz="1400" b="0">
                           <a:solidFill>
                             <a:srgbClr val="333333"/>
                           </a:solidFill>
@@ -5067,7 +5067,7 @@
                     <a:p>
                       <a:pPr algn="l"/>
                       <a:r>
-                        <a:rPr sz="1100" b="0">
+                        <a:rPr sz="1400" b="0">
                           <a:solidFill>
                             <a:srgbClr val="333333"/>
                           </a:solidFill>
@@ -5092,7 +5092,7 @@
                     <a:p>
                       <a:pPr algn="l"/>
                       <a:r>
-                        <a:rPr sz="1100" b="0">
+                        <a:rPr sz="1400" b="0">
                           <a:solidFill>
                             <a:srgbClr val="333333"/>
                           </a:solidFill>
@@ -5115,7 +5115,7 @@
                     <a:p>
                       <a:pPr algn="l"/>
                       <a:r>
-                        <a:rPr sz="1100" b="0">
+                        <a:rPr sz="1400" b="0">
                           <a:solidFill>
                             <a:srgbClr val="333333"/>
                           </a:solidFill>
@@ -5140,7 +5140,7 @@
                     <a:p>
                       <a:pPr algn="l"/>
                       <a:r>
-                        <a:rPr sz="1100" b="0">
+                        <a:rPr sz="1400" b="0">
                           <a:solidFill>
                             <a:srgbClr val="333333"/>
                           </a:solidFill>
@@ -5163,7 +5163,7 @@
                     <a:p>
                       <a:pPr algn="l"/>
                       <a:r>
-                        <a:rPr sz="1100" b="0">
+                        <a:rPr sz="1400" b="0">
                           <a:solidFill>
                             <a:srgbClr val="333333"/>
                           </a:solidFill>
@@ -5188,7 +5188,7 @@
                     <a:p>
                       <a:pPr algn="l"/>
                       <a:r>
-                        <a:rPr sz="1100" b="0">
+                        <a:rPr sz="1400" b="0">
                           <a:solidFill>
                             <a:srgbClr val="333333"/>
                           </a:solidFill>
@@ -5211,7 +5211,7 @@
                     <a:p>
                       <a:pPr algn="l"/>
                       <a:r>
-                        <a:rPr sz="1100" b="0">
+                        <a:rPr sz="1400" b="0">
                           <a:solidFill>
                             <a:srgbClr val="333333"/>
                           </a:solidFill>
@@ -5368,7 +5368,7 @@
           <a:p>
             <a:pPr algn="l"/>
             <a:r>
-              <a:rPr sz="2800" b="1">
+              <a:rPr sz="3400" b="1">
                 <a:solidFill>
                   <a:srgbClr val="FFFFFF"/>
                 </a:solidFill>
@@ -5446,7 +5446,7 @@
           <a:p>
             <a:pPr algn="r"/>
             <a:r>
-              <a:rPr sz="1000" b="0">
+              <a:rPr sz="1200" b="0">
                 <a:solidFill>
                   <a:srgbClr val="666666"/>
                 </a:solidFill>
@@ -5485,7 +5485,7 @@
               </a:spcAft>
             </a:pPr>
             <a:r>
-              <a:rPr sz="1800" b="1">
+              <a:rPr sz="2200" b="1">
                 <a:solidFill>
                   <a:srgbClr val="1B3A5C"/>
                 </a:solidFill>
@@ -5501,7 +5501,7 @@
               </a:spcAft>
             </a:pPr>
             <a:r>
-              <a:rPr sz="1500" b="0">
+              <a:rPr sz="1800" b="0">
                 <a:solidFill>
                   <a:srgbClr val="333333"/>
                 </a:solidFill>
@@ -5517,7 +5517,7 @@
               </a:spcAft>
             </a:pPr>
             <a:r>
-              <a:rPr sz="1500" b="0">
+              <a:rPr sz="1800" b="0">
                 <a:solidFill>
                   <a:srgbClr val="333333"/>
                 </a:solidFill>
@@ -5533,7 +5533,7 @@
               </a:spcAft>
             </a:pPr>
             <a:r>
-              <a:rPr sz="1500" b="0">
+              <a:rPr sz="1800" b="0">
                 <a:solidFill>
                   <a:srgbClr val="333333"/>
                 </a:solidFill>
@@ -5565,7 +5565,7 @@
               </a:spcAft>
             </a:pPr>
             <a:r>
-              <a:rPr sz="1800" b="1">
+              <a:rPr sz="2200" b="1">
                 <a:solidFill>
                   <a:srgbClr val="1B3A5C"/>
                 </a:solidFill>
@@ -5581,7 +5581,7 @@
               </a:spcAft>
             </a:pPr>
             <a:r>
-              <a:rPr sz="1500" b="0">
+              <a:rPr sz="1800" b="0">
                 <a:solidFill>
                   <a:srgbClr val="333333"/>
                 </a:solidFill>
@@ -5597,7 +5597,7 @@
               </a:spcAft>
             </a:pPr>
             <a:r>
-              <a:rPr sz="1500" b="0">
+              <a:rPr sz="1800" b="0">
                 <a:solidFill>
                   <a:srgbClr val="333333"/>
                 </a:solidFill>
@@ -5613,7 +5613,7 @@
               </a:spcAft>
             </a:pPr>
             <a:r>
-              <a:rPr sz="1500" b="0">
+              <a:rPr sz="1800" b="0">
                 <a:solidFill>
                   <a:srgbClr val="333333"/>
                 </a:solidFill>
@@ -5645,7 +5645,7 @@
               </a:spcAft>
             </a:pPr>
             <a:r>
-              <a:rPr sz="1800" b="1">
+              <a:rPr sz="2200" b="1">
                 <a:solidFill>
                   <a:srgbClr val="1B3A5C"/>
                 </a:solidFill>
@@ -5661,7 +5661,7 @@
               </a:spcAft>
             </a:pPr>
             <a:r>
-              <a:rPr sz="1500" b="0">
+              <a:rPr sz="1800" b="0">
                 <a:solidFill>
                   <a:srgbClr val="333333"/>
                 </a:solidFill>
@@ -5677,7 +5677,7 @@
               </a:spcAft>
             </a:pPr>
             <a:r>
-              <a:rPr sz="1500" b="0">
+              <a:rPr sz="1800" b="0">
                 <a:solidFill>
                   <a:srgbClr val="333333"/>
                 </a:solidFill>
@@ -5824,7 +5824,7 @@
           <a:p>
             <a:pPr algn="l"/>
             <a:r>
-              <a:rPr sz="2800" b="1">
+              <a:rPr sz="3400" b="1">
                 <a:solidFill>
                   <a:srgbClr val="FFFFFF"/>
                 </a:solidFill>
@@ -5902,7 +5902,7 @@
           <a:p>
             <a:pPr algn="r"/>
             <a:r>
-              <a:rPr sz="1000" b="0">
+              <a:rPr sz="1200" b="0">
                 <a:solidFill>
                   <a:srgbClr val="666666"/>
                 </a:solidFill>
@@ -5941,7 +5941,7 @@
               </a:spcAft>
             </a:pPr>
             <a:r>
-              <a:rPr sz="1700" b="1">
+              <a:rPr sz="2100" b="1">
                 <a:solidFill>
                   <a:srgbClr val="1B3A5C"/>
                 </a:solidFill>
@@ -5957,7 +5957,7 @@
               </a:spcAft>
             </a:pPr>
             <a:r>
-              <a:rPr sz="1400" b="0">
+              <a:rPr sz="1700" b="0">
                 <a:solidFill>
                   <a:srgbClr val="333333"/>
                 </a:solidFill>
@@ -5973,7 +5973,7 @@
               </a:spcAft>
             </a:pPr>
             <a:r>
-              <a:rPr sz="1400" b="0">
+              <a:rPr sz="1700" b="0">
                 <a:solidFill>
                   <a:srgbClr val="333333"/>
                 </a:solidFill>
@@ -5989,7 +5989,7 @@
               </a:spcAft>
             </a:pPr>
             <a:r>
-              <a:rPr sz="1400" b="0">
+              <a:rPr sz="1700" b="0">
                 <a:solidFill>
                   <a:srgbClr val="333333"/>
                 </a:solidFill>
@@ -6006,7 +6006,7 @@
               </a:spcAft>
             </a:pPr>
             <a:r>
-              <a:rPr sz="1400" b="0">
+              <a:rPr sz="1700" b="0">
                 <a:solidFill>
                   <a:srgbClr val="333333"/>
                 </a:solidFill>
@@ -6023,7 +6023,7 @@
               </a:spcAft>
             </a:pPr>
             <a:r>
-              <a:rPr sz="1400" b="0">
+              <a:rPr sz="1700" b="0">
                 <a:solidFill>
                   <a:srgbClr val="333333"/>
                 </a:solidFill>
@@ -6039,7 +6039,7 @@
               </a:spcAft>
             </a:pPr>
             <a:r>
-              <a:rPr sz="1400" b="0">
+              <a:rPr sz="1700" b="0">
                 <a:solidFill>
                   <a:srgbClr val="333333"/>
                 </a:solidFill>
@@ -6078,7 +6078,7 @@
               </a:spcAft>
             </a:pPr>
             <a:r>
-              <a:rPr sz="1700" b="1">
+              <a:rPr sz="2100" b="1">
                 <a:solidFill>
                   <a:srgbClr val="1B3A5C"/>
                 </a:solidFill>
@@ -6110,7 +6110,7 @@
               </a:spcAft>
             </a:pPr>
             <a:r>
-              <a:rPr sz="1500" b="1">
+              <a:rPr sz="1800" b="1">
                 <a:solidFill>
                   <a:srgbClr val="2C5F8A"/>
                 </a:solidFill>
@@ -6126,7 +6126,7 @@
               </a:spcAft>
             </a:pPr>
             <a:r>
-              <a:rPr sz="1400" b="0">
+              <a:rPr sz="1700" b="0">
                 <a:solidFill>
                   <a:srgbClr val="333333"/>
                 </a:solidFill>
@@ -6142,7 +6142,7 @@
               </a:spcAft>
             </a:pPr>
             <a:r>
-              <a:rPr sz="1400" b="0">
+              <a:rPr sz="1700" b="0">
                 <a:solidFill>
                   <a:srgbClr val="333333"/>
                 </a:solidFill>
@@ -6174,7 +6174,7 @@
               </a:spcAft>
             </a:pPr>
             <a:r>
-              <a:rPr sz="1500" b="1">
+              <a:rPr sz="1800" b="1">
                 <a:solidFill>
                   <a:srgbClr val="2C5F8A"/>
                 </a:solidFill>
@@ -6190,7 +6190,7 @@
               </a:spcAft>
             </a:pPr>
             <a:r>
-              <a:rPr sz="1400" b="0">
+              <a:rPr sz="1700" b="0">
                 <a:solidFill>
                   <a:srgbClr val="333333"/>
                 </a:solidFill>
@@ -6206,7 +6206,7 @@
               </a:spcAft>
             </a:pPr>
             <a:r>
-              <a:rPr sz="1400" b="0">
+              <a:rPr sz="1700" b="0">
                 <a:solidFill>
                   <a:srgbClr val="333333"/>
                 </a:solidFill>
@@ -6238,7 +6238,7 @@
               </a:spcAft>
             </a:pPr>
             <a:r>
-              <a:rPr sz="1500" b="1">
+              <a:rPr sz="1800" b="1">
                 <a:solidFill>
                   <a:srgbClr val="2C5F8A"/>
                 </a:solidFill>
@@ -6254,7 +6254,7 @@
               </a:spcAft>
             </a:pPr>
             <a:r>
-              <a:rPr sz="1400" b="0">
+              <a:rPr sz="1700" b="0">
                 <a:solidFill>
                   <a:srgbClr val="333333"/>
                 </a:solidFill>
@@ -6270,7 +6270,7 @@
               </a:spcAft>
             </a:pPr>
             <a:r>
-              <a:rPr sz="1400" b="0">
+              <a:rPr sz="1700" b="0">
                 <a:solidFill>
                   <a:srgbClr val="333333"/>
                 </a:solidFill>
@@ -6417,7 +6417,7 @@
           <a:p>
             <a:pPr algn="l"/>
             <a:r>
-              <a:rPr sz="2800" b="1">
+              <a:rPr sz="3400" b="1">
                 <a:solidFill>
                   <a:srgbClr val="FFFFFF"/>
                 </a:solidFill>
@@ -6495,7 +6495,7 @@
           <a:p>
             <a:pPr algn="r"/>
             <a:r>
-              <a:rPr sz="1000" b="0">
+              <a:rPr sz="1200" b="0">
                 <a:solidFill>
                   <a:srgbClr val="666666"/>
                 </a:solidFill>
@@ -6536,7 +6536,7 @@
                     <a:p>
                       <a:pPr algn="ctr"/>
                       <a:r>
-                        <a:rPr sz="1400" b="1">
+                        <a:rPr sz="1600" b="1">
                           <a:solidFill>
                             <a:srgbClr val="FFFFFF"/>
                           </a:solidFill>
@@ -6559,7 +6559,7 @@
                     <a:p>
                       <a:pPr algn="ctr"/>
                       <a:r>
-                        <a:rPr sz="1400" b="1">
+                        <a:rPr sz="1600" b="1">
                           <a:solidFill>
                             <a:srgbClr val="FFFFFF"/>
                           </a:solidFill>
@@ -6584,7 +6584,7 @@
                     <a:p>
                       <a:pPr algn="l"/>
                       <a:r>
-                        <a:rPr sz="1200" b="0">
+                        <a:rPr sz="1400" b="0">
                           <a:solidFill>
                             <a:srgbClr val="333333"/>
                           </a:solidFill>
@@ -6607,7 +6607,7 @@
                     <a:p>
                       <a:pPr algn="l"/>
                       <a:r>
-                        <a:rPr sz="1200" b="0">
+                        <a:rPr sz="1400" b="0">
                           <a:solidFill>
                             <a:srgbClr val="333333"/>
                           </a:solidFill>
@@ -6632,7 +6632,7 @@
                     <a:p>
                       <a:pPr algn="l"/>
                       <a:r>
-                        <a:rPr sz="1200" b="0">
+                        <a:rPr sz="1400" b="0">
                           <a:solidFill>
                             <a:srgbClr val="333333"/>
                           </a:solidFill>
@@ -6655,7 +6655,7 @@
                     <a:p>
                       <a:pPr algn="l"/>
                       <a:r>
-                        <a:rPr sz="1200" b="0">
+                        <a:rPr sz="1400" b="0">
                           <a:solidFill>
                             <a:srgbClr val="333333"/>
                           </a:solidFill>
@@ -6680,7 +6680,7 @@
                     <a:p>
                       <a:pPr algn="l"/>
                       <a:r>
-                        <a:rPr sz="1200" b="0">
+                        <a:rPr sz="1400" b="0">
                           <a:solidFill>
                             <a:srgbClr val="333333"/>
                           </a:solidFill>
@@ -6703,7 +6703,7 @@
                     <a:p>
                       <a:pPr algn="l"/>
                       <a:r>
-                        <a:rPr sz="1200" b="0">
+                        <a:rPr sz="1400" b="0">
                           <a:solidFill>
                             <a:srgbClr val="333333"/>
                           </a:solidFill>
@@ -6728,7 +6728,7 @@
                     <a:p>
                       <a:pPr algn="l"/>
                       <a:r>
-                        <a:rPr sz="1200" b="0">
+                        <a:rPr sz="1400" b="0">
                           <a:solidFill>
                             <a:srgbClr val="333333"/>
                           </a:solidFill>
@@ -6751,7 +6751,7 @@
                     <a:p>
                       <a:pPr algn="l"/>
                       <a:r>
-                        <a:rPr sz="1200" b="0">
+                        <a:rPr sz="1400" b="0">
                           <a:solidFill>
                             <a:srgbClr val="333333"/>
                           </a:solidFill>
@@ -6776,7 +6776,7 @@
                     <a:p>
                       <a:pPr algn="l"/>
                       <a:r>
-                        <a:rPr sz="1200" b="0">
+                        <a:rPr sz="1400" b="0">
                           <a:solidFill>
                             <a:srgbClr val="333333"/>
                           </a:solidFill>
@@ -6799,7 +6799,7 @@
                     <a:p>
                       <a:pPr algn="l"/>
                       <a:r>
-                        <a:rPr sz="1200" b="0">
+                        <a:rPr sz="1400" b="0">
                           <a:solidFill>
                             <a:srgbClr val="333333"/>
                           </a:solidFill>
@@ -6824,7 +6824,7 @@
                     <a:p>
                       <a:pPr algn="l"/>
                       <a:r>
-                        <a:rPr sz="1200" b="0">
+                        <a:rPr sz="1400" b="0">
                           <a:solidFill>
                             <a:srgbClr val="333333"/>
                           </a:solidFill>
@@ -6847,7 +6847,7 @@
                     <a:p>
                       <a:pPr algn="l"/>
                       <a:r>
-                        <a:rPr sz="1200" b="0">
+                        <a:rPr sz="1400" b="0">
                           <a:solidFill>
                             <a:srgbClr val="333333"/>
                           </a:solidFill>
@@ -6872,7 +6872,7 @@
                     <a:p>
                       <a:pPr algn="l"/>
                       <a:r>
-                        <a:rPr sz="1200" b="0">
+                        <a:rPr sz="1400" b="0">
                           <a:solidFill>
                             <a:srgbClr val="333333"/>
                           </a:solidFill>
@@ -6895,7 +6895,7 @@
                     <a:p>
                       <a:pPr algn="l"/>
                       <a:r>
-                        <a:rPr sz="1200" b="0">
+                        <a:rPr sz="1400" b="0">
                           <a:solidFill>
                             <a:srgbClr val="333333"/>
                           </a:solidFill>
@@ -6920,7 +6920,7 @@
                     <a:p>
                       <a:pPr algn="l"/>
                       <a:r>
-                        <a:rPr sz="1200" b="0">
+                        <a:rPr sz="1400" b="0">
                           <a:solidFill>
                             <a:srgbClr val="333333"/>
                           </a:solidFill>
@@ -6943,7 +6943,7 @@
                     <a:p>
                       <a:pPr algn="l"/>
                       <a:r>
-                        <a:rPr sz="1200" b="0">
+                        <a:rPr sz="1400" b="0">
                           <a:solidFill>
                             <a:srgbClr val="333333"/>
                           </a:solidFill>
@@ -6968,7 +6968,7 @@
                     <a:p>
                       <a:pPr algn="l"/>
                       <a:r>
-                        <a:rPr sz="1200" b="0">
+                        <a:rPr sz="1400" b="0">
                           <a:solidFill>
                             <a:srgbClr val="333333"/>
                           </a:solidFill>
@@ -6991,7 +6991,7 @@
                     <a:p>
                       <a:pPr algn="l"/>
                       <a:r>
-                        <a:rPr sz="1200" b="0">
+                        <a:rPr sz="1400" b="0">
                           <a:solidFill>
                             <a:srgbClr val="333333"/>
                           </a:solidFill>
@@ -7016,7 +7016,7 @@
                     <a:p>
                       <a:pPr algn="l"/>
                       <a:r>
-                        <a:rPr sz="1200" b="0">
+                        <a:rPr sz="1400" b="0">
                           <a:solidFill>
                             <a:srgbClr val="333333"/>
                           </a:solidFill>
@@ -7039,7 +7039,7 @@
                     <a:p>
                       <a:pPr algn="l"/>
                       <a:r>
-                        <a:rPr sz="1200" b="0">
+                        <a:rPr sz="1400" b="0">
                           <a:solidFill>
                             <a:srgbClr val="333333"/>
                           </a:solidFill>
@@ -7064,7 +7064,7 @@
                     <a:p>
                       <a:pPr algn="l"/>
                       <a:r>
-                        <a:rPr sz="1200" b="0">
+                        <a:rPr sz="1400" b="0">
                           <a:solidFill>
                             <a:srgbClr val="333333"/>
                           </a:solidFill>
@@ -7087,7 +7087,7 @@
                     <a:p>
                       <a:pPr algn="l"/>
                       <a:r>
-                        <a:rPr sz="1200" b="0">
+                        <a:rPr sz="1400" b="0">
                           <a:solidFill>
                             <a:srgbClr val="333333"/>
                           </a:solidFill>
@@ -7244,7 +7244,7 @@
           <a:p>
             <a:pPr algn="l"/>
             <a:r>
-              <a:rPr sz="2800" b="1">
+              <a:rPr sz="3400" b="1">
                 <a:solidFill>
                   <a:srgbClr val="FFFFFF"/>
                 </a:solidFill>
@@ -7322,7 +7322,7 @@
           <a:p>
             <a:pPr algn="r"/>
             <a:r>
-              <a:rPr sz="1000" b="0">
+              <a:rPr sz="1200" b="0">
                 <a:solidFill>
                   <a:srgbClr val="666666"/>
                 </a:solidFill>
@@ -7364,7 +7364,7 @@
                     <a:p>
                       <a:pPr algn="ctr"/>
                       <a:r>
-                        <a:rPr sz="1400" b="1">
+                        <a:rPr sz="1600" b="1">
                           <a:solidFill>
                             <a:srgbClr val="FFFFFF"/>
                           </a:solidFill>
@@ -7387,7 +7387,7 @@
                     <a:p>
                       <a:pPr algn="ctr"/>
                       <a:r>
-                        <a:rPr sz="1400" b="1">
+                        <a:rPr sz="1600" b="1">
                           <a:solidFill>
                             <a:srgbClr val="FFFFFF"/>
                           </a:solidFill>
@@ -7410,7 +7410,7 @@
                     <a:p>
                       <a:pPr algn="ctr"/>
                       <a:r>
-                        <a:rPr sz="1400" b="1">
+                        <a:rPr sz="1600" b="1">
                           <a:solidFill>
                             <a:srgbClr val="FFFFFF"/>
                           </a:solidFill>
@@ -7435,7 +7435,7 @@
                     <a:p>
                       <a:pPr algn="l"/>
                       <a:r>
-                        <a:rPr sz="1100" b="0">
+                        <a:rPr sz="1400" b="0">
                           <a:solidFill>
                             <a:srgbClr val="333333"/>
                           </a:solidFill>
@@ -7459,7 +7459,7 @@
                     <a:p>
                       <a:pPr algn="l"/>
                       <a:r>
-                        <a:rPr sz="1100" b="0">
+                        <a:rPr sz="1400" b="0">
                           <a:solidFill>
                             <a:srgbClr val="333333"/>
                           </a:solidFill>
@@ -7483,7 +7483,7 @@
                     <a:p>
                       <a:pPr algn="l"/>
                       <a:r>
-                        <a:rPr sz="1100" b="0">
+                        <a:rPr sz="1400" b="0">
                           <a:solidFill>
                             <a:srgbClr val="333333"/>
                           </a:solidFill>
@@ -7509,7 +7509,7 @@
                     <a:p>
                       <a:pPr algn="l"/>
                       <a:r>
-                        <a:rPr sz="1100" b="0">
+                        <a:rPr sz="1400" b="0">
                           <a:solidFill>
                             <a:srgbClr val="333333"/>
                           </a:solidFill>
@@ -7532,7 +7532,7 @@
                     <a:p>
                       <a:pPr algn="l"/>
                       <a:r>
-                        <a:rPr sz="1100" b="0">
+                        <a:rPr sz="1400" b="0">
                           <a:solidFill>
                             <a:srgbClr val="333333"/>
                           </a:solidFill>
@@ -7555,7 +7555,7 @@
                     <a:p>
                       <a:pPr algn="l"/>
                       <a:r>
-                        <a:rPr sz="1100" b="0">
+                        <a:rPr sz="1400" b="0">
                           <a:solidFill>
                             <a:srgbClr val="333333"/>
                           </a:solidFill>
@@ -7581,7 +7581,7 @@
                     <a:p>
                       <a:pPr algn="l"/>
                       <a:r>
-                        <a:rPr sz="1100" b="0">
+                        <a:rPr sz="1400" b="0">
                           <a:solidFill>
                             <a:srgbClr val="333333"/>
                           </a:solidFill>
@@ -7604,7 +7604,7 @@
                     <a:p>
                       <a:pPr algn="l"/>
                       <a:r>
-                        <a:rPr sz="1100" b="0">
+                        <a:rPr sz="1400" b="0">
                           <a:solidFill>
                             <a:srgbClr val="333333"/>
                           </a:solidFill>
@@ -7627,7 +7627,7 @@
                     <a:p>
                       <a:pPr algn="l"/>
                       <a:r>
-                        <a:rPr sz="1100" b="0">
+                        <a:rPr sz="1400" b="0">
                           <a:solidFill>
                             <a:srgbClr val="333333"/>
                           </a:solidFill>
@@ -7653,7 +7653,7 @@
                     <a:p>
                       <a:pPr algn="l"/>
                       <a:r>
-                        <a:rPr sz="1100" b="0">
+                        <a:rPr sz="1400" b="0">
                           <a:solidFill>
                             <a:srgbClr val="333333"/>
                           </a:solidFill>
@@ -7676,7 +7676,7 @@
                     <a:p>
                       <a:pPr algn="l"/>
                       <a:r>
-                        <a:rPr sz="1100" b="0">
+                        <a:rPr sz="1400" b="0">
                           <a:solidFill>
                             <a:srgbClr val="333333"/>
                           </a:solidFill>
@@ -7699,7 +7699,7 @@
                     <a:p>
                       <a:pPr algn="l"/>
                       <a:r>
-                        <a:rPr sz="1100" b="0">
+                        <a:rPr sz="1400" b="0">
                           <a:solidFill>
                             <a:srgbClr val="333333"/>
                           </a:solidFill>
@@ -7724,7 +7724,7 @@
                     <a:p>
                       <a:pPr algn="l"/>
                       <a:r>
-                        <a:rPr sz="1100" b="0">
+                        <a:rPr sz="1400" b="0">
                           <a:solidFill>
                             <a:srgbClr val="333333"/>
                           </a:solidFill>
@@ -7747,7 +7747,7 @@
                     <a:p>
                       <a:pPr algn="l"/>
                       <a:r>
-                        <a:rPr sz="1100" b="0">
+                        <a:rPr sz="1400" b="0">
                           <a:solidFill>
                             <a:srgbClr val="333333"/>
                           </a:solidFill>
@@ -7770,7 +7770,7 @@
                     <a:p>
                       <a:pPr algn="l"/>
                       <a:r>
-                        <a:rPr sz="1100" b="0">
+                        <a:rPr sz="1400" b="0">
                           <a:solidFill>
                             <a:srgbClr val="333333"/>
                           </a:solidFill>
@@ -7796,7 +7796,7 @@
                     <a:p>
                       <a:pPr algn="l"/>
                       <a:r>
-                        <a:rPr sz="1100" b="0">
+                        <a:rPr sz="1400" b="0">
                           <a:solidFill>
                             <a:srgbClr val="333333"/>
                           </a:solidFill>
@@ -7819,7 +7819,7 @@
                     <a:p>
                       <a:pPr algn="l"/>
                       <a:r>
-                        <a:rPr sz="1100" b="0">
+                        <a:rPr sz="1400" b="0">
                           <a:solidFill>
                             <a:srgbClr val="333333"/>
                           </a:solidFill>
@@ -7842,7 +7842,7 @@
                     <a:p>
                       <a:pPr algn="l"/>
                       <a:r>
-                        <a:rPr sz="1100" b="0">
+                        <a:rPr sz="1400" b="0">
                           <a:solidFill>
                             <a:srgbClr val="333333"/>
                           </a:solidFill>
@@ -7892,7 +7892,7 @@
               </a:spcAft>
             </a:pPr>
             <a:r>
-              <a:rPr sz="1500" b="1">
+              <a:rPr sz="1800" b="1">
                 <a:solidFill>
                   <a:srgbClr val="1B3A5C"/>
                 </a:solidFill>
@@ -8039,7 +8039,7 @@
           <a:p>
             <a:pPr algn="l"/>
             <a:r>
-              <a:rPr sz="2800" b="1">
+              <a:rPr sz="3400" b="1">
                 <a:solidFill>
                   <a:srgbClr val="FFFFFF"/>
                 </a:solidFill>
@@ -8117,7 +8117,7 @@
           <a:p>
             <a:pPr algn="r"/>
             <a:r>
-              <a:rPr sz="1000" b="0">
+              <a:rPr sz="1200" b="0">
                 <a:solidFill>
                   <a:srgbClr val="666666"/>
                 </a:solidFill>
@@ -8159,7 +8159,7 @@
                     <a:p>
                       <a:pPr algn="ctr"/>
                       <a:r>
-                        <a:rPr sz="1400" b="1">
+                        <a:rPr sz="1600" b="1">
                           <a:solidFill>
                             <a:srgbClr val="FFFFFF"/>
                           </a:solidFill>
@@ -8182,7 +8182,7 @@
                     <a:p>
                       <a:pPr algn="ctr"/>
                       <a:r>
-                        <a:rPr sz="1400" b="1">
+                        <a:rPr sz="1600" b="1">
                           <a:solidFill>
                             <a:srgbClr val="FFFFFF"/>
                           </a:solidFill>
@@ -8205,7 +8205,7 @@
                     <a:p>
                       <a:pPr algn="ctr"/>
                       <a:r>
-                        <a:rPr sz="1400" b="1">
+                        <a:rPr sz="1600" b="1">
                           <a:solidFill>
                             <a:srgbClr val="FFFFFF"/>
                           </a:solidFill>
@@ -8230,7 +8230,7 @@
                     <a:p>
                       <a:pPr algn="l"/>
                       <a:r>
-                        <a:rPr sz="1200" b="0">
+                        <a:rPr sz="1400" b="0">
                           <a:solidFill>
                             <a:srgbClr val="333333"/>
                           </a:solidFill>
@@ -8253,7 +8253,7 @@
                     <a:p>
                       <a:pPr algn="l"/>
                       <a:r>
-                        <a:rPr sz="1200" b="0">
+                        <a:rPr sz="1400" b="0">
                           <a:solidFill>
                             <a:srgbClr val="333333"/>
                           </a:solidFill>
@@ -8276,7 +8276,7 @@
                     <a:p>
                       <a:pPr algn="l"/>
                       <a:r>
-                        <a:rPr sz="1200" b="0">
+                        <a:rPr sz="1400" b="0">
                           <a:solidFill>
                             <a:srgbClr val="333333"/>
                           </a:solidFill>
@@ -8301,7 +8301,7 @@
                     <a:p>
                       <a:pPr algn="l"/>
                       <a:r>
-                        <a:rPr sz="1200" b="0">
+                        <a:rPr sz="1400" b="0">
                           <a:solidFill>
                             <a:srgbClr val="333333"/>
                           </a:solidFill>
@@ -8324,7 +8324,7 @@
                     <a:p>
                       <a:pPr algn="l"/>
                       <a:r>
-                        <a:rPr sz="1200" b="0">
+                        <a:rPr sz="1400" b="0">
                           <a:solidFill>
                             <a:srgbClr val="333333"/>
                           </a:solidFill>
@@ -8347,7 +8347,7 @@
                     <a:p>
                       <a:pPr algn="l"/>
                       <a:r>
-                        <a:rPr sz="1200" b="0">
+                        <a:rPr sz="1400" b="0">
                           <a:solidFill>
                             <a:srgbClr val="333333"/>
                           </a:solidFill>
@@ -8372,7 +8372,7 @@
                     <a:p>
                       <a:pPr algn="l"/>
                       <a:r>
-                        <a:rPr sz="1200" b="0">
+                        <a:rPr sz="1400" b="0">
                           <a:solidFill>
                             <a:srgbClr val="333333"/>
                           </a:solidFill>
@@ -8395,7 +8395,7 @@
                     <a:p>
                       <a:pPr algn="l"/>
                       <a:r>
-                        <a:rPr sz="1200" b="0">
+                        <a:rPr sz="1400" b="0">
                           <a:solidFill>
                             <a:srgbClr val="333333"/>
                           </a:solidFill>
@@ -8418,7 +8418,7 @@
                     <a:p>
                       <a:pPr algn="l"/>
                       <a:r>
-                        <a:rPr sz="1200" b="0">
+                        <a:rPr sz="1400" b="0">
                           <a:solidFill>
                             <a:srgbClr val="333333"/>
                           </a:solidFill>
@@ -8443,7 +8443,7 @@
                     <a:p>
                       <a:pPr algn="l"/>
                       <a:r>
-                        <a:rPr sz="1200" b="0">
+                        <a:rPr sz="1400" b="0">
                           <a:solidFill>
                             <a:srgbClr val="333333"/>
                           </a:solidFill>
@@ -8466,7 +8466,7 @@
                     <a:p>
                       <a:pPr algn="l"/>
                       <a:r>
-                        <a:rPr sz="1200" b="0">
+                        <a:rPr sz="1400" b="0">
                           <a:solidFill>
                             <a:srgbClr val="333333"/>
                           </a:solidFill>
@@ -8489,7 +8489,7 @@
                     <a:p>
                       <a:pPr algn="l"/>
                       <a:r>
-                        <a:rPr sz="1200" b="0">
+                        <a:rPr sz="1400" b="0">
                           <a:solidFill>
                             <a:srgbClr val="333333"/>
                           </a:solidFill>
@@ -8514,7 +8514,7 @@
                     <a:p>
                       <a:pPr algn="l"/>
                       <a:r>
-                        <a:rPr sz="1200" b="0">
+                        <a:rPr sz="1400" b="0">
                           <a:solidFill>
                             <a:srgbClr val="333333"/>
                           </a:solidFill>
@@ -8537,7 +8537,7 @@
                     <a:p>
                       <a:pPr algn="l"/>
                       <a:r>
-                        <a:rPr sz="1200" b="0">
+                        <a:rPr sz="1400" b="0">
                           <a:solidFill>
                             <a:srgbClr val="333333"/>
                           </a:solidFill>
@@ -8560,7 +8560,7 @@
                     <a:p>
                       <a:pPr algn="l"/>
                       <a:r>
-                        <a:rPr sz="1200" b="0">
+                        <a:rPr sz="1400" b="0">
                           <a:solidFill>
                             <a:srgbClr val="333333"/>
                           </a:solidFill>
@@ -8585,7 +8585,7 @@
                     <a:p>
                       <a:pPr algn="l"/>
                       <a:r>
-                        <a:rPr sz="1200" b="0">
+                        <a:rPr sz="1400" b="0">
                           <a:solidFill>
                             <a:srgbClr val="333333"/>
                           </a:solidFill>
@@ -8608,7 +8608,7 @@
                     <a:p>
                       <a:pPr algn="l"/>
                       <a:r>
-                        <a:rPr sz="1200" b="0">
+                        <a:rPr sz="1400" b="0">
                           <a:solidFill>
                             <a:srgbClr val="333333"/>
                           </a:solidFill>
@@ -8631,7 +8631,7 @@
                     <a:p>
                       <a:pPr algn="l"/>
                       <a:r>
-                        <a:rPr sz="1200" b="0">
+                        <a:rPr sz="1400" b="0">
                           <a:solidFill>
                             <a:srgbClr val="333333"/>
                           </a:solidFill>
@@ -8656,7 +8656,7 @@
                     <a:p>
                       <a:pPr algn="l"/>
                       <a:r>
-                        <a:rPr sz="1200" b="0">
+                        <a:rPr sz="1400" b="0">
                           <a:solidFill>
                             <a:srgbClr val="333333"/>
                           </a:solidFill>
@@ -8679,7 +8679,7 @@
                     <a:p>
                       <a:pPr algn="l"/>
                       <a:r>
-                        <a:rPr sz="1200" b="0">
+                        <a:rPr sz="1400" b="0">
                           <a:solidFill>
                             <a:srgbClr val="333333"/>
                           </a:solidFill>
@@ -8702,7 +8702,7 @@
                     <a:p>
                       <a:pPr algn="l"/>
                       <a:r>
-                        <a:rPr sz="1200" b="0">
+                        <a:rPr sz="1400" b="0">
                           <a:solidFill>
                             <a:srgbClr val="333333"/>
                           </a:solidFill>
@@ -8727,7 +8727,7 @@
                     <a:p>
                       <a:pPr algn="l"/>
                       <a:r>
-                        <a:rPr sz="1200" b="0">
+                        <a:rPr sz="1400" b="0">
                           <a:solidFill>
                             <a:srgbClr val="333333"/>
                           </a:solidFill>
@@ -8750,7 +8750,7 @@
                     <a:p>
                       <a:pPr algn="l"/>
                       <a:r>
-                        <a:rPr sz="1200" b="0">
+                        <a:rPr sz="1400" b="0">
                           <a:solidFill>
                             <a:srgbClr val="333333"/>
                           </a:solidFill>
@@ -8773,7 +8773,7 @@
                     <a:p>
                       <a:pPr algn="l"/>
                       <a:r>
-                        <a:rPr sz="1200" b="0">
+                        <a:rPr sz="1400" b="0">
                           <a:solidFill>
                             <a:srgbClr val="333333"/>
                           </a:solidFill>
@@ -8798,7 +8798,7 @@
                     <a:p>
                       <a:pPr algn="l"/>
                       <a:r>
-                        <a:rPr sz="1200" b="0">
+                        <a:rPr sz="1400" b="0">
                           <a:solidFill>
                             <a:srgbClr val="333333"/>
                           </a:solidFill>
@@ -8821,7 +8821,7 @@
                     <a:p>
                       <a:pPr algn="l"/>
                       <a:r>
-                        <a:rPr sz="1200" b="0">
+                        <a:rPr sz="1400" b="0">
                           <a:solidFill>
                             <a:srgbClr val="333333"/>
                           </a:solidFill>
@@ -8844,7 +8844,7 @@
                     <a:p>
                       <a:pPr algn="l"/>
                       <a:r>
-                        <a:rPr sz="1200" b="0">
+                        <a:rPr sz="1400" b="0">
                           <a:solidFill>
                             <a:srgbClr val="333333"/>
                           </a:solidFill>
@@ -8869,7 +8869,7 @@
                     <a:p>
                       <a:pPr algn="l"/>
                       <a:r>
-                        <a:rPr sz="1200" b="0">
+                        <a:rPr sz="1400" b="0">
                           <a:solidFill>
                             <a:srgbClr val="333333"/>
                           </a:solidFill>
@@ -8892,7 +8892,7 @@
                     <a:p>
                       <a:pPr algn="l"/>
                       <a:r>
-                        <a:rPr sz="1200" b="0">
+                        <a:rPr sz="1400" b="0">
                           <a:solidFill>
                             <a:srgbClr val="333333"/>
                           </a:solidFill>
@@ -8915,7 +8915,7 @@
                     <a:p>
                       <a:pPr algn="l"/>
                       <a:r>
-                        <a:rPr sz="1200" b="0">
+                        <a:rPr sz="1400" b="0">
                           <a:solidFill>
                             <a:srgbClr val="333333"/>
                           </a:solidFill>
@@ -8940,7 +8940,7 @@
                     <a:p>
                       <a:pPr algn="l"/>
                       <a:r>
-                        <a:rPr sz="1200" b="0">
+                        <a:rPr sz="1400" b="0">
                           <a:solidFill>
                             <a:srgbClr val="333333"/>
                           </a:solidFill>
@@ -8963,7 +8963,7 @@
                     <a:p>
                       <a:pPr algn="l"/>
                       <a:r>
-                        <a:rPr sz="1200" b="0">
+                        <a:rPr sz="1400" b="0">
                           <a:solidFill>
                             <a:srgbClr val="333333"/>
                           </a:solidFill>
@@ -8986,7 +8986,7 @@
                     <a:p>
                       <a:pPr algn="l"/>
                       <a:r>
-                        <a:rPr sz="1200" b="0">
+                        <a:rPr sz="1400" b="0">
                           <a:solidFill>
                             <a:srgbClr val="333333"/>
                           </a:solidFill>
@@ -9011,7 +9011,7 @@
                     <a:p>
                       <a:pPr algn="l"/>
                       <a:r>
-                        <a:rPr sz="1200" b="0">
+                        <a:rPr sz="1400" b="0">
                           <a:solidFill>
                             <a:srgbClr val="333333"/>
                           </a:solidFill>
@@ -9034,7 +9034,7 @@
                     <a:p>
                       <a:pPr algn="l"/>
                       <a:r>
-                        <a:rPr sz="1200" b="0">
+                        <a:rPr sz="1400" b="0">
                           <a:solidFill>
                             <a:srgbClr val="333333"/>
                           </a:solidFill>
@@ -9057,7 +9057,7 @@
                     <a:p>
                       <a:pPr algn="l"/>
                       <a:r>
-                        <a:rPr sz="1200" b="0">
+                        <a:rPr sz="1400" b="0">
                           <a:solidFill>
                             <a:srgbClr val="333333"/>
                           </a:solidFill>
@@ -9214,7 +9214,7 @@
           <a:p>
             <a:pPr algn="l"/>
             <a:r>
-              <a:rPr sz="2800" b="1">
+              <a:rPr sz="3400" b="1">
                 <a:solidFill>
                   <a:srgbClr val="FFFFFF"/>
                 </a:solidFill>
@@ -9292,7 +9292,7 @@
           <a:p>
             <a:pPr algn="r"/>
             <a:r>
-              <a:rPr sz="1000" b="0">
+              <a:rPr sz="1200" b="0">
                 <a:solidFill>
                   <a:srgbClr val="666666"/>
                 </a:solidFill>
@@ -9344,7 +9344,7 @@
           <a:p>
             <a:pPr algn="ctr"/>
             <a:r>
-              <a:rPr sz="1600" b="1">
+              <a:rPr sz="2000" b="1">
                 <a:solidFill>
                   <a:srgbClr val="FFFFFF"/>
                 </a:solidFill>
@@ -9383,7 +9383,7 @@
               </a:spcAft>
             </a:pPr>
             <a:r>
-              <a:rPr sz="1200" b="0">
+              <a:rPr sz="1500" b="0">
                 <a:solidFill>
                   <a:srgbClr val="333333"/>
                 </a:solidFill>
@@ -9399,7 +9399,7 @@
               </a:spcAft>
             </a:pPr>
             <a:r>
-              <a:rPr sz="1200" b="0">
+              <a:rPr sz="1500" b="0">
                 <a:solidFill>
                   <a:srgbClr val="333333"/>
                 </a:solidFill>
@@ -9415,7 +9415,7 @@
               </a:spcAft>
             </a:pPr>
             <a:r>
-              <a:rPr sz="1200" b="0">
+              <a:rPr sz="1500" b="0">
                 <a:solidFill>
                   <a:srgbClr val="333333"/>
                 </a:solidFill>
@@ -9468,7 +9468,7 @@
           <a:p>
             <a:pPr algn="ctr"/>
             <a:r>
-              <a:rPr sz="1600" b="1">
+              <a:rPr sz="2000" b="1">
                 <a:solidFill>
                   <a:srgbClr val="FFFFFF"/>
                 </a:solidFill>
@@ -9507,7 +9507,7 @@
               </a:spcAft>
             </a:pPr>
             <a:r>
-              <a:rPr sz="1200" b="0">
+              <a:rPr sz="1500" b="0">
                 <a:solidFill>
                   <a:srgbClr val="333333"/>
                 </a:solidFill>
@@ -9523,7 +9523,7 @@
               </a:spcAft>
             </a:pPr>
             <a:r>
-              <a:rPr sz="1200" b="0">
+              <a:rPr sz="1500" b="0">
                 <a:solidFill>
                   <a:srgbClr val="333333"/>
                 </a:solidFill>
@@ -9539,7 +9539,7 @@
               </a:spcAft>
             </a:pPr>
             <a:r>
-              <a:rPr sz="1200" b="0">
+              <a:rPr sz="1500" b="0">
                 <a:solidFill>
                   <a:srgbClr val="333333"/>
                 </a:solidFill>
@@ -9592,7 +9592,7 @@
           <a:p>
             <a:pPr algn="ctr"/>
             <a:r>
-              <a:rPr sz="1600" b="1">
+              <a:rPr sz="2000" b="1">
                 <a:solidFill>
                   <a:srgbClr val="FFFFFF"/>
                 </a:solidFill>
@@ -9631,7 +9631,7 @@
               </a:spcAft>
             </a:pPr>
             <a:r>
-              <a:rPr sz="1200" b="0">
+              <a:rPr sz="1500" b="0">
                 <a:solidFill>
                   <a:srgbClr val="333333"/>
                 </a:solidFill>
@@ -9647,7 +9647,7 @@
               </a:spcAft>
             </a:pPr>
             <a:r>
-              <a:rPr sz="1200" b="0">
+              <a:rPr sz="1500" b="0">
                 <a:solidFill>
                   <a:srgbClr val="333333"/>
                 </a:solidFill>
@@ -9663,7 +9663,7 @@
               </a:spcAft>
             </a:pPr>
             <a:r>
-              <a:rPr sz="1200" b="0">
+              <a:rPr sz="1500" b="0">
                 <a:solidFill>
                   <a:srgbClr val="333333"/>
                 </a:solidFill>
@@ -9679,7 +9679,7 @@
               </a:spcAft>
             </a:pPr>
             <a:r>
-              <a:rPr sz="1200" b="0">
+              <a:rPr sz="1500" b="0">
                 <a:solidFill>
                   <a:srgbClr val="333333"/>
                 </a:solidFill>
@@ -9731,7 +9731,7 @@
           <a:p>
             <a:pPr algn="ctr"/>
             <a:r>
-              <a:rPr sz="1600" b="1">
+              <a:rPr sz="2000" b="1">
                 <a:solidFill>
                   <a:srgbClr val="FFFFFF"/>
                 </a:solidFill>
@@ -9770,7 +9770,7 @@
               </a:spcAft>
             </a:pPr>
             <a:r>
-              <a:rPr sz="1200" b="0">
+              <a:rPr sz="1500" b="0">
                 <a:solidFill>
                   <a:srgbClr val="333333"/>
                 </a:solidFill>
@@ -9786,7 +9786,7 @@
               </a:spcAft>
             </a:pPr>
             <a:r>
-              <a:rPr sz="1200" b="0">
+              <a:rPr sz="1500" b="0">
                 <a:solidFill>
                   <a:srgbClr val="333333"/>
                 </a:solidFill>
@@ -9802,7 +9802,7 @@
               </a:spcAft>
             </a:pPr>
             <a:r>
-              <a:rPr sz="1200" b="0">
+              <a:rPr sz="1500" b="0">
                 <a:solidFill>
                   <a:srgbClr val="333333"/>
                 </a:solidFill>
@@ -9819,7 +9819,7 @@
               </a:spcAft>
             </a:pPr>
             <a:r>
-              <a:rPr sz="1200" b="0">
+              <a:rPr sz="1500" b="0">
                 <a:solidFill>
                   <a:srgbClr val="333333"/>
                 </a:solidFill>
@@ -9871,7 +9871,7 @@
           <a:p>
             <a:pPr algn="ctr"/>
             <a:r>
-              <a:rPr sz="1200" b="1">
+              <a:rPr sz="1500" b="1">
                 <a:solidFill>
                   <a:srgbClr val="1B3A5C"/>
                 </a:solidFill>
@@ -9975,7 +9975,7 @@
           <a:p>
             <a:pPr algn="ctr"/>
             <a:r>
-              <a:rPr sz="3600" b="1">
+              <a:rPr sz="4200" b="1">
                 <a:solidFill>
                   <a:srgbClr val="FFFFFF"/>
                 </a:solidFill>
@@ -10027,7 +10027,7 @@
           <a:p>
             <a:pPr algn="ctr"/>
             <a:r>
-              <a:rPr sz="2000" b="1">
+              <a:rPr sz="2400" b="1">
                 <a:solidFill>
                   <a:srgbClr val="FFFFFF"/>
                 </a:solidFill>
@@ -10061,7 +10061,7 @@
           <a:lstStyle/>
           <a:p>
             <a:r>
-              <a:rPr sz="2000" b="1">
+              <a:rPr sz="2400" b="1">
                 <a:solidFill>
                   <a:srgbClr val="2ECC71"/>
                 </a:solidFill>
@@ -10080,7 +10080,7 @@
         </p:nvSpPr>
         <p:spPr>
           <a:xfrm>
-            <a:off x="1737360" y="2423160"/>
+            <a:off x="1737360" y="2468880"/>
             <a:ext cx="8686800" cy="914400"/>
           </a:xfrm>
           <a:prstGeom prst="rect">
@@ -10100,7 +10100,7 @@
               </a:spcAft>
             </a:pPr>
             <a:r>
-              <a:rPr sz="1300" b="0">
+              <a:rPr sz="1600" b="0">
                 <a:solidFill>
                   <a:srgbClr val="CCCCCC"/>
                 </a:solidFill>
@@ -10116,7 +10116,7 @@
               </a:spcAft>
             </a:pPr>
             <a:r>
-              <a:rPr sz="1300" b="0">
+              <a:rPr sz="1600" b="0">
                 <a:solidFill>
                   <a:srgbClr val="CCCCCC"/>
                 </a:solidFill>
@@ -10132,7 +10132,7 @@
               </a:spcAft>
             </a:pPr>
             <a:r>
-              <a:rPr sz="1300" b="0">
+              <a:rPr sz="1600" b="0">
                 <a:solidFill>
                   <a:srgbClr val="CCCCCC"/>
                 </a:solidFill>
@@ -10184,7 +10184,7 @@
           <a:p>
             <a:pPr algn="ctr"/>
             <a:r>
-              <a:rPr sz="2000" b="1">
+              <a:rPr sz="2400" b="1">
                 <a:solidFill>
                   <a:srgbClr val="FFFFFF"/>
                 </a:solidFill>
@@ -10218,7 +10218,7 @@
           <a:lstStyle/>
           <a:p>
             <a:r>
-              <a:rPr sz="2000" b="1">
+              <a:rPr sz="2400" b="1">
                 <a:solidFill>
                   <a:srgbClr val="2ECC71"/>
                 </a:solidFill>
@@ -10237,7 +10237,7 @@
         </p:nvSpPr>
         <p:spPr>
           <a:xfrm>
-            <a:off x="1737360" y="3886200"/>
+            <a:off x="1737360" y="3931920"/>
             <a:ext cx="8686800" cy="914400"/>
           </a:xfrm>
           <a:prstGeom prst="rect">
@@ -10257,7 +10257,7 @@
               </a:spcAft>
             </a:pPr>
             <a:r>
-              <a:rPr sz="1300" b="0">
+              <a:rPr sz="1600" b="0">
                 <a:solidFill>
                   <a:srgbClr val="CCCCCC"/>
                 </a:solidFill>
@@ -10273,7 +10273,7 @@
               </a:spcAft>
             </a:pPr>
             <a:r>
-              <a:rPr sz="1300" b="0">
+              <a:rPr sz="1600" b="0">
                 <a:solidFill>
                   <a:srgbClr val="CCCCCC"/>
                 </a:solidFill>
@@ -10289,7 +10289,7 @@
               </a:spcAft>
             </a:pPr>
             <a:r>
-              <a:rPr sz="1300" b="0">
+              <a:rPr sz="1600" b="0">
                 <a:solidFill>
                   <a:srgbClr val="CCCCCC"/>
                 </a:solidFill>
@@ -10341,7 +10341,7 @@
           <a:p>
             <a:pPr algn="ctr"/>
             <a:r>
-              <a:rPr sz="2000" b="1">
+              <a:rPr sz="2400" b="1">
                 <a:solidFill>
                   <a:srgbClr val="FFFFFF"/>
                 </a:solidFill>
@@ -10375,7 +10375,7 @@
           <a:lstStyle/>
           <a:p>
             <a:r>
-              <a:rPr sz="2000" b="1">
+              <a:rPr sz="2400" b="1">
                 <a:solidFill>
                   <a:srgbClr val="2ECC71"/>
                 </a:solidFill>
@@ -10394,7 +10394,7 @@
         </p:nvSpPr>
         <p:spPr>
           <a:xfrm>
-            <a:off x="1737360" y="5349240"/>
+            <a:off x="1737360" y="5394960"/>
             <a:ext cx="8686800" cy="914400"/>
           </a:xfrm>
           <a:prstGeom prst="rect">
@@ -10414,7 +10414,7 @@
               </a:spcAft>
             </a:pPr>
             <a:r>
-              <a:rPr sz="1300" b="0">
+              <a:rPr sz="1600" b="0">
                 <a:solidFill>
                   <a:srgbClr val="CCCCCC"/>
                 </a:solidFill>
@@ -10430,7 +10430,7 @@
               </a:spcAft>
             </a:pPr>
             <a:r>
-              <a:rPr sz="1300" b="0">
+              <a:rPr sz="1600" b="0">
                 <a:solidFill>
                   <a:srgbClr val="CCCCCC"/>
                 </a:solidFill>
@@ -10446,7 +10446,7 @@
               </a:spcAft>
             </a:pPr>
             <a:r>
-              <a:rPr sz="1300" b="0">
+              <a:rPr sz="1600" b="0">
                 <a:solidFill>
                   <a:srgbClr val="CCCCCC"/>
                 </a:solidFill>
@@ -10524,7 +10524,7 @@
           <a:p>
             <a:pPr algn="ctr"/>
             <a:r>
-              <a:rPr sz="2400" b="1">
+              <a:rPr sz="3000" b="1">
                 <a:solidFill>
                   <a:srgbClr val="FFFFFF"/>
                 </a:solidFill>
@@ -10559,7 +10559,7 @@
           <a:p>
             <a:pPr algn="r"/>
             <a:r>
-              <a:rPr sz="1000" b="0">
+              <a:rPr sz="1200" b="0">
                 <a:solidFill>
                   <a:srgbClr val="666666"/>
                 </a:solidFill>
@@ -10706,7 +10706,7 @@
           <a:p>
             <a:pPr algn="l"/>
             <a:r>
-              <a:rPr sz="2800" b="1">
+              <a:rPr sz="3400" b="1">
                 <a:solidFill>
                   <a:srgbClr val="FFFFFF"/>
                 </a:solidFill>
@@ -10784,7 +10784,7 @@
           <a:p>
             <a:pPr algn="r"/>
             <a:r>
-              <a:rPr sz="1000" b="0">
+              <a:rPr sz="1200" b="0">
                 <a:solidFill>
                   <a:srgbClr val="666666"/>
                 </a:solidFill>
@@ -10818,7 +10818,7 @@
           <a:lstStyle/>
           <a:p>
             <a:r>
-              <a:rPr sz="1600" b="1">
+              <a:rPr sz="2000" b="1">
                 <a:solidFill>
                   <a:srgbClr val="2ECC71"/>
                 </a:solidFill>
@@ -10827,7 +10827,7 @@
               <a:t>  01   </a:t>
             </a:r>
             <a:r>
-              <a:rPr sz="1500" b="0">
+              <a:rPr sz="1900" b="0">
                 <a:solidFill>
                   <a:srgbClr val="333333"/>
                 </a:solidFill>
@@ -10861,7 +10861,7 @@
           <a:lstStyle/>
           <a:p>
             <a:r>
-              <a:rPr sz="1600" b="1">
+              <a:rPr sz="2000" b="1">
                 <a:solidFill>
                   <a:srgbClr val="2ECC71"/>
                 </a:solidFill>
@@ -10870,7 +10870,7 @@
               <a:t>  02   </a:t>
             </a:r>
             <a:r>
-              <a:rPr sz="1500" b="0">
+              <a:rPr sz="1900" b="0">
                 <a:solidFill>
                   <a:srgbClr val="333333"/>
                 </a:solidFill>
@@ -10904,7 +10904,7 @@
           <a:lstStyle/>
           <a:p>
             <a:r>
-              <a:rPr sz="1600" b="1">
+              <a:rPr sz="2000" b="1">
                 <a:solidFill>
                   <a:srgbClr val="2ECC71"/>
                 </a:solidFill>
@@ -10913,7 +10913,7 @@
               <a:t>  03   </a:t>
             </a:r>
             <a:r>
-              <a:rPr sz="1500" b="0">
+              <a:rPr sz="1900" b="0">
                 <a:solidFill>
                   <a:srgbClr val="333333"/>
                 </a:solidFill>
@@ -10947,7 +10947,7 @@
           <a:lstStyle/>
           <a:p>
             <a:r>
-              <a:rPr sz="1600" b="1">
+              <a:rPr sz="2000" b="1">
                 <a:solidFill>
                   <a:srgbClr val="2ECC71"/>
                 </a:solidFill>
@@ -10956,7 +10956,7 @@
               <a:t>  04   </a:t>
             </a:r>
             <a:r>
-              <a:rPr sz="1500" b="0">
+              <a:rPr sz="1900" b="0">
                 <a:solidFill>
                   <a:srgbClr val="333333"/>
                 </a:solidFill>
@@ -10990,7 +10990,7 @@
           <a:lstStyle/>
           <a:p>
             <a:r>
-              <a:rPr sz="1600" b="1">
+              <a:rPr sz="2000" b="1">
                 <a:solidFill>
                   <a:srgbClr val="2ECC71"/>
                 </a:solidFill>
@@ -10999,7 +10999,7 @@
               <a:t>  05   </a:t>
             </a:r>
             <a:r>
-              <a:rPr sz="1500" b="0">
+              <a:rPr sz="1900" b="0">
                 <a:solidFill>
                   <a:srgbClr val="333333"/>
                 </a:solidFill>
@@ -11033,7 +11033,7 @@
           <a:lstStyle/>
           <a:p>
             <a:r>
-              <a:rPr sz="1600" b="1">
+              <a:rPr sz="2000" b="1">
                 <a:solidFill>
                   <a:srgbClr val="2ECC71"/>
                 </a:solidFill>
@@ -11042,7 +11042,7 @@
               <a:t>  06   </a:t>
             </a:r>
             <a:r>
-              <a:rPr sz="1500" b="0">
+              <a:rPr sz="1900" b="0">
                 <a:solidFill>
                   <a:srgbClr val="333333"/>
                 </a:solidFill>
@@ -11076,7 +11076,7 @@
           <a:lstStyle/>
           <a:p>
             <a:r>
-              <a:rPr sz="1600" b="1">
+              <a:rPr sz="2000" b="1">
                 <a:solidFill>
                   <a:srgbClr val="2ECC71"/>
                 </a:solidFill>
@@ -11085,7 +11085,7 @@
               <a:t>  07   </a:t>
             </a:r>
             <a:r>
-              <a:rPr sz="1500" b="0">
+              <a:rPr sz="1900" b="0">
                 <a:solidFill>
                   <a:srgbClr val="333333"/>
                 </a:solidFill>
@@ -11119,7 +11119,7 @@
           <a:lstStyle/>
           <a:p>
             <a:r>
-              <a:rPr sz="1600" b="1">
+              <a:rPr sz="2000" b="1">
                 <a:solidFill>
                   <a:srgbClr val="2ECC71"/>
                 </a:solidFill>
@@ -11128,7 +11128,7 @@
               <a:t>  08   </a:t>
             </a:r>
             <a:r>
-              <a:rPr sz="1500" b="0">
+              <a:rPr sz="1900" b="0">
                 <a:solidFill>
                   <a:srgbClr val="333333"/>
                 </a:solidFill>
@@ -11162,7 +11162,7 @@
           <a:lstStyle/>
           <a:p>
             <a:r>
-              <a:rPr sz="1600" b="1">
+              <a:rPr sz="2000" b="1">
                 <a:solidFill>
                   <a:srgbClr val="2ECC71"/>
                 </a:solidFill>
@@ -11171,7 +11171,7 @@
               <a:t>  09   </a:t>
             </a:r>
             <a:r>
-              <a:rPr sz="1500" b="0">
+              <a:rPr sz="1900" b="0">
                 <a:solidFill>
                   <a:srgbClr val="333333"/>
                 </a:solidFill>
@@ -11205,7 +11205,7 @@
           <a:lstStyle/>
           <a:p>
             <a:r>
-              <a:rPr sz="1600" b="1">
+              <a:rPr sz="2000" b="1">
                 <a:solidFill>
                   <a:srgbClr val="2ECC71"/>
                 </a:solidFill>
@@ -11214,7 +11214,7 @@
               <a:t>  10   </a:t>
             </a:r>
             <a:r>
-              <a:rPr sz="1500" b="0">
+              <a:rPr sz="1900" b="0">
                 <a:solidFill>
                   <a:srgbClr val="333333"/>
                 </a:solidFill>
@@ -11248,7 +11248,7 @@
           <a:lstStyle/>
           <a:p>
             <a:r>
-              <a:rPr sz="1600" b="1">
+              <a:rPr sz="2000" b="1">
                 <a:solidFill>
                   <a:srgbClr val="2ECC71"/>
                 </a:solidFill>
@@ -11257,7 +11257,7 @@
               <a:t>  11   </a:t>
             </a:r>
             <a:r>
-              <a:rPr sz="1500" b="0">
+              <a:rPr sz="1900" b="0">
                 <a:solidFill>
                   <a:srgbClr val="333333"/>
                 </a:solidFill>
@@ -11291,7 +11291,7 @@
           <a:lstStyle/>
           <a:p>
             <a:r>
-              <a:rPr sz="1600" b="1">
+              <a:rPr sz="2000" b="1">
                 <a:solidFill>
                   <a:srgbClr val="2ECC71"/>
                 </a:solidFill>
@@ -11300,7 +11300,7 @@
               <a:t>  12   </a:t>
             </a:r>
             <a:r>
-              <a:rPr sz="1500" b="0">
+              <a:rPr sz="1900" b="0">
                 <a:solidFill>
                   <a:srgbClr val="333333"/>
                 </a:solidFill>
@@ -11334,7 +11334,7 @@
           <a:lstStyle/>
           <a:p>
             <a:r>
-              <a:rPr sz="1600" b="1">
+              <a:rPr sz="2000" b="1">
                 <a:solidFill>
                   <a:srgbClr val="2ECC71"/>
                 </a:solidFill>
@@ -11343,7 +11343,7 @@
               <a:t>  13   </a:t>
             </a:r>
             <a:r>
-              <a:rPr sz="1500" b="0">
+              <a:rPr sz="1900" b="0">
                 <a:solidFill>
                   <a:srgbClr val="333333"/>
                 </a:solidFill>
@@ -11377,7 +11377,7 @@
           <a:lstStyle/>
           <a:p>
             <a:r>
-              <a:rPr sz="1600" b="1">
+              <a:rPr sz="2000" b="1">
                 <a:solidFill>
                   <a:srgbClr val="2ECC71"/>
                 </a:solidFill>
@@ -11386,7 +11386,7 @@
               <a:t>  14   </a:t>
             </a:r>
             <a:r>
-              <a:rPr sz="1500" b="0">
+              <a:rPr sz="1900" b="0">
                 <a:solidFill>
                   <a:srgbClr val="333333"/>
                 </a:solidFill>
@@ -11420,7 +11420,7 @@
           <a:lstStyle/>
           <a:p>
             <a:r>
-              <a:rPr sz="1600" b="1">
+              <a:rPr sz="2000" b="1">
                 <a:solidFill>
                   <a:srgbClr val="2ECC71"/>
                 </a:solidFill>
@@ -11429,7 +11429,7 @@
               <a:t>  15   </a:t>
             </a:r>
             <a:r>
-              <a:rPr sz="1500" b="0">
+              <a:rPr sz="1900" b="0">
                 <a:solidFill>
                   <a:srgbClr val="333333"/>
                 </a:solidFill>
@@ -11463,7 +11463,7 @@
           <a:lstStyle/>
           <a:p>
             <a:r>
-              <a:rPr sz="1600" b="1">
+              <a:rPr sz="2000" b="1">
                 <a:solidFill>
                   <a:srgbClr val="2ECC71"/>
                 </a:solidFill>
@@ -11472,7 +11472,7 @@
               <a:t>  16   </a:t>
             </a:r>
             <a:r>
-              <a:rPr sz="1500" b="0">
+              <a:rPr sz="1900" b="0">
                 <a:solidFill>
                   <a:srgbClr val="333333"/>
                 </a:solidFill>
@@ -11619,7 +11619,7 @@
           <a:p>
             <a:pPr algn="l"/>
             <a:r>
-              <a:rPr sz="2800" b="1">
+              <a:rPr sz="3400" b="1">
                 <a:solidFill>
                   <a:srgbClr val="FFFFFF"/>
                 </a:solidFill>
@@ -11697,7 +11697,7 @@
           <a:p>
             <a:pPr algn="r"/>
             <a:r>
-              <a:rPr sz="1000" b="0">
+              <a:rPr sz="1200" b="0">
                 <a:solidFill>
                   <a:srgbClr val="666666"/>
                 </a:solidFill>
@@ -11736,7 +11736,7 @@
               </a:spcAft>
             </a:pPr>
             <a:r>
-              <a:rPr sz="1700" b="1">
+              <a:rPr sz="2200" b="1">
                 <a:solidFill>
                   <a:srgbClr val="1B3A5C"/>
                 </a:solidFill>
@@ -11752,7 +11752,7 @@
               </a:spcAft>
             </a:pPr>
             <a:r>
-              <a:rPr sz="1500" b="0">
+              <a:rPr sz="1800" b="0">
                 <a:solidFill>
                   <a:srgbClr val="333333"/>
                 </a:solidFill>
@@ -11768,7 +11768,7 @@
               </a:spcAft>
             </a:pPr>
             <a:r>
-              <a:rPr sz="1500" b="0">
+              <a:rPr sz="1800" b="0">
                 <a:solidFill>
                   <a:srgbClr val="333333"/>
                 </a:solidFill>
@@ -11800,7 +11800,7 @@
               </a:spcAft>
             </a:pPr>
             <a:r>
-              <a:rPr sz="1700" b="1">
+              <a:rPr sz="2200" b="1">
                 <a:solidFill>
                   <a:srgbClr val="1B3A5C"/>
                 </a:solidFill>
@@ -11816,7 +11816,7 @@
               </a:spcAft>
             </a:pPr>
             <a:r>
-              <a:rPr sz="1500" b="0">
+              <a:rPr sz="1800" b="0">
                 <a:solidFill>
                   <a:srgbClr val="333333"/>
                 </a:solidFill>
@@ -11832,7 +11832,7 @@
               </a:spcAft>
             </a:pPr>
             <a:r>
-              <a:rPr sz="1500" b="0">
+              <a:rPr sz="1800" b="0">
                 <a:solidFill>
                   <a:srgbClr val="333333"/>
                 </a:solidFill>
@@ -11848,7 +11848,7 @@
               </a:spcAft>
             </a:pPr>
             <a:r>
-              <a:rPr sz="1500" b="0">
+              <a:rPr sz="1800" b="0">
                 <a:solidFill>
                   <a:srgbClr val="333333"/>
                 </a:solidFill>
@@ -11880,7 +11880,7 @@
               </a:spcAft>
             </a:pPr>
             <a:r>
-              <a:rPr sz="1700" b="1">
+              <a:rPr sz="2200" b="1">
                 <a:solidFill>
                   <a:srgbClr val="1B3A5C"/>
                 </a:solidFill>
@@ -11896,7 +11896,7 @@
               </a:spcAft>
             </a:pPr>
             <a:r>
-              <a:rPr sz="1500" b="0">
+              <a:rPr sz="1800" b="0">
                 <a:solidFill>
                   <a:srgbClr val="333333"/>
                 </a:solidFill>
@@ -11912,7 +11912,7 @@
               </a:spcAft>
             </a:pPr>
             <a:r>
-              <a:rPr sz="1500" b="0">
+              <a:rPr sz="1800" b="0">
                 <a:solidFill>
                   <a:srgbClr val="333333"/>
                 </a:solidFill>
@@ -11964,7 +11964,7 @@
           <a:p>
             <a:pPr algn="ctr"/>
             <a:r>
-              <a:rPr sz="1300" b="1">
+              <a:rPr sz="1600" b="1">
                 <a:solidFill>
                   <a:srgbClr val="1B3A5C"/>
                 </a:solidFill>
@@ -12111,7 +12111,7 @@
           <a:p>
             <a:pPr algn="l"/>
             <a:r>
-              <a:rPr sz="2800" b="1">
+              <a:rPr sz="3400" b="1">
                 <a:solidFill>
                   <a:srgbClr val="FFFFFF"/>
                 </a:solidFill>
@@ -12189,7 +12189,7 @@
           <a:p>
             <a:pPr algn="r"/>
             <a:r>
-              <a:rPr sz="1000" b="0">
+              <a:rPr sz="1200" b="0">
                 <a:solidFill>
                   <a:srgbClr val="666666"/>
                 </a:solidFill>
@@ -12232,7 +12232,7 @@
                     <a:p>
                       <a:pPr algn="ctr"/>
                       <a:r>
-                        <a:rPr sz="1300" b="1">
+                        <a:rPr sz="1600" b="1">
                           <a:solidFill>
                             <a:srgbClr val="FFFFFF"/>
                           </a:solidFill>
@@ -12255,7 +12255,7 @@
                     <a:p>
                       <a:pPr algn="ctr"/>
                       <a:r>
-                        <a:rPr sz="1300" b="1">
+                        <a:rPr sz="1600" b="1">
                           <a:solidFill>
                             <a:srgbClr val="FFFFFF"/>
                           </a:solidFill>
@@ -12278,7 +12278,7 @@
                     <a:p>
                       <a:pPr algn="ctr"/>
                       <a:r>
-                        <a:rPr sz="1300" b="1">
+                        <a:rPr sz="1600" b="1">
                           <a:solidFill>
                             <a:srgbClr val="FFFFFF"/>
                           </a:solidFill>
@@ -12301,7 +12301,7 @@
                     <a:p>
                       <a:pPr algn="ctr"/>
                       <a:r>
-                        <a:rPr sz="1300" b="1">
+                        <a:rPr sz="1600" b="1">
                           <a:solidFill>
                             <a:srgbClr val="FFFFFF"/>
                           </a:solidFill>
@@ -12326,7 +12326,7 @@
                     <a:p>
                       <a:pPr algn="l"/>
                       <a:r>
-                        <a:rPr sz="1100" b="0">
+                        <a:rPr sz="1400" b="0">
                           <a:solidFill>
                             <a:srgbClr val="333333"/>
                           </a:solidFill>
@@ -12349,7 +12349,7 @@
                     <a:p>
                       <a:pPr algn="l"/>
                       <a:r>
-                        <a:rPr sz="1100" b="0">
+                        <a:rPr sz="1400" b="0">
                           <a:solidFill>
                             <a:srgbClr val="333333"/>
                           </a:solidFill>
@@ -12372,7 +12372,7 @@
                     <a:p>
                       <a:pPr algn="l"/>
                       <a:r>
-                        <a:rPr sz="1100" b="0">
+                        <a:rPr sz="1400" b="0">
                           <a:solidFill>
                             <a:srgbClr val="333333"/>
                           </a:solidFill>
@@ -12395,7 +12395,7 @@
                     <a:p>
                       <a:pPr algn="l"/>
                       <a:r>
-                        <a:rPr sz="1100" b="0">
+                        <a:rPr sz="1400" b="0">
                           <a:solidFill>
                             <a:srgbClr val="333333"/>
                           </a:solidFill>
@@ -12420,7 +12420,7 @@
                     <a:p>
                       <a:pPr algn="l"/>
                       <a:r>
-                        <a:rPr sz="1100" b="0">
+                        <a:rPr sz="1400" b="0">
                           <a:solidFill>
                             <a:srgbClr val="333333"/>
                           </a:solidFill>
@@ -12443,7 +12443,7 @@
                     <a:p>
                       <a:pPr algn="l"/>
                       <a:r>
-                        <a:rPr sz="1100" b="0">
+                        <a:rPr sz="1400" b="0">
                           <a:solidFill>
                             <a:srgbClr val="333333"/>
                           </a:solidFill>
@@ -12466,7 +12466,7 @@
                     <a:p>
                       <a:pPr algn="l"/>
                       <a:r>
-                        <a:rPr sz="1100" b="0">
+                        <a:rPr sz="1400" b="0">
                           <a:solidFill>
                             <a:srgbClr val="333333"/>
                           </a:solidFill>
@@ -12489,7 +12489,7 @@
                     <a:p>
                       <a:pPr algn="l"/>
                       <a:r>
-                        <a:rPr sz="1100" b="0">
+                        <a:rPr sz="1400" b="0">
                           <a:solidFill>
                             <a:srgbClr val="333333"/>
                           </a:solidFill>
@@ -12514,7 +12514,7 @@
                     <a:p>
                       <a:pPr algn="l"/>
                       <a:r>
-                        <a:rPr sz="1100" b="0">
+                        <a:rPr sz="1400" b="0">
                           <a:solidFill>
                             <a:srgbClr val="333333"/>
                           </a:solidFill>
@@ -12537,7 +12537,7 @@
                     <a:p>
                       <a:pPr algn="l"/>
                       <a:r>
-                        <a:rPr sz="1100" b="0">
+                        <a:rPr sz="1400" b="0">
                           <a:solidFill>
                             <a:srgbClr val="333333"/>
                           </a:solidFill>
@@ -12560,7 +12560,7 @@
                     <a:p>
                       <a:pPr algn="l"/>
                       <a:r>
-                        <a:rPr sz="1100" b="0">
+                        <a:rPr sz="1400" b="0">
                           <a:solidFill>
                             <a:srgbClr val="333333"/>
                           </a:solidFill>
@@ -12583,7 +12583,7 @@
                     <a:p>
                       <a:pPr algn="l"/>
                       <a:r>
-                        <a:rPr sz="1100" b="0">
+                        <a:rPr sz="1400" b="0">
                           <a:solidFill>
                             <a:srgbClr val="333333"/>
                           </a:solidFill>
@@ -12608,7 +12608,7 @@
                     <a:p>
                       <a:pPr algn="l"/>
                       <a:r>
-                        <a:rPr sz="1100" b="0">
+                        <a:rPr sz="1400" b="0">
                           <a:solidFill>
                             <a:srgbClr val="333333"/>
                           </a:solidFill>
@@ -12631,7 +12631,7 @@
                     <a:p>
                       <a:pPr algn="l"/>
                       <a:r>
-                        <a:rPr sz="1100" b="0">
+                        <a:rPr sz="1400" b="0">
                           <a:solidFill>
                             <a:srgbClr val="333333"/>
                           </a:solidFill>
@@ -12654,7 +12654,7 @@
                     <a:p>
                       <a:pPr algn="l"/>
                       <a:r>
-                        <a:rPr sz="1100" b="0">
+                        <a:rPr sz="1400" b="0">
                           <a:solidFill>
                             <a:srgbClr val="333333"/>
                           </a:solidFill>
@@ -12677,7 +12677,7 @@
                     <a:p>
                       <a:pPr algn="l"/>
                       <a:r>
-                        <a:rPr sz="1100" b="0">
+                        <a:rPr sz="1400" b="0">
                           <a:solidFill>
                             <a:srgbClr val="333333"/>
                           </a:solidFill>
@@ -12702,7 +12702,7 @@
                     <a:p>
                       <a:pPr algn="l"/>
                       <a:r>
-                        <a:rPr sz="1100" b="0">
+                        <a:rPr sz="1400" b="0">
                           <a:solidFill>
                             <a:srgbClr val="333333"/>
                           </a:solidFill>
@@ -12725,7 +12725,7 @@
                     <a:p>
                       <a:pPr algn="l"/>
                       <a:r>
-                        <a:rPr sz="1100" b="0">
+                        <a:rPr sz="1400" b="0">
                           <a:solidFill>
                             <a:srgbClr val="333333"/>
                           </a:solidFill>
@@ -12748,7 +12748,7 @@
                     <a:p>
                       <a:pPr algn="l"/>
                       <a:r>
-                        <a:rPr sz="1100" b="0">
+                        <a:rPr sz="1400" b="0">
                           <a:solidFill>
                             <a:srgbClr val="333333"/>
                           </a:solidFill>
@@ -12771,7 +12771,7 @@
                     <a:p>
                       <a:pPr algn="l"/>
                       <a:r>
-                        <a:rPr sz="1100" b="0">
+                        <a:rPr sz="1400" b="0">
                           <a:solidFill>
                             <a:srgbClr val="333333"/>
                           </a:solidFill>
@@ -12820,7 +12820,7 @@
               </a:spcAft>
             </a:pPr>
             <a:r>
-              <a:rPr sz="1600" b="1">
+              <a:rPr sz="2000" b="1">
                 <a:solidFill>
                   <a:srgbClr val="1B3A5C"/>
                 </a:solidFill>
@@ -12836,7 +12836,7 @@
               </a:spcAft>
             </a:pPr>
             <a:r>
-              <a:rPr sz="1400" b="0">
+              <a:rPr sz="1700" b="0">
                 <a:solidFill>
                   <a:srgbClr val="333333"/>
                 </a:solidFill>
@@ -12983,7 +12983,7 @@
           <a:p>
             <a:pPr algn="l"/>
             <a:r>
-              <a:rPr sz="2800" b="1">
+              <a:rPr sz="3400" b="1">
                 <a:solidFill>
                   <a:srgbClr val="FFFFFF"/>
                 </a:solidFill>
@@ -13061,7 +13061,7 @@
           <a:p>
             <a:pPr algn="r"/>
             <a:r>
-              <a:rPr sz="1000" b="0">
+              <a:rPr sz="1200" b="0">
                 <a:solidFill>
                   <a:srgbClr val="666666"/>
                 </a:solidFill>
@@ -13139,7 +13139,7 @@
           <a:p>
             <a:pPr algn="ctr"/>
             <a:r>
-              <a:rPr sz="2200" b="1">
+              <a:rPr sz="2600" b="1">
                 <a:solidFill>
                   <a:srgbClr val="FFFFFF"/>
                 </a:solidFill>
@@ -13178,7 +13178,7 @@
               </a:spcAft>
             </a:pPr>
             <a:r>
-              <a:rPr sz="1300" b="0">
+              <a:rPr sz="1600" b="0">
                 <a:solidFill>
                   <a:srgbClr val="FFFFFF"/>
                 </a:solidFill>
@@ -13194,7 +13194,7 @@
               </a:spcAft>
             </a:pPr>
             <a:r>
-              <a:rPr sz="1300" b="0">
+              <a:rPr sz="1600" b="0">
                 <a:solidFill>
                   <a:srgbClr val="FFFFFF"/>
                 </a:solidFill>
@@ -13210,7 +13210,7 @@
               </a:spcAft>
             </a:pPr>
             <a:r>
-              <a:rPr sz="1300" b="0">
+              <a:rPr sz="1600" b="0">
                 <a:solidFill>
                   <a:srgbClr val="FFFFFF"/>
                 </a:solidFill>
@@ -13245,7 +13245,7 @@
           <a:p>
             <a:pPr algn="ctr"/>
             <a:r>
-              <a:rPr sz="2400" b="1">
+              <a:rPr sz="2800" b="1">
                 <a:solidFill>
                   <a:srgbClr val="1B3A5C"/>
                 </a:solidFill>
@@ -13323,7 +13323,7 @@
           <a:p>
             <a:pPr algn="ctr"/>
             <a:r>
-              <a:rPr sz="2200" b="1">
+              <a:rPr sz="2600" b="1">
                 <a:solidFill>
                   <a:srgbClr val="FFFFFF"/>
                 </a:solidFill>
@@ -13362,7 +13362,7 @@
               </a:spcAft>
             </a:pPr>
             <a:r>
-              <a:rPr sz="1300" b="0">
+              <a:rPr sz="1600" b="0">
                 <a:solidFill>
                   <a:srgbClr val="FFFFFF"/>
                 </a:solidFill>
@@ -13378,7 +13378,7 @@
               </a:spcAft>
             </a:pPr>
             <a:r>
-              <a:rPr sz="1300" b="0">
+              <a:rPr sz="1600" b="0">
                 <a:solidFill>
                   <a:srgbClr val="FFFFFF"/>
                 </a:solidFill>
@@ -13394,7 +13394,7 @@
               </a:spcAft>
             </a:pPr>
             <a:r>
-              <a:rPr sz="1300" b="0">
+              <a:rPr sz="1600" b="0">
                 <a:solidFill>
                   <a:srgbClr val="FFFFFF"/>
                 </a:solidFill>
@@ -13410,7 +13410,7 @@
               </a:spcAft>
             </a:pPr>
             <a:r>
-              <a:rPr sz="1300" b="0">
+              <a:rPr sz="1600" b="0">
                 <a:solidFill>
                   <a:srgbClr val="FFFFFF"/>
                 </a:solidFill>
@@ -13445,7 +13445,7 @@
           <a:p>
             <a:pPr algn="ctr"/>
             <a:r>
-              <a:rPr sz="2400" b="1">
+              <a:rPr sz="2800" b="1">
                 <a:solidFill>
                   <a:srgbClr val="1B3A5C"/>
                 </a:solidFill>
@@ -13523,7 +13523,7 @@
           <a:p>
             <a:pPr algn="ctr"/>
             <a:r>
-              <a:rPr sz="2200" b="1">
+              <a:rPr sz="2600" b="1">
                 <a:solidFill>
                   <a:srgbClr val="FFFFFF"/>
                 </a:solidFill>
@@ -13562,7 +13562,7 @@
               </a:spcAft>
             </a:pPr>
             <a:r>
-              <a:rPr sz="1300" b="0">
+              <a:rPr sz="1600" b="0">
                 <a:solidFill>
                   <a:srgbClr val="FFFFFF"/>
                 </a:solidFill>
@@ -13578,7 +13578,7 @@
               </a:spcAft>
             </a:pPr>
             <a:r>
-              <a:rPr sz="1300" b="0">
+              <a:rPr sz="1600" b="0">
                 <a:solidFill>
                   <a:srgbClr val="FFFFFF"/>
                 </a:solidFill>
@@ -13594,7 +13594,7 @@
               </a:spcAft>
             </a:pPr>
             <a:r>
-              <a:rPr sz="1300" b="0">
+              <a:rPr sz="1600" b="0">
                 <a:solidFill>
                   <a:srgbClr val="FFFFFF"/>
                 </a:solidFill>
@@ -13629,7 +13629,7 @@
           <a:p>
             <a:pPr algn="ctr"/>
             <a:r>
-              <a:rPr sz="2400" b="1">
+              <a:rPr sz="2800" b="1">
                 <a:solidFill>
                   <a:srgbClr val="1B3A5C"/>
                 </a:solidFill>
@@ -13707,7 +13707,7 @@
           <a:p>
             <a:pPr algn="ctr"/>
             <a:r>
-              <a:rPr sz="2200" b="1">
+              <a:rPr sz="2600" b="1">
                 <a:solidFill>
                   <a:srgbClr val="FFFFFF"/>
                 </a:solidFill>
@@ -13746,7 +13746,7 @@
               </a:spcAft>
             </a:pPr>
             <a:r>
-              <a:rPr sz="1300" b="0">
+              <a:rPr sz="1600" b="0">
                 <a:solidFill>
                   <a:srgbClr val="FFFFFF"/>
                 </a:solidFill>
@@ -13762,7 +13762,7 @@
               </a:spcAft>
             </a:pPr>
             <a:r>
-              <a:rPr sz="1300" b="0">
+              <a:rPr sz="1600" b="0">
                 <a:solidFill>
                   <a:srgbClr val="FFFFFF"/>
                 </a:solidFill>
@@ -13778,7 +13778,7 @@
               </a:spcAft>
             </a:pPr>
             <a:r>
-              <a:rPr sz="1300" b="0">
+              <a:rPr sz="1600" b="0">
                 <a:solidFill>
                   <a:srgbClr val="FFFFFF"/>
                 </a:solidFill>
@@ -13794,7 +13794,7 @@
               </a:spcAft>
             </a:pPr>
             <a:r>
-              <a:rPr sz="1300" b="0">
+              <a:rPr sz="1600" b="0">
                 <a:solidFill>
                   <a:srgbClr val="FFFFFF"/>
                 </a:solidFill>
@@ -13833,7 +13833,7 @@
               </a:spcAft>
             </a:pPr>
             <a:r>
-              <a:rPr sz="1400" b="0">
+              <a:rPr sz="1600" b="0">
                 <a:solidFill>
                   <a:srgbClr val="666666"/>
                 </a:solidFill>
@@ -13849,7 +13849,7 @@
               </a:spcAft>
             </a:pPr>
             <a:r>
-              <a:rPr sz="1400" b="0">
+              <a:rPr sz="1600" b="0">
                 <a:solidFill>
                   <a:srgbClr val="666666"/>
                 </a:solidFill>
@@ -13996,7 +13996,7 @@
           <a:p>
             <a:pPr algn="l"/>
             <a:r>
-              <a:rPr sz="2800" b="1">
+              <a:rPr sz="3400" b="1">
                 <a:solidFill>
                   <a:srgbClr val="FFFFFF"/>
                 </a:solidFill>
@@ -14074,7 +14074,7 @@
           <a:p>
             <a:pPr algn="r"/>
             <a:r>
-              <a:rPr sz="1000" b="0">
+              <a:rPr sz="1200" b="0">
                 <a:solidFill>
                   <a:srgbClr val="666666"/>
                 </a:solidFill>
@@ -14117,7 +14117,7 @@
                     <a:p>
                       <a:pPr algn="ctr"/>
                       <a:r>
-                        <a:rPr sz="1300" b="1">
+                        <a:rPr sz="1600" b="1">
                           <a:solidFill>
                             <a:srgbClr val="FFFFFF"/>
                           </a:solidFill>
@@ -14140,7 +14140,7 @@
                     <a:p>
                       <a:pPr algn="ctr"/>
                       <a:r>
-                        <a:rPr sz="1300" b="1">
+                        <a:rPr sz="1600" b="1">
                           <a:solidFill>
                             <a:srgbClr val="FFFFFF"/>
                           </a:solidFill>
@@ -14163,7 +14163,7 @@
                     <a:p>
                       <a:pPr algn="ctr"/>
                       <a:r>
-                        <a:rPr sz="1300" b="1">
+                        <a:rPr sz="1600" b="1">
                           <a:solidFill>
                             <a:srgbClr val="FFFFFF"/>
                           </a:solidFill>
@@ -14186,7 +14186,7 @@
                     <a:p>
                       <a:pPr algn="ctr"/>
                       <a:r>
-                        <a:rPr sz="1300" b="1">
+                        <a:rPr sz="1600" b="1">
                           <a:solidFill>
                             <a:srgbClr val="FFFFFF"/>
                           </a:solidFill>
@@ -14211,7 +14211,7 @@
                     <a:p>
                       <a:pPr algn="l"/>
                       <a:r>
-                        <a:rPr sz="1100" b="0">
+                        <a:rPr sz="1400" b="0">
                           <a:solidFill>
                             <a:srgbClr val="333333"/>
                           </a:solidFill>
@@ -14234,7 +14234,7 @@
                     <a:p>
                       <a:pPr algn="l"/>
                       <a:r>
-                        <a:rPr sz="1100" b="0">
+                        <a:rPr sz="1400" b="0">
                           <a:solidFill>
                             <a:srgbClr val="333333"/>
                           </a:solidFill>
@@ -14257,7 +14257,7 @@
                     <a:p>
                       <a:pPr algn="l"/>
                       <a:r>
-                        <a:rPr sz="1100" b="0">
+                        <a:rPr sz="1400" b="0">
                           <a:solidFill>
                             <a:srgbClr val="333333"/>
                           </a:solidFill>
@@ -14280,7 +14280,7 @@
                     <a:p>
                       <a:pPr algn="l"/>
                       <a:r>
-                        <a:rPr sz="1100" b="0">
+                        <a:rPr sz="1400" b="0">
                           <a:solidFill>
                             <a:srgbClr val="333333"/>
                           </a:solidFill>
@@ -14305,7 +14305,7 @@
                     <a:p>
                       <a:pPr algn="l"/>
                       <a:r>
-                        <a:rPr sz="1100" b="0">
+                        <a:rPr sz="1400" b="0">
                           <a:solidFill>
                             <a:srgbClr val="333333"/>
                           </a:solidFill>
@@ -14328,7 +14328,7 @@
                     <a:p>
                       <a:pPr algn="l"/>
                       <a:r>
-                        <a:rPr sz="1100" b="0">
+                        <a:rPr sz="1400" b="0">
                           <a:solidFill>
                             <a:srgbClr val="333333"/>
                           </a:solidFill>
@@ -14351,7 +14351,7 @@
                     <a:p>
                       <a:pPr algn="l"/>
                       <a:r>
-                        <a:rPr sz="1100" b="0">
+                        <a:rPr sz="1400" b="0">
                           <a:solidFill>
                             <a:srgbClr val="333333"/>
                           </a:solidFill>
@@ -14374,7 +14374,7 @@
                     <a:p>
                       <a:pPr algn="l"/>
                       <a:r>
-                        <a:rPr sz="1100" b="0">
+                        <a:rPr sz="1400" b="0">
                           <a:solidFill>
                             <a:srgbClr val="333333"/>
                           </a:solidFill>
@@ -14399,7 +14399,7 @@
                     <a:p>
                       <a:pPr algn="l"/>
                       <a:r>
-                        <a:rPr sz="1100" b="0">
+                        <a:rPr sz="1400" b="0">
                           <a:solidFill>
                             <a:srgbClr val="333333"/>
                           </a:solidFill>
@@ -14422,7 +14422,7 @@
                     <a:p>
                       <a:pPr algn="l"/>
                       <a:r>
-                        <a:rPr sz="1100" b="0">
+                        <a:rPr sz="1400" b="0">
                           <a:solidFill>
                             <a:srgbClr val="333333"/>
                           </a:solidFill>
@@ -14446,7 +14446,7 @@
                     <a:p>
                       <a:pPr algn="l"/>
                       <a:r>
-                        <a:rPr sz="1100" b="0">
+                        <a:rPr sz="1400" b="0">
                           <a:solidFill>
                             <a:srgbClr val="333333"/>
                           </a:solidFill>
@@ -14470,7 +14470,7 @@
                     <a:p>
                       <a:pPr algn="l"/>
                       <a:r>
-                        <a:rPr sz="1100" b="0">
+                        <a:rPr sz="1400" b="0">
                           <a:solidFill>
                             <a:srgbClr val="333333"/>
                           </a:solidFill>
@@ -14496,7 +14496,7 @@
                     <a:p>
                       <a:pPr algn="l"/>
                       <a:r>
-                        <a:rPr sz="1100" b="0">
+                        <a:rPr sz="1400" b="0">
                           <a:solidFill>
                             <a:srgbClr val="333333"/>
                           </a:solidFill>
@@ -14519,7 +14519,7 @@
                     <a:p>
                       <a:pPr algn="l"/>
                       <a:r>
-                        <a:rPr sz="1100" b="0">
+                        <a:rPr sz="1400" b="0">
                           <a:solidFill>
                             <a:srgbClr val="333333"/>
                           </a:solidFill>
@@ -14542,7 +14542,7 @@
                     <a:p>
                       <a:pPr algn="l"/>
                       <a:r>
-                        <a:rPr sz="1100" b="0">
+                        <a:rPr sz="1400" b="0">
                           <a:solidFill>
                             <a:srgbClr val="333333"/>
                           </a:solidFill>
@@ -14565,7 +14565,7 @@
                     <a:p>
                       <a:pPr algn="l"/>
                       <a:r>
-                        <a:rPr sz="1100" b="0">
+                        <a:rPr sz="1400" b="0">
                           <a:solidFill>
                             <a:srgbClr val="333333"/>
                           </a:solidFill>
@@ -14590,7 +14590,7 @@
                     <a:p>
                       <a:pPr algn="l"/>
                       <a:r>
-                        <a:rPr sz="1100" b="0">
+                        <a:rPr sz="1400" b="0">
                           <a:solidFill>
                             <a:srgbClr val="333333"/>
                           </a:solidFill>
@@ -14613,7 +14613,7 @@
                     <a:p>
                       <a:pPr algn="l"/>
                       <a:r>
-                        <a:rPr sz="1100" b="0">
+                        <a:rPr sz="1400" b="0">
                           <a:solidFill>
                             <a:srgbClr val="333333"/>
                           </a:solidFill>
@@ -14636,7 +14636,7 @@
                     <a:p>
                       <a:pPr algn="l"/>
                       <a:r>
-                        <a:rPr sz="1100" b="0">
+                        <a:rPr sz="1400" b="0">
                           <a:solidFill>
                             <a:srgbClr val="333333"/>
                           </a:solidFill>
@@ -14659,7 +14659,7 @@
                     <a:p>
                       <a:pPr algn="l"/>
                       <a:r>
-                        <a:rPr sz="1100" b="0">
+                        <a:rPr sz="1400" b="0">
                           <a:solidFill>
                             <a:srgbClr val="333333"/>
                           </a:solidFill>
@@ -14709,7 +14709,7 @@
               </a:spcAft>
             </a:pPr>
             <a:r>
-              <a:rPr sz="1400" b="0">
+              <a:rPr sz="1600" b="0">
                 <a:solidFill>
                   <a:srgbClr val="666666"/>
                 </a:solidFill>
@@ -14725,7 +14725,7 @@
               </a:spcAft>
             </a:pPr>
             <a:r>
-              <a:rPr sz="1400" b="0">
+              <a:rPr sz="1600" b="0">
                 <a:solidFill>
                   <a:srgbClr val="666666"/>
                 </a:solidFill>
@@ -14872,7 +14872,7 @@
           <a:p>
             <a:pPr algn="l"/>
             <a:r>
-              <a:rPr sz="2800" b="1">
+              <a:rPr sz="3400" b="1">
                 <a:solidFill>
                   <a:srgbClr val="FFFFFF"/>
                 </a:solidFill>
@@ -14950,7 +14950,7 @@
           <a:p>
             <a:pPr algn="r"/>
             <a:r>
-              <a:rPr sz="1000" b="0">
+              <a:rPr sz="1200" b="0">
                 <a:solidFill>
                   <a:srgbClr val="666666"/>
                 </a:solidFill>
@@ -14993,7 +14993,7 @@
                     <a:p>
                       <a:pPr algn="ctr"/>
                       <a:r>
-                        <a:rPr sz="1300" b="1">
+                        <a:rPr sz="1600" b="1">
                           <a:solidFill>
                             <a:srgbClr val="FFFFFF"/>
                           </a:solidFill>
@@ -15016,7 +15016,7 @@
                     <a:p>
                       <a:pPr algn="ctr"/>
                       <a:r>
-                        <a:rPr sz="1300" b="1">
+                        <a:rPr sz="1600" b="1">
                           <a:solidFill>
                             <a:srgbClr val="FFFFFF"/>
                           </a:solidFill>
@@ -15039,7 +15039,7 @@
                     <a:p>
                       <a:pPr algn="ctr"/>
                       <a:r>
-                        <a:rPr sz="1300" b="1">
+                        <a:rPr sz="1600" b="1">
                           <a:solidFill>
                             <a:srgbClr val="FFFFFF"/>
                           </a:solidFill>
@@ -15062,7 +15062,7 @@
                     <a:p>
                       <a:pPr algn="ctr"/>
                       <a:r>
-                        <a:rPr sz="1300" b="1">
+                        <a:rPr sz="1600" b="1">
                           <a:solidFill>
                             <a:srgbClr val="FFFFFF"/>
                           </a:solidFill>
@@ -15087,7 +15087,7 @@
                     <a:p>
                       <a:pPr algn="l"/>
                       <a:r>
-                        <a:rPr sz="1100" b="0">
+                        <a:rPr sz="1400" b="0">
                           <a:solidFill>
                             <a:srgbClr val="333333"/>
                           </a:solidFill>
@@ -15111,7 +15111,7 @@
                     <a:p>
                       <a:pPr algn="l"/>
                       <a:r>
-                        <a:rPr sz="1100" b="0">
+                        <a:rPr sz="1400" b="0">
                           <a:solidFill>
                             <a:srgbClr val="333333"/>
                           </a:solidFill>
@@ -15134,7 +15134,7 @@
                     <a:p>
                       <a:pPr algn="l"/>
                       <a:r>
-                        <a:rPr sz="1100" b="0">
+                        <a:rPr sz="1400" b="0">
                           <a:solidFill>
                             <a:srgbClr val="333333"/>
                           </a:solidFill>
@@ -15157,7 +15157,7 @@
                     <a:p>
                       <a:pPr algn="l"/>
                       <a:r>
-                        <a:rPr sz="1100" b="0">
+                        <a:rPr sz="1400" b="0">
                           <a:solidFill>
                             <a:srgbClr val="333333"/>
                           </a:solidFill>
@@ -15182,7 +15182,7 @@
                     <a:p>
                       <a:pPr algn="l"/>
                       <a:r>
-                        <a:rPr sz="1100" b="0">
+                        <a:rPr sz="1400" b="0">
                           <a:solidFill>
                             <a:srgbClr val="333333"/>
                           </a:solidFill>
@@ -15206,7 +15206,7 @@
                     <a:p>
                       <a:pPr algn="l"/>
                       <a:r>
-                        <a:rPr sz="1100" b="0">
+                        <a:rPr sz="1400" b="0">
                           <a:solidFill>
                             <a:srgbClr val="333333"/>
                           </a:solidFill>
@@ -15229,7 +15229,7 @@
                     <a:p>
                       <a:pPr algn="l"/>
                       <a:r>
-                        <a:rPr sz="1100" b="0">
+                        <a:rPr sz="1400" b="0">
                           <a:solidFill>
                             <a:srgbClr val="333333"/>
                           </a:solidFill>
@@ -15253,7 +15253,7 @@
                     <a:p>
                       <a:pPr algn="l"/>
                       <a:r>
-                        <a:rPr sz="1100" b="0">
+                        <a:rPr sz="1400" b="0">
                           <a:solidFill>
                             <a:srgbClr val="333333"/>
                           </a:solidFill>
@@ -15278,7 +15278,7 @@
                     <a:p>
                       <a:pPr algn="l"/>
                       <a:r>
-                        <a:rPr sz="1100" b="0">
+                        <a:rPr sz="1400" b="0">
                           <a:solidFill>
                             <a:srgbClr val="333333"/>
                           </a:solidFill>
@@ -15302,7 +15302,7 @@
                     <a:p>
                       <a:pPr algn="l"/>
                       <a:r>
-                        <a:rPr sz="1100" b="0">
+                        <a:rPr sz="1400" b="0">
                           <a:solidFill>
                             <a:srgbClr val="333333"/>
                           </a:solidFill>
@@ -15326,7 +15326,7 @@
                     <a:p>
                       <a:pPr algn="l"/>
                       <a:r>
-                        <a:rPr sz="1100" b="0">
+                        <a:rPr sz="1400" b="0">
                           <a:solidFill>
                             <a:srgbClr val="333333"/>
                           </a:solidFill>
@@ -15350,7 +15350,7 @@
                     <a:p>
                       <a:pPr algn="l"/>
                       <a:r>
-                        <a:rPr sz="1100" b="0">
+                        <a:rPr sz="1400" b="0">
                           <a:solidFill>
                             <a:srgbClr val="333333"/>
                           </a:solidFill>
@@ -15375,7 +15375,7 @@
                     <a:p>
                       <a:pPr algn="l"/>
                       <a:r>
-                        <a:rPr sz="1100" b="0">
+                        <a:rPr sz="1400" b="0">
                           <a:solidFill>
                             <a:srgbClr val="333333"/>
                           </a:solidFill>
@@ -15399,7 +15399,7 @@
                     <a:p>
                       <a:pPr algn="l"/>
                       <a:r>
-                        <a:rPr sz="1100" b="0">
+                        <a:rPr sz="1400" b="0">
                           <a:solidFill>
                             <a:srgbClr val="333333"/>
                           </a:solidFill>
@@ -15422,7 +15422,7 @@
                     <a:p>
                       <a:pPr algn="l"/>
                       <a:r>
-                        <a:rPr sz="1100" b="0">
+                        <a:rPr sz="1400" b="0">
                           <a:solidFill>
                             <a:srgbClr val="333333"/>
                           </a:solidFill>
@@ -15446,7 +15446,7 @@
                     <a:p>
                       <a:pPr algn="l"/>
                       <a:r>
-                        <a:rPr sz="1100" b="0">
+                        <a:rPr sz="1400" b="0">
                           <a:solidFill>
                             <a:srgbClr val="333333"/>
                           </a:solidFill>
@@ -15471,7 +15471,7 @@
                     <a:p>
                       <a:pPr algn="l"/>
                       <a:r>
-                        <a:rPr sz="1100" b="0">
+                        <a:rPr sz="1400" b="0">
                           <a:solidFill>
                             <a:srgbClr val="333333"/>
                           </a:solidFill>
@@ -15494,7 +15494,7 @@
                     <a:p>
                       <a:pPr algn="l"/>
                       <a:r>
-                        <a:rPr sz="1100" b="0">
+                        <a:rPr sz="1400" b="0">
                           <a:solidFill>
                             <a:srgbClr val="333333"/>
                           </a:solidFill>
@@ -15517,7 +15517,7 @@
                     <a:p>
                       <a:pPr algn="l"/>
                       <a:r>
-                        <a:rPr sz="1100" b="0">
+                        <a:rPr sz="1400" b="0">
                           <a:solidFill>
                             <a:srgbClr val="333333"/>
                           </a:solidFill>
@@ -15540,7 +15540,7 @@
                     <a:p>
                       <a:pPr algn="l"/>
                       <a:r>
-                        <a:rPr sz="1100" b="0">
+                        <a:rPr sz="1400" b="0">
                           <a:solidFill>
                             <a:srgbClr val="333333"/>
                           </a:solidFill>
@@ -15589,7 +15589,7 @@
               </a:spcAft>
             </a:pPr>
             <a:r>
-              <a:rPr sz="1300" b="0">
+              <a:rPr sz="1600" b="0">
                 <a:solidFill>
                   <a:srgbClr val="666666"/>
                 </a:solidFill>
@@ -15736,7 +15736,7 @@
           <a:p>
             <a:pPr algn="l"/>
             <a:r>
-              <a:rPr sz="2800" b="1">
+              <a:rPr sz="3400" b="1">
                 <a:solidFill>
                   <a:srgbClr val="FFFFFF"/>
                 </a:solidFill>
@@ -15814,7 +15814,7 @@
           <a:p>
             <a:pPr algn="r"/>
             <a:r>
-              <a:rPr sz="1000" b="0">
+              <a:rPr sz="1200" b="0">
                 <a:solidFill>
                   <a:srgbClr val="666666"/>
                 </a:solidFill>
@@ -15866,7 +15866,7 @@
           <a:p>
             <a:pPr algn="ctr"/>
             <a:r>
-              <a:rPr sz="2000" b="1">
+              <a:rPr sz="2400" b="1">
                 <a:solidFill>
                   <a:srgbClr val="FFFFFF"/>
                 </a:solidFill>
@@ -15905,7 +15905,7 @@
               </a:spcAft>
             </a:pPr>
             <a:r>
-              <a:rPr sz="1300" b="0">
+              <a:rPr sz="1600" b="0">
                 <a:solidFill>
                   <a:srgbClr val="333333"/>
                 </a:solidFill>
@@ -15921,7 +15921,7 @@
               </a:spcAft>
             </a:pPr>
             <a:r>
-              <a:rPr sz="1300" b="0">
+              <a:rPr sz="1600" b="0">
                 <a:solidFill>
                   <a:srgbClr val="333333"/>
                 </a:solidFill>
@@ -15937,7 +15937,7 @@
               </a:spcAft>
             </a:pPr>
             <a:r>
-              <a:rPr sz="1300" b="0">
+              <a:rPr sz="1600" b="0">
                 <a:solidFill>
                   <a:srgbClr val="333333"/>
                 </a:solidFill>
@@ -15953,7 +15953,7 @@
               </a:spcAft>
             </a:pPr>
             <a:r>
-              <a:rPr sz="1300" b="0">
+              <a:rPr sz="1600" b="0">
                 <a:solidFill>
                   <a:srgbClr val="333333"/>
                 </a:solidFill>
@@ -16005,7 +16005,7 @@
           <a:p>
             <a:pPr algn="ctr"/>
             <a:r>
-              <a:rPr sz="2000" b="1">
+              <a:rPr sz="2400" b="1">
                 <a:solidFill>
                   <a:srgbClr val="FFFFFF"/>
                 </a:solidFill>
@@ -16044,7 +16044,7 @@
               </a:spcAft>
             </a:pPr>
             <a:r>
-              <a:rPr sz="1300" b="0">
+              <a:rPr sz="1600" b="0">
                 <a:solidFill>
                   <a:srgbClr val="333333"/>
                 </a:solidFill>
@@ -16060,7 +16060,7 @@
               </a:spcAft>
             </a:pPr>
             <a:r>
-              <a:rPr sz="1300" b="0">
+              <a:rPr sz="1600" b="0">
                 <a:solidFill>
                   <a:srgbClr val="333333"/>
                 </a:solidFill>
@@ -16076,7 +16076,7 @@
               </a:spcAft>
             </a:pPr>
             <a:r>
-              <a:rPr sz="1300" b="0">
+              <a:rPr sz="1600" b="0">
                 <a:solidFill>
                   <a:srgbClr val="333333"/>
                 </a:solidFill>
@@ -16092,7 +16092,7 @@
               </a:spcAft>
             </a:pPr>
             <a:r>
-              <a:rPr sz="1300" b="0">
+              <a:rPr sz="1600" b="0">
                 <a:solidFill>
                   <a:srgbClr val="333333"/>
                 </a:solidFill>
@@ -16144,7 +16144,7 @@
           <a:p>
             <a:pPr algn="ctr"/>
             <a:r>
-              <a:rPr sz="2000" b="1">
+              <a:rPr sz="2400" b="1">
                 <a:solidFill>
                   <a:srgbClr val="FFFFFF"/>
                 </a:solidFill>
@@ -16183,7 +16183,7 @@
               </a:spcAft>
             </a:pPr>
             <a:r>
-              <a:rPr sz="1300" b="0">
+              <a:rPr sz="1600" b="0">
                 <a:solidFill>
                   <a:srgbClr val="333333"/>
                 </a:solidFill>
@@ -16199,7 +16199,7 @@
               </a:spcAft>
             </a:pPr>
             <a:r>
-              <a:rPr sz="1300" b="0">
+              <a:rPr sz="1600" b="0">
                 <a:solidFill>
                   <a:srgbClr val="333333"/>
                 </a:solidFill>
@@ -16215,7 +16215,7 @@
               </a:spcAft>
             </a:pPr>
             <a:r>
-              <a:rPr sz="1300" b="0">
+              <a:rPr sz="1600" b="0">
                 <a:solidFill>
                   <a:srgbClr val="333333"/>
                 </a:solidFill>
@@ -16231,7 +16231,7 @@
               </a:spcAft>
             </a:pPr>
             <a:r>
-              <a:rPr sz="1300" b="0">
+              <a:rPr sz="1600" b="0">
                 <a:solidFill>
                   <a:srgbClr val="333333"/>
                 </a:solidFill>
@@ -16283,7 +16283,7 @@
           <a:p>
             <a:pPr algn="ctr"/>
             <a:r>
-              <a:rPr sz="2000" b="1">
+              <a:rPr sz="2400" b="1">
                 <a:solidFill>
                   <a:srgbClr val="FFFFFF"/>
                 </a:solidFill>
@@ -16322,7 +16322,7 @@
               </a:spcAft>
             </a:pPr>
             <a:r>
-              <a:rPr sz="1300" b="0">
+              <a:rPr sz="1600" b="0">
                 <a:solidFill>
                   <a:srgbClr val="333333"/>
                 </a:solidFill>
@@ -16338,7 +16338,7 @@
               </a:spcAft>
             </a:pPr>
             <a:r>
-              <a:rPr sz="1300" b="0">
+              <a:rPr sz="1600" b="0">
                 <a:solidFill>
                   <a:srgbClr val="333333"/>
                 </a:solidFill>
@@ -16354,7 +16354,7 @@
               </a:spcAft>
             </a:pPr>
             <a:r>
-              <a:rPr sz="1300" b="0">
+              <a:rPr sz="1600" b="0">
                 <a:solidFill>
                   <a:srgbClr val="333333"/>
                 </a:solidFill>
@@ -16370,7 +16370,7 @@
               </a:spcAft>
             </a:pPr>
             <a:r>
-              <a:rPr sz="1300" b="0">
+              <a:rPr sz="1600" b="0">
                 <a:solidFill>
                   <a:srgbClr val="333333"/>
                 </a:solidFill>
@@ -16409,7 +16409,7 @@
               </a:spcAft>
             </a:pPr>
             <a:r>
-              <a:rPr sz="1400" b="1">
+              <a:rPr sz="1700" b="1">
                 <a:solidFill>
                   <a:srgbClr val="1B3A5C"/>
                 </a:solidFill>
@@ -16425,7 +16425,7 @@
               </a:spcAft>
             </a:pPr>
             <a:r>
-              <a:rPr sz="1300" b="0">
+              <a:rPr sz="1600" b="0">
                 <a:solidFill>
                   <a:srgbClr val="666666"/>
                 </a:solidFill>
@@ -16572,7 +16572,7 @@
           <a:p>
             <a:pPr algn="l"/>
             <a:r>
-              <a:rPr sz="2800" b="1">
+              <a:rPr sz="3400" b="1">
                 <a:solidFill>
                   <a:srgbClr val="FFFFFF"/>
                 </a:solidFill>
@@ -16650,7 +16650,7 @@
           <a:p>
             <a:pPr algn="r"/>
             <a:r>
-              <a:rPr sz="1000" b="0">
+              <a:rPr sz="1200" b="0">
                 <a:solidFill>
                   <a:srgbClr val="666666"/>
                 </a:solidFill>
@@ -16693,7 +16693,7 @@
                     <a:p>
                       <a:pPr algn="ctr"/>
                       <a:r>
-                        <a:rPr sz="1300" b="1">
+                        <a:rPr sz="1600" b="1">
                           <a:solidFill>
                             <a:srgbClr val="FFFFFF"/>
                           </a:solidFill>
@@ -16716,7 +16716,7 @@
                     <a:p>
                       <a:pPr algn="ctr"/>
                       <a:r>
-                        <a:rPr sz="1300" b="1">
+                        <a:rPr sz="1600" b="1">
                           <a:solidFill>
                             <a:srgbClr val="FFFFFF"/>
                           </a:solidFill>
@@ -16739,7 +16739,7 @@
                     <a:p>
                       <a:pPr algn="ctr"/>
                       <a:r>
-                        <a:rPr sz="1300" b="1">
+                        <a:rPr sz="1600" b="1">
                           <a:solidFill>
                             <a:srgbClr val="FFFFFF"/>
                           </a:solidFill>
@@ -16762,7 +16762,7 @@
                     <a:p>
                       <a:pPr algn="ctr"/>
                       <a:r>
-                        <a:rPr sz="1300" b="1">
+                        <a:rPr sz="1600" b="1">
                           <a:solidFill>
                             <a:srgbClr val="FFFFFF"/>
                           </a:solidFill>
@@ -16787,7 +16787,7 @@
                     <a:p>
                       <a:pPr algn="l"/>
                       <a:r>
-                        <a:rPr sz="1100" b="0">
+                        <a:rPr sz="1400" b="0">
                           <a:solidFill>
                             <a:srgbClr val="333333"/>
                           </a:solidFill>
@@ -16810,7 +16810,7 @@
                     <a:p>
                       <a:pPr algn="l"/>
                       <a:r>
-                        <a:rPr sz="1100" b="0">
+                        <a:rPr sz="1400" b="0">
                           <a:solidFill>
                             <a:srgbClr val="333333"/>
                           </a:solidFill>
@@ -16833,7 +16833,7 @@
                     <a:p>
                       <a:pPr algn="l"/>
                       <a:r>
-                        <a:rPr sz="1100" b="0">
+                        <a:rPr sz="1400" b="0">
                           <a:solidFill>
                             <a:srgbClr val="333333"/>
                           </a:solidFill>
@@ -16856,7 +16856,7 @@
                     <a:p>
                       <a:pPr algn="l"/>
                       <a:r>
-                        <a:rPr sz="1100" b="0">
+                        <a:rPr sz="1400" b="0">
                           <a:solidFill>
                             <a:srgbClr val="333333"/>
                           </a:solidFill>
@@ -16881,7 +16881,7 @@
                     <a:p>
                       <a:pPr algn="l"/>
                       <a:r>
-                        <a:rPr sz="1100" b="0">
+                        <a:rPr sz="1400" b="0">
                           <a:solidFill>
                             <a:srgbClr val="333333"/>
                           </a:solidFill>
@@ -16904,7 +16904,7 @@
                     <a:p>
                       <a:pPr algn="l"/>
                       <a:r>
-                        <a:rPr sz="1100" b="0">
+                        <a:rPr sz="1400" b="0">
                           <a:solidFill>
                             <a:srgbClr val="333333"/>
                           </a:solidFill>
@@ -16927,7 +16927,7 @@
                     <a:p>
                       <a:pPr algn="l"/>
                       <a:r>
-                        <a:rPr sz="1100" b="0">
+                        <a:rPr sz="1400" b="0">
                           <a:solidFill>
                             <a:srgbClr val="333333"/>
                           </a:solidFill>
@@ -16950,7 +16950,7 @@
                     <a:p>
                       <a:pPr algn="l"/>
                       <a:r>
-                        <a:rPr sz="1100" b="0">
+                        <a:rPr sz="1400" b="0">
                           <a:solidFill>
                             <a:srgbClr val="333333"/>
                           </a:solidFill>
@@ -16975,7 +16975,7 @@
                     <a:p>
                       <a:pPr algn="l"/>
                       <a:r>
-                        <a:rPr sz="1100" b="0">
+                        <a:rPr sz="1400" b="0">
                           <a:solidFill>
                             <a:srgbClr val="333333"/>
                           </a:solidFill>
@@ -16998,7 +16998,7 @@
                     <a:p>
                       <a:pPr algn="l"/>
                       <a:r>
-                        <a:rPr sz="1100" b="0">
+                        <a:rPr sz="1400" b="0">
                           <a:solidFill>
                             <a:srgbClr val="333333"/>
                           </a:solidFill>
@@ -17021,7 +17021,7 @@
                     <a:p>
                       <a:pPr algn="l"/>
                       <a:r>
-                        <a:rPr sz="1100" b="0">
+                        <a:rPr sz="1400" b="0">
                           <a:solidFill>
                             <a:srgbClr val="333333"/>
                           </a:solidFill>
@@ -17044,7 +17044,7 @@
                     <a:p>
                       <a:pPr algn="l"/>
                       <a:r>
-                        <a:rPr sz="1100" b="0">
+                        <a:rPr sz="1400" b="0">
                           <a:solidFill>
                             <a:srgbClr val="333333"/>
                           </a:solidFill>
@@ -17069,7 +17069,7 @@
                     <a:p>
                       <a:pPr algn="l"/>
                       <a:r>
-                        <a:rPr sz="1100" b="0">
+                        <a:rPr sz="1400" b="0">
                           <a:solidFill>
                             <a:srgbClr val="333333"/>
                           </a:solidFill>
@@ -17092,7 +17092,7 @@
                     <a:p>
                       <a:pPr algn="l"/>
                       <a:r>
-                        <a:rPr sz="1100" b="0">
+                        <a:rPr sz="1400" b="0">
                           <a:solidFill>
                             <a:srgbClr val="333333"/>
                           </a:solidFill>
@@ -17115,7 +17115,7 @@
                     <a:p>
                       <a:pPr algn="l"/>
                       <a:r>
-                        <a:rPr sz="1100" b="0">
+                        <a:rPr sz="1400" b="0">
                           <a:solidFill>
                             <a:srgbClr val="333333"/>
                           </a:solidFill>
@@ -17138,7 +17138,7 @@
                     <a:p>
                       <a:pPr algn="l"/>
                       <a:r>
-                        <a:rPr sz="1100" b="0">
+                        <a:rPr sz="1400" b="0">
                           <a:solidFill>
                             <a:srgbClr val="333333"/>
                           </a:solidFill>
@@ -17163,7 +17163,7 @@
                     <a:p>
                       <a:pPr algn="l"/>
                       <a:r>
-                        <a:rPr sz="1100" b="0">
+                        <a:rPr sz="1400" b="0">
                           <a:solidFill>
                             <a:srgbClr val="333333"/>
                           </a:solidFill>
@@ -17186,7 +17186,7 @@
                     <a:p>
                       <a:pPr algn="l"/>
                       <a:r>
-                        <a:rPr sz="1100" b="0">
+                        <a:rPr sz="1400" b="0">
                           <a:solidFill>
                             <a:srgbClr val="333333"/>
                           </a:solidFill>
@@ -17209,7 +17209,7 @@
                     <a:p>
                       <a:pPr algn="l"/>
                       <a:r>
-                        <a:rPr sz="1100" b="0">
+                        <a:rPr sz="1400" b="0">
                           <a:solidFill>
                             <a:srgbClr val="333333"/>
                           </a:solidFill>
@@ -17232,7 +17232,7 @@
                     <a:p>
                       <a:pPr algn="l"/>
                       <a:r>
-                        <a:rPr sz="1100" b="0">
+                        <a:rPr sz="1400" b="0">
                           <a:solidFill>
                             <a:srgbClr val="333333"/>
                           </a:solidFill>
@@ -17257,7 +17257,7 @@
                     <a:p>
                       <a:pPr algn="l"/>
                       <a:r>
-                        <a:rPr sz="1100" b="0">
+                        <a:rPr sz="1400" b="0">
                           <a:solidFill>
                             <a:srgbClr val="333333"/>
                           </a:solidFill>
@@ -17280,7 +17280,7 @@
                     <a:p>
                       <a:pPr algn="l"/>
                       <a:r>
-                        <a:rPr sz="1100" b="0">
+                        <a:rPr sz="1400" b="0">
                           <a:solidFill>
                             <a:srgbClr val="333333"/>
                           </a:solidFill>
@@ -17303,7 +17303,7 @@
                     <a:p>
                       <a:pPr algn="l"/>
                       <a:r>
-                        <a:rPr sz="1100" b="0">
+                        <a:rPr sz="1400" b="0">
                           <a:solidFill>
                             <a:srgbClr val="333333"/>
                           </a:solidFill>
@@ -17326,7 +17326,7 @@
                     <a:p>
                       <a:pPr algn="l"/>
                       <a:r>
-                        <a:rPr sz="1100" b="0">
+                        <a:rPr sz="1400" b="0">
                           <a:solidFill>
                             <a:srgbClr val="333333"/>
                           </a:solidFill>
@@ -17351,7 +17351,7 @@
                     <a:p>
                       <a:pPr algn="l"/>
                       <a:r>
-                        <a:rPr sz="1100" b="0">
+                        <a:rPr sz="1400" b="0">
                           <a:solidFill>
                             <a:srgbClr val="333333"/>
                           </a:solidFill>
@@ -17374,7 +17374,7 @@
                     <a:p>
                       <a:pPr algn="l"/>
                       <a:r>
-                        <a:rPr sz="1100" b="0">
+                        <a:rPr sz="1400" b="0">
                           <a:solidFill>
                             <a:srgbClr val="333333"/>
                           </a:solidFill>
@@ -17397,7 +17397,7 @@
                     <a:p>
                       <a:pPr algn="l"/>
                       <a:r>
-                        <a:rPr sz="1100" b="0">
+                        <a:rPr sz="1400" b="0">
                           <a:solidFill>
                             <a:srgbClr val="333333"/>
                           </a:solidFill>
@@ -17420,7 +17420,7 @@
                     <a:p>
                       <a:pPr algn="l"/>
                       <a:r>
-                        <a:rPr sz="1100" b="0">
+                        <a:rPr sz="1400" b="0">
                           <a:solidFill>
                             <a:srgbClr val="333333"/>
                           </a:solidFill>
@@ -17445,7 +17445,7 @@
                     <a:p>
                       <a:pPr algn="l"/>
                       <a:r>
-                        <a:rPr sz="1100" b="0">
+                        <a:rPr sz="1400" b="0">
                           <a:solidFill>
                             <a:srgbClr val="333333"/>
                           </a:solidFill>
@@ -17468,7 +17468,7 @@
                     <a:p>
                       <a:pPr algn="l"/>
                       <a:r>
-                        <a:rPr sz="1100" b="0">
+                        <a:rPr sz="1400" b="0">
                           <a:solidFill>
                             <a:srgbClr val="333333"/>
                           </a:solidFill>
@@ -17491,7 +17491,7 @@
                     <a:p>
                       <a:pPr algn="l"/>
                       <a:r>
-                        <a:rPr sz="1100" b="0">
+                        <a:rPr sz="1400" b="0">
                           <a:solidFill>
                             <a:srgbClr val="333333"/>
                           </a:solidFill>
@@ -17514,7 +17514,7 @@
                     <a:p>
                       <a:pPr algn="l"/>
                       <a:r>
-                        <a:rPr sz="1100" b="0">
+                        <a:rPr sz="1400" b="0">
                           <a:solidFill>
                             <a:srgbClr val="333333"/>
                           </a:solidFill>
@@ -17563,7 +17563,7 @@
               </a:spcAft>
             </a:pPr>
             <a:r>
-              <a:rPr sz="1400" b="1">
+              <a:rPr sz="1800" b="1">
                 <a:solidFill>
                   <a:srgbClr val="1B3A5C"/>
                 </a:solidFill>

--- a/Prompts/수소에너지_발표자료.pptx
+++ b/Prompts/수소에너지_발표자료.pptx
@@ -5,26 +5,26 @@
     <p:sldMasterId id="2147483648" r:id="rId1"/>
   </p:sldMasterIdLst>
   <p:sldIdLst>
-    <p:sldId id="256" r:id="rId7"/>
-    <p:sldId id="257" r:id="rId8"/>
-    <p:sldId id="258" r:id="rId9"/>
-    <p:sldId id="259" r:id="rId10"/>
-    <p:sldId id="260" r:id="rId11"/>
-    <p:sldId id="261" r:id="rId12"/>
-    <p:sldId id="262" r:id="rId13"/>
-    <p:sldId id="263" r:id="rId14"/>
-    <p:sldId id="264" r:id="rId15"/>
-    <p:sldId id="265" r:id="rId16"/>
-    <p:sldId id="266" r:id="rId17"/>
-    <p:sldId id="267" r:id="rId18"/>
-    <p:sldId id="268" r:id="rId19"/>
-    <p:sldId id="269" r:id="rId20"/>
-    <p:sldId id="270" r:id="rId21"/>
-    <p:sldId id="271" r:id="rId22"/>
-    <p:sldId id="272" r:id="rId23"/>
-    <p:sldId id="273" r:id="rId24"/>
+    <p:sldId id="256" r:id="rId2"/>
+    <p:sldId id="257" r:id="rId3"/>
+    <p:sldId id="258" r:id="rId4"/>
+    <p:sldId id="259" r:id="rId5"/>
+    <p:sldId id="260" r:id="rId6"/>
+    <p:sldId id="261" r:id="rId7"/>
+    <p:sldId id="262" r:id="rId8"/>
+    <p:sldId id="263" r:id="rId9"/>
+    <p:sldId id="264" r:id="rId10"/>
+    <p:sldId id="265" r:id="rId11"/>
+    <p:sldId id="266" r:id="rId12"/>
+    <p:sldId id="267" r:id="rId13"/>
+    <p:sldId id="268" r:id="rId14"/>
+    <p:sldId id="269" r:id="rId15"/>
+    <p:sldId id="270" r:id="rId16"/>
+    <p:sldId id="271" r:id="rId17"/>
+    <p:sldId id="272" r:id="rId18"/>
+    <p:sldId id="273" r:id="rId19"/>
   </p:sldIdLst>
-  <p:sldSz cx="12191695" cy="6858000" type="screen4x3"/>
+  <p:sldSz cx="12192000" cy="6858000"/>
   <p:notesSz cx="6858000" cy="9144000"/>
   <p:defaultTextStyle>
     <a:defPPr>
@@ -121,6 +121,22 @@
       </a:defRPr>
     </a:lvl9pPr>
   </p:defaultTextStyle>
+  <p:extLst>
+    <p:ext uri="{EFAFB233-063F-42B5-8137-9DF3F51BA10A}">
+      <p15:sldGuideLst xmlns:p15="http://schemas.microsoft.com/office/powerpoint/2012/main">
+        <p15:guide id="1" orient="horz" pos="2160">
+          <p15:clr>
+            <a:srgbClr val="A4A3A4"/>
+          </p15:clr>
+        </p15:guide>
+        <p15:guide id="2" pos="2880">
+          <p15:clr>
+            <a:srgbClr val="A4A3A4"/>
+          </p15:clr>
+        </p15:guide>
+      </p15:sldGuideLst>
+    </p:ext>
+  </p:extLst>
 </p:presentation>
 </file>
 
@@ -162,10 +178,9 @@
           <a:lstStyle/>
           <a:p>
             <a:r>
-              <a:rPr lang="en-US" smtClean="0"/>
+              <a:rPr lang="en-US"/>
               <a:t>Click to edit Master title style</a:t>
             </a:r>
-            <a:endParaRPr lang="en-US"/>
           </a:p>
         </p:txBody>
       </p:sp>
@@ -281,10 +296,9 @@
           </a:lstStyle>
           <a:p>
             <a:r>
-              <a:rPr lang="en-US" smtClean="0"/>
+              <a:rPr lang="en-US"/>
               <a:t>Click to edit Master subtitle style</a:t>
             </a:r>
-            <a:endParaRPr lang="en-US"/>
           </a:p>
         </p:txBody>
       </p:sp>
@@ -305,7 +319,7 @@
           <a:p>
             <a:fld id="{5BCAD085-E8A6-8845-BD4E-CB4CCA059FC4}" type="datetimeFigureOut">
               <a:rPr lang="en-US" smtClean="0"/>
-              <a:t>1/27/13</a:t>
+              <a:t>2/24/2026</a:t>
             </a:fld>
             <a:endParaRPr lang="en-US"/>
           </a:p>
@@ -399,10 +413,9 @@
           <a:lstStyle/>
           <a:p>
             <a:r>
-              <a:rPr lang="en-US" smtClean="0"/>
+              <a:rPr lang="en-US"/>
               <a:t>Click to edit Master title style</a:t>
             </a:r>
-            <a:endParaRPr lang="en-US"/>
           </a:p>
         </p:txBody>
       </p:sp>
@@ -423,38 +436,37 @@
           <a:p>
             <a:pPr lvl="0"/>
             <a:r>
-              <a:rPr lang="en-US" smtClean="0"/>
+              <a:rPr lang="en-US"/>
               <a:t>Click to edit Master text styles</a:t>
             </a:r>
           </a:p>
           <a:p>
             <a:pPr lvl="1"/>
             <a:r>
-              <a:rPr lang="en-US" smtClean="0"/>
+              <a:rPr lang="en-US"/>
               <a:t>Second level</a:t>
             </a:r>
           </a:p>
           <a:p>
             <a:pPr lvl="2"/>
             <a:r>
-              <a:rPr lang="en-US" smtClean="0"/>
+              <a:rPr lang="en-US"/>
               <a:t>Third level</a:t>
             </a:r>
           </a:p>
           <a:p>
             <a:pPr lvl="3"/>
             <a:r>
-              <a:rPr lang="en-US" smtClean="0"/>
+              <a:rPr lang="en-US"/>
               <a:t>Fourth level</a:t>
             </a:r>
           </a:p>
           <a:p>
             <a:pPr lvl="4"/>
             <a:r>
-              <a:rPr lang="en-US" smtClean="0"/>
+              <a:rPr lang="en-US"/>
               <a:t>Fifth level</a:t>
             </a:r>
-            <a:endParaRPr lang="en-US"/>
           </a:p>
         </p:txBody>
       </p:sp>
@@ -475,7 +487,7 @@
           <a:p>
             <a:fld id="{5BCAD085-E8A6-8845-BD4E-CB4CCA059FC4}" type="datetimeFigureOut">
               <a:rPr lang="en-US" smtClean="0"/>
-              <a:t>1/27/13</a:t>
+              <a:t>2/24/2026</a:t>
             </a:fld>
             <a:endParaRPr lang="en-US"/>
           </a:p>
@@ -574,10 +586,9 @@
           <a:lstStyle/>
           <a:p>
             <a:r>
-              <a:rPr lang="en-US" smtClean="0"/>
+              <a:rPr lang="en-US"/>
               <a:t>Click to edit Master title style</a:t>
             </a:r>
-            <a:endParaRPr lang="en-US"/>
           </a:p>
         </p:txBody>
       </p:sp>
@@ -603,38 +614,37 @@
           <a:p>
             <a:pPr lvl="0"/>
             <a:r>
-              <a:rPr lang="en-US" smtClean="0"/>
+              <a:rPr lang="en-US"/>
               <a:t>Click to edit Master text styles</a:t>
             </a:r>
           </a:p>
           <a:p>
             <a:pPr lvl="1"/>
             <a:r>
-              <a:rPr lang="en-US" smtClean="0"/>
+              <a:rPr lang="en-US"/>
               <a:t>Second level</a:t>
             </a:r>
           </a:p>
           <a:p>
             <a:pPr lvl="2"/>
             <a:r>
-              <a:rPr lang="en-US" smtClean="0"/>
+              <a:rPr lang="en-US"/>
               <a:t>Third level</a:t>
             </a:r>
           </a:p>
           <a:p>
             <a:pPr lvl="3"/>
             <a:r>
-              <a:rPr lang="en-US" smtClean="0"/>
+              <a:rPr lang="en-US"/>
               <a:t>Fourth level</a:t>
             </a:r>
           </a:p>
           <a:p>
             <a:pPr lvl="4"/>
             <a:r>
-              <a:rPr lang="en-US" smtClean="0"/>
+              <a:rPr lang="en-US"/>
               <a:t>Fifth level</a:t>
             </a:r>
-            <a:endParaRPr lang="en-US"/>
           </a:p>
         </p:txBody>
       </p:sp>
@@ -655,7 +665,7 @@
           <a:p>
             <a:fld id="{5BCAD085-E8A6-8845-BD4E-CB4CCA059FC4}" type="datetimeFigureOut">
               <a:rPr lang="en-US" smtClean="0"/>
-              <a:t>1/27/13</a:t>
+              <a:t>2/24/2026</a:t>
             </a:fld>
             <a:endParaRPr lang="en-US"/>
           </a:p>
@@ -749,10 +759,9 @@
           <a:lstStyle/>
           <a:p>
             <a:r>
-              <a:rPr lang="en-US" smtClean="0"/>
+              <a:rPr lang="en-US"/>
               <a:t>Click to edit Master title style</a:t>
             </a:r>
-            <a:endParaRPr lang="en-US"/>
           </a:p>
         </p:txBody>
       </p:sp>
@@ -773,38 +782,37 @@
           <a:p>
             <a:pPr lvl="0"/>
             <a:r>
-              <a:rPr lang="en-US" smtClean="0"/>
+              <a:rPr lang="en-US"/>
               <a:t>Click to edit Master text styles</a:t>
             </a:r>
           </a:p>
           <a:p>
             <a:pPr lvl="1"/>
             <a:r>
-              <a:rPr lang="en-US" smtClean="0"/>
+              <a:rPr lang="en-US"/>
               <a:t>Second level</a:t>
             </a:r>
           </a:p>
           <a:p>
             <a:pPr lvl="2"/>
             <a:r>
-              <a:rPr lang="en-US" smtClean="0"/>
+              <a:rPr lang="en-US"/>
               <a:t>Third level</a:t>
             </a:r>
           </a:p>
           <a:p>
             <a:pPr lvl="3"/>
             <a:r>
-              <a:rPr lang="en-US" smtClean="0"/>
+              <a:rPr lang="en-US"/>
               <a:t>Fourth level</a:t>
             </a:r>
           </a:p>
           <a:p>
             <a:pPr lvl="4"/>
             <a:r>
-              <a:rPr lang="en-US" smtClean="0"/>
+              <a:rPr lang="en-US"/>
               <a:t>Fifth level</a:t>
             </a:r>
-            <a:endParaRPr lang="en-US"/>
           </a:p>
         </p:txBody>
       </p:sp>
@@ -825,7 +833,7 @@
           <a:p>
             <a:fld id="{5BCAD085-E8A6-8845-BD4E-CB4CCA059FC4}" type="datetimeFigureOut">
               <a:rPr lang="en-US" smtClean="0"/>
-              <a:t>1/27/13</a:t>
+              <a:t>2/24/2026</a:t>
             </a:fld>
             <a:endParaRPr lang="en-US"/>
           </a:p>
@@ -928,10 +936,9 @@
           </a:lstStyle>
           <a:p>
             <a:r>
-              <a:rPr lang="en-US" smtClean="0"/>
+              <a:rPr lang="en-US"/>
               <a:t>Click to edit Master title style</a:t>
             </a:r>
-            <a:endParaRPr lang="en-US"/>
           </a:p>
         </p:txBody>
       </p:sp>
@@ -1048,7 +1055,7 @@
           <a:p>
             <a:pPr lvl="0"/>
             <a:r>
-              <a:rPr lang="en-US" smtClean="0"/>
+              <a:rPr lang="en-US"/>
               <a:t>Click to edit Master text styles</a:t>
             </a:r>
           </a:p>
@@ -1071,7 +1078,7 @@
           <a:p>
             <a:fld id="{5BCAD085-E8A6-8845-BD4E-CB4CCA059FC4}" type="datetimeFigureOut">
               <a:rPr lang="en-US" smtClean="0"/>
-              <a:t>1/27/13</a:t>
+              <a:t>2/24/2026</a:t>
             </a:fld>
             <a:endParaRPr lang="en-US"/>
           </a:p>
@@ -1165,10 +1172,9 @@
           <a:lstStyle/>
           <a:p>
             <a:r>
-              <a:rPr lang="en-US" smtClean="0"/>
+              <a:rPr lang="en-US"/>
               <a:t>Click to edit Master title style</a:t>
             </a:r>
-            <a:endParaRPr lang="en-US"/>
           </a:p>
         </p:txBody>
       </p:sp>
@@ -1222,38 +1228,37 @@
           <a:p>
             <a:pPr lvl="0"/>
             <a:r>
-              <a:rPr lang="en-US" smtClean="0"/>
+              <a:rPr lang="en-US"/>
               <a:t>Click to edit Master text styles</a:t>
             </a:r>
           </a:p>
           <a:p>
             <a:pPr lvl="1"/>
             <a:r>
-              <a:rPr lang="en-US" smtClean="0"/>
+              <a:rPr lang="en-US"/>
               <a:t>Second level</a:t>
             </a:r>
           </a:p>
           <a:p>
             <a:pPr lvl="2"/>
             <a:r>
-              <a:rPr lang="en-US" smtClean="0"/>
+              <a:rPr lang="en-US"/>
               <a:t>Third level</a:t>
             </a:r>
           </a:p>
           <a:p>
             <a:pPr lvl="3"/>
             <a:r>
-              <a:rPr lang="en-US" smtClean="0"/>
+              <a:rPr lang="en-US"/>
               <a:t>Fourth level</a:t>
             </a:r>
           </a:p>
           <a:p>
             <a:pPr lvl="4"/>
             <a:r>
-              <a:rPr lang="en-US" smtClean="0"/>
+              <a:rPr lang="en-US"/>
               <a:t>Fifth level</a:t>
             </a:r>
-            <a:endParaRPr lang="en-US"/>
           </a:p>
         </p:txBody>
       </p:sp>
@@ -1307,38 +1312,37 @@
           <a:p>
             <a:pPr lvl="0"/>
             <a:r>
-              <a:rPr lang="en-US" smtClean="0"/>
+              <a:rPr lang="en-US"/>
               <a:t>Click to edit Master text styles</a:t>
             </a:r>
           </a:p>
           <a:p>
             <a:pPr lvl="1"/>
             <a:r>
-              <a:rPr lang="en-US" smtClean="0"/>
+              <a:rPr lang="en-US"/>
               <a:t>Second level</a:t>
             </a:r>
           </a:p>
           <a:p>
             <a:pPr lvl="2"/>
             <a:r>
-              <a:rPr lang="en-US" smtClean="0"/>
+              <a:rPr lang="en-US"/>
               <a:t>Third level</a:t>
             </a:r>
           </a:p>
           <a:p>
             <a:pPr lvl="3"/>
             <a:r>
-              <a:rPr lang="en-US" smtClean="0"/>
+              <a:rPr lang="en-US"/>
               <a:t>Fourth level</a:t>
             </a:r>
           </a:p>
           <a:p>
             <a:pPr lvl="4"/>
             <a:r>
-              <a:rPr lang="en-US" smtClean="0"/>
+              <a:rPr lang="en-US"/>
               <a:t>Fifth level</a:t>
             </a:r>
-            <a:endParaRPr lang="en-US"/>
           </a:p>
         </p:txBody>
       </p:sp>
@@ -1359,7 +1363,7 @@
           <a:p>
             <a:fld id="{5BCAD085-E8A6-8845-BD4E-CB4CCA059FC4}" type="datetimeFigureOut">
               <a:rPr lang="en-US" smtClean="0"/>
-              <a:t>1/27/13</a:t>
+              <a:t>2/24/2026</a:t>
             </a:fld>
             <a:endParaRPr lang="en-US"/>
           </a:p>
@@ -1457,10 +1461,9 @@
           </a:lstStyle>
           <a:p>
             <a:r>
-              <a:rPr lang="en-US" smtClean="0"/>
+              <a:rPr lang="en-US"/>
               <a:t>Click to edit Master title style</a:t>
             </a:r>
-            <a:endParaRPr lang="en-US"/>
           </a:p>
         </p:txBody>
       </p:sp>
@@ -1523,7 +1526,7 @@
           <a:p>
             <a:pPr lvl="0"/>
             <a:r>
-              <a:rPr lang="en-US" smtClean="0"/>
+              <a:rPr lang="en-US"/>
               <a:t>Click to edit Master text styles</a:t>
             </a:r>
           </a:p>
@@ -1579,38 +1582,37 @@
           <a:p>
             <a:pPr lvl="0"/>
             <a:r>
-              <a:rPr lang="en-US" smtClean="0"/>
+              <a:rPr lang="en-US"/>
               <a:t>Click to edit Master text styles</a:t>
             </a:r>
           </a:p>
           <a:p>
             <a:pPr lvl="1"/>
             <a:r>
-              <a:rPr lang="en-US" smtClean="0"/>
+              <a:rPr lang="en-US"/>
               <a:t>Second level</a:t>
             </a:r>
           </a:p>
           <a:p>
             <a:pPr lvl="2"/>
             <a:r>
-              <a:rPr lang="en-US" smtClean="0"/>
+              <a:rPr lang="en-US"/>
               <a:t>Third level</a:t>
             </a:r>
           </a:p>
           <a:p>
             <a:pPr lvl="3"/>
             <a:r>
-              <a:rPr lang="en-US" smtClean="0"/>
+              <a:rPr lang="en-US"/>
               <a:t>Fourth level</a:t>
             </a:r>
           </a:p>
           <a:p>
             <a:pPr lvl="4"/>
             <a:r>
-              <a:rPr lang="en-US" smtClean="0"/>
+              <a:rPr lang="en-US"/>
               <a:t>Fifth level</a:t>
             </a:r>
-            <a:endParaRPr lang="en-US"/>
           </a:p>
         </p:txBody>
       </p:sp>
@@ -1673,7 +1675,7 @@
           <a:p>
             <a:pPr lvl="0"/>
             <a:r>
-              <a:rPr lang="en-US" smtClean="0"/>
+              <a:rPr lang="en-US"/>
               <a:t>Click to edit Master text styles</a:t>
             </a:r>
           </a:p>
@@ -1729,38 +1731,37 @@
           <a:p>
             <a:pPr lvl="0"/>
             <a:r>
-              <a:rPr lang="en-US" smtClean="0"/>
+              <a:rPr lang="en-US"/>
               <a:t>Click to edit Master text styles</a:t>
             </a:r>
           </a:p>
           <a:p>
             <a:pPr lvl="1"/>
             <a:r>
-              <a:rPr lang="en-US" smtClean="0"/>
+              <a:rPr lang="en-US"/>
               <a:t>Second level</a:t>
             </a:r>
           </a:p>
           <a:p>
             <a:pPr lvl="2"/>
             <a:r>
-              <a:rPr lang="en-US" smtClean="0"/>
+              <a:rPr lang="en-US"/>
               <a:t>Third level</a:t>
             </a:r>
           </a:p>
           <a:p>
             <a:pPr lvl="3"/>
             <a:r>
-              <a:rPr lang="en-US" smtClean="0"/>
+              <a:rPr lang="en-US"/>
               <a:t>Fourth level</a:t>
             </a:r>
           </a:p>
           <a:p>
             <a:pPr lvl="4"/>
             <a:r>
-              <a:rPr lang="en-US" smtClean="0"/>
+              <a:rPr lang="en-US"/>
               <a:t>Fifth level</a:t>
             </a:r>
-            <a:endParaRPr lang="en-US"/>
           </a:p>
         </p:txBody>
       </p:sp>
@@ -1781,7 +1782,7 @@
           <a:p>
             <a:fld id="{5BCAD085-E8A6-8845-BD4E-CB4CCA059FC4}" type="datetimeFigureOut">
               <a:rPr lang="en-US" smtClean="0"/>
-              <a:t>1/27/13</a:t>
+              <a:t>2/24/2026</a:t>
             </a:fld>
             <a:endParaRPr lang="en-US"/>
           </a:p>
@@ -1875,10 +1876,9 @@
           <a:lstStyle/>
           <a:p>
             <a:r>
-              <a:rPr lang="en-US" smtClean="0"/>
+              <a:rPr lang="en-US"/>
               <a:t>Click to edit Master title style</a:t>
             </a:r>
-            <a:endParaRPr lang="en-US"/>
           </a:p>
         </p:txBody>
       </p:sp>
@@ -1899,7 +1899,7 @@
           <a:p>
             <a:fld id="{5BCAD085-E8A6-8845-BD4E-CB4CCA059FC4}" type="datetimeFigureOut">
               <a:rPr lang="en-US" smtClean="0"/>
-              <a:t>1/27/13</a:t>
+              <a:t>2/24/2026</a:t>
             </a:fld>
             <a:endParaRPr lang="en-US"/>
           </a:p>
@@ -1994,7 +1994,7 @@
           <a:p>
             <a:fld id="{5BCAD085-E8A6-8845-BD4E-CB4CCA059FC4}" type="datetimeFigureOut">
               <a:rPr lang="en-US" smtClean="0"/>
-              <a:t>1/27/13</a:t>
+              <a:t>2/24/2026</a:t>
             </a:fld>
             <a:endParaRPr lang="en-US"/>
           </a:p>
@@ -2097,10 +2097,9 @@
           </a:lstStyle>
           <a:p>
             <a:r>
-              <a:rPr lang="en-US" smtClean="0"/>
+              <a:rPr lang="en-US"/>
               <a:t>Click to edit Master title style</a:t>
             </a:r>
-            <a:endParaRPr lang="en-US"/>
           </a:p>
         </p:txBody>
       </p:sp>
@@ -2154,38 +2153,37 @@
           <a:p>
             <a:pPr lvl="0"/>
             <a:r>
-              <a:rPr lang="en-US" smtClean="0"/>
+              <a:rPr lang="en-US"/>
               <a:t>Click to edit Master text styles</a:t>
             </a:r>
           </a:p>
           <a:p>
             <a:pPr lvl="1"/>
             <a:r>
-              <a:rPr lang="en-US" smtClean="0"/>
+              <a:rPr lang="en-US"/>
               <a:t>Second level</a:t>
             </a:r>
           </a:p>
           <a:p>
             <a:pPr lvl="2"/>
             <a:r>
-              <a:rPr lang="en-US" smtClean="0"/>
+              <a:rPr lang="en-US"/>
               <a:t>Third level</a:t>
             </a:r>
           </a:p>
           <a:p>
             <a:pPr lvl="3"/>
             <a:r>
-              <a:rPr lang="en-US" smtClean="0"/>
+              <a:rPr lang="en-US"/>
               <a:t>Fourth level</a:t>
             </a:r>
           </a:p>
           <a:p>
             <a:pPr lvl="4"/>
             <a:r>
-              <a:rPr lang="en-US" smtClean="0"/>
+              <a:rPr lang="en-US"/>
               <a:t>Fifth level</a:t>
             </a:r>
-            <a:endParaRPr lang="en-US"/>
           </a:p>
         </p:txBody>
       </p:sp>
@@ -2248,7 +2246,7 @@
           <a:p>
             <a:pPr lvl="0"/>
             <a:r>
-              <a:rPr lang="en-US" smtClean="0"/>
+              <a:rPr lang="en-US"/>
               <a:t>Click to edit Master text styles</a:t>
             </a:r>
           </a:p>
@@ -2271,7 +2269,7 @@
           <a:p>
             <a:fld id="{5BCAD085-E8A6-8845-BD4E-CB4CCA059FC4}" type="datetimeFigureOut">
               <a:rPr lang="en-US" smtClean="0"/>
-              <a:t>1/27/13</a:t>
+              <a:t>2/24/2026</a:t>
             </a:fld>
             <a:endParaRPr lang="en-US"/>
           </a:p>
@@ -2374,10 +2372,9 @@
           </a:lstStyle>
           <a:p>
             <a:r>
-              <a:rPr lang="en-US" smtClean="0"/>
+              <a:rPr lang="en-US"/>
               <a:t>Click to edit Master title style</a:t>
             </a:r>
-            <a:endParaRPr lang="en-US"/>
           </a:p>
         </p:txBody>
       </p:sp>
@@ -2501,7 +2498,7 @@
           <a:p>
             <a:pPr lvl="0"/>
             <a:r>
-              <a:rPr lang="en-US" smtClean="0"/>
+              <a:rPr lang="en-US"/>
               <a:t>Click to edit Master text styles</a:t>
             </a:r>
           </a:p>
@@ -2524,7 +2521,7 @@
           <a:p>
             <a:fld id="{5BCAD085-E8A6-8845-BD4E-CB4CCA059FC4}" type="datetimeFigureOut">
               <a:rPr lang="en-US" smtClean="0"/>
-              <a:t>1/27/13</a:t>
+              <a:t>2/24/2026</a:t>
             </a:fld>
             <a:endParaRPr lang="en-US"/>
           </a:p>
@@ -2633,10 +2630,9 @@
           <a:lstStyle/>
           <a:p>
             <a:r>
-              <a:rPr lang="en-US" smtClean="0"/>
+              <a:rPr lang="en-US"/>
               <a:t>Click to edit Master title style</a:t>
             </a:r>
-            <a:endParaRPr lang="en-US"/>
           </a:p>
         </p:txBody>
       </p:sp>
@@ -2667,38 +2663,37 @@
           <a:p>
             <a:pPr lvl="0"/>
             <a:r>
-              <a:rPr lang="en-US" smtClean="0"/>
+              <a:rPr lang="en-US"/>
               <a:t>Click to edit Master text styles</a:t>
             </a:r>
           </a:p>
           <a:p>
             <a:pPr lvl="1"/>
             <a:r>
-              <a:rPr lang="en-US" smtClean="0"/>
+              <a:rPr lang="en-US"/>
               <a:t>Second level</a:t>
             </a:r>
           </a:p>
           <a:p>
             <a:pPr lvl="2"/>
             <a:r>
-              <a:rPr lang="en-US" smtClean="0"/>
+              <a:rPr lang="en-US"/>
               <a:t>Third level</a:t>
             </a:r>
           </a:p>
           <a:p>
             <a:pPr lvl="3"/>
             <a:r>
-              <a:rPr lang="en-US" smtClean="0"/>
+              <a:rPr lang="en-US"/>
               <a:t>Fourth level</a:t>
             </a:r>
           </a:p>
           <a:p>
             <a:pPr lvl="4"/>
             <a:r>
-              <a:rPr lang="en-US" smtClean="0"/>
+              <a:rPr lang="en-US"/>
               <a:t>Fifth level</a:t>
             </a:r>
-            <a:endParaRPr lang="en-US"/>
           </a:p>
         </p:txBody>
       </p:sp>
@@ -2737,7 +2732,7 @@
           <a:p>
             <a:fld id="{5BCAD085-E8A6-8845-BD4E-CB4CCA059FC4}" type="datetimeFigureOut">
               <a:rPr lang="en-US" smtClean="0"/>
-              <a:t>1/27/13</a:t>
+              <a:t>2/24/2026</a:t>
             </a:fld>
             <a:endParaRPr lang="en-US"/>
           </a:p>
@@ -3096,7 +3091,7 @@
 </file>
 
 <file path=ppt/slides/slide1.xml><?xml version="1.0" encoding="utf-8"?>
-<p:sld xmlns:a="http://schemas.openxmlformats.org/drawingml/2006/main" xmlns:p="http://schemas.openxmlformats.org/presentationml/2006/main" xmlns:r="http://schemas.openxmlformats.org/officeDocument/2006/relationships">
+<p:sld xmlns:a="http://schemas.openxmlformats.org/drawingml/2006/main" xmlns:r="http://schemas.openxmlformats.org/officeDocument/2006/relationships" xmlns:p="http://schemas.openxmlformats.org/presentationml/2006/main">
   <p:cSld>
     <p:bg>
       <p:bgPr>
@@ -3112,7 +3107,14 @@
         <p:cNvGrpSpPr/>
         <p:nvPr/>
       </p:nvGrpSpPr>
-      <p:grpSpPr/>
+      <p:grpSpPr>
+        <a:xfrm>
+          <a:off x="0" y="0"/>
+          <a:ext cx="0" cy="0"/>
+          <a:chOff x="0" y="0"/>
+          <a:chExt cx="0" cy="0"/>
+        </a:xfrm>
+      </p:grpSpPr>
       <p:sp>
         <p:nvSpPr>
           <p:cNvPr id="2" name="Rectangle 1"/>
@@ -3153,6 +3155,7 @@
           <a:lstStyle/>
           <a:p>
             <a:pPr algn="ctr"/>
+            <a:endParaRPr/>
           </a:p>
         </p:txBody>
       </p:sp>
@@ -3247,6 +3250,7 @@
           <a:lstStyle/>
           <a:p>
             <a:pPr algn="ctr"/>
+            <a:endParaRPr/>
           </a:p>
         </p:txBody>
       </p:sp>
@@ -3310,7 +3314,7 @@
 </file>
 
 <file path=ppt/slides/slide10.xml><?xml version="1.0" encoding="utf-8"?>
-<p:sld xmlns:a="http://schemas.openxmlformats.org/drawingml/2006/main" xmlns:p="http://schemas.openxmlformats.org/presentationml/2006/main" xmlns:r="http://schemas.openxmlformats.org/officeDocument/2006/relationships">
+<p:sld xmlns:a="http://schemas.openxmlformats.org/drawingml/2006/main" xmlns:r="http://schemas.openxmlformats.org/officeDocument/2006/relationships" xmlns:p="http://schemas.openxmlformats.org/presentationml/2006/main">
   <p:cSld>
     <p:bg>
       <p:bgPr>
@@ -3326,7 +3330,14 @@
         <p:cNvGrpSpPr/>
         <p:nvPr/>
       </p:nvGrpSpPr>
-      <p:grpSpPr/>
+      <p:grpSpPr>
+        <a:xfrm>
+          <a:off x="0" y="0"/>
+          <a:ext cx="0" cy="0"/>
+          <a:chOff x="0" y="0"/>
+          <a:chExt cx="0" cy="0"/>
+        </a:xfrm>
+      </p:grpSpPr>
       <p:sp>
         <p:nvSpPr>
           <p:cNvPr id="2" name="Rectangle 1"/>
@@ -3367,6 +3378,7 @@
           <a:lstStyle/>
           <a:p>
             <a:pPr algn="ctr"/>
+            <a:endParaRPr/>
           </a:p>
         </p:txBody>
       </p:sp>
@@ -3410,6 +3422,7 @@
           <a:lstStyle/>
           <a:p>
             <a:pPr algn="ctr"/>
+            <a:endParaRPr/>
           </a:p>
         </p:txBody>
       </p:sp>
@@ -3488,6 +3501,7 @@
           <a:lstStyle/>
           <a:p>
             <a:pPr algn="ctr"/>
+            <a:endParaRPr/>
           </a:p>
         </p:txBody>
       </p:sp>
@@ -3536,7 +3550,7 @@
         </p:nvGraphicFramePr>
         <p:xfrm>
           <a:off x="548640" y="1463040"/>
-          <a:ext cx="5029200" cy="4389120"/>
+          <a:ext cx="5029200" cy="4401312"/>
         </p:xfrm>
         <a:graphic>
           <a:graphicData uri="http://schemas.openxmlformats.org/drawingml/2006/table">
@@ -3545,8 +3559,20 @@
                 <a:tableStyleId>{5C22544A-7EE6-4342-B048-85BDC9FD1C3A}</a:tableStyleId>
               </a:tblPr>
               <a:tblGrid>
-                <a:gridCol w="2560320"/>
-                <a:gridCol w="2468880"/>
+                <a:gridCol w="2560320">
+                  <a:extLst>
+                    <a:ext uri="{9D8B030D-6E8A-4147-A177-3AD203B41FA5}">
+                      <a16:colId xmlns:a16="http://schemas.microsoft.com/office/drawing/2014/main" val="20000"/>
+                    </a:ext>
+                  </a:extLst>
+                </a:gridCol>
+                <a:gridCol w="2468880">
+                  <a:extLst>
+                    <a:ext uri="{9D8B030D-6E8A-4147-A177-3AD203B41FA5}">
+                      <a16:colId xmlns:a16="http://schemas.microsoft.com/office/drawing/2014/main" val="20001"/>
+                    </a:ext>
+                  </a:extLst>
+                </a:gridCol>
               </a:tblGrid>
               <a:tr h="487680">
                 <a:tc>
@@ -3566,7 +3592,7 @@
                       </a:r>
                     </a:p>
                   </a:txBody>
-                  <a:tcPr anchor="ctr" marL="73152" marR="73152" marT="36576" marB="36576">
+                  <a:tcPr marL="73152" marR="73152" marT="36576" marB="36576" anchor="ctr">
                     <a:solidFill>
                       <a:srgbClr val="1B3A5C"/>
                     </a:solidFill>
@@ -3589,12 +3615,17 @@
                       </a:r>
                     </a:p>
                   </a:txBody>
-                  <a:tcPr anchor="ctr" marL="73152" marR="73152" marT="36576" marB="36576">
+                  <a:tcPr marL="73152" marR="73152" marT="36576" marB="36576" anchor="ctr">
                     <a:solidFill>
                       <a:srgbClr val="1B3A5C"/>
                     </a:solidFill>
                   </a:tcPr>
                 </a:tc>
+                <a:extLst>
+                  <a:ext uri="{0D108BD9-81ED-4DB2-BD59-A6C34878D82A}">
+                    <a16:rowId xmlns:a16="http://schemas.microsoft.com/office/drawing/2014/main" val="10000"/>
+                  </a:ext>
+                </a:extLst>
               </a:tr>
               <a:tr h="487680">
                 <a:tc>
@@ -3614,7 +3645,7 @@
                       </a:r>
                     </a:p>
                   </a:txBody>
-                  <a:tcPr anchor="ctr" marL="73152" marR="73152" marT="36576" marB="36576">
+                  <a:tcPr marL="73152" marR="73152" marT="36576" marB="36576" anchor="ctr">
                     <a:solidFill>
                       <a:srgbClr val="FFFFFF"/>
                     </a:solidFill>
@@ -3637,12 +3668,17 @@
                       </a:r>
                     </a:p>
                   </a:txBody>
-                  <a:tcPr anchor="ctr" marL="73152" marR="73152" marT="36576" marB="36576">
+                  <a:tcPr marL="73152" marR="73152" marT="36576" marB="36576" anchor="ctr">
                     <a:solidFill>
                       <a:srgbClr val="FFFFFF"/>
                     </a:solidFill>
                   </a:tcPr>
                 </a:tc>
+                <a:extLst>
+                  <a:ext uri="{0D108BD9-81ED-4DB2-BD59-A6C34878D82A}">
+                    <a16:rowId xmlns:a16="http://schemas.microsoft.com/office/drawing/2014/main" val="10001"/>
+                  </a:ext>
+                </a:extLst>
               </a:tr>
               <a:tr h="487680">
                 <a:tc>
@@ -3662,7 +3698,7 @@
                       </a:r>
                     </a:p>
                   </a:txBody>
-                  <a:tcPr anchor="ctr" marL="73152" marR="73152" marT="36576" marB="36576">
+                  <a:tcPr marL="73152" marR="73152" marT="36576" marB="36576" anchor="ctr">
                     <a:solidFill>
                       <a:srgbClr val="E8F0F8"/>
                     </a:solidFill>
@@ -3685,12 +3721,17 @@
                       </a:r>
                     </a:p>
                   </a:txBody>
-                  <a:tcPr anchor="ctr" marL="73152" marR="73152" marT="36576" marB="36576">
+                  <a:tcPr marL="73152" marR="73152" marT="36576" marB="36576" anchor="ctr">
                     <a:solidFill>
                       <a:srgbClr val="E8F0F8"/>
                     </a:solidFill>
                   </a:tcPr>
                 </a:tc>
+                <a:extLst>
+                  <a:ext uri="{0D108BD9-81ED-4DB2-BD59-A6C34878D82A}">
+                    <a16:rowId xmlns:a16="http://schemas.microsoft.com/office/drawing/2014/main" val="10002"/>
+                  </a:ext>
+                </a:extLst>
               </a:tr>
               <a:tr h="487680">
                 <a:tc>
@@ -3710,7 +3751,7 @@
                       </a:r>
                     </a:p>
                   </a:txBody>
-                  <a:tcPr anchor="ctr" marL="73152" marR="73152" marT="36576" marB="36576">
+                  <a:tcPr marL="73152" marR="73152" marT="36576" marB="36576" anchor="ctr">
                     <a:solidFill>
                       <a:srgbClr val="FFFFFF"/>
                     </a:solidFill>
@@ -3733,12 +3774,17 @@
                       </a:r>
                     </a:p>
                   </a:txBody>
-                  <a:tcPr anchor="ctr" marL="73152" marR="73152" marT="36576" marB="36576">
+                  <a:tcPr marL="73152" marR="73152" marT="36576" marB="36576" anchor="ctr">
                     <a:solidFill>
                       <a:srgbClr val="FFFFFF"/>
                     </a:solidFill>
                   </a:tcPr>
                 </a:tc>
+                <a:extLst>
+                  <a:ext uri="{0D108BD9-81ED-4DB2-BD59-A6C34878D82A}">
+                    <a16:rowId xmlns:a16="http://schemas.microsoft.com/office/drawing/2014/main" val="10003"/>
+                  </a:ext>
+                </a:extLst>
               </a:tr>
               <a:tr h="487680">
                 <a:tc>
@@ -3758,7 +3804,7 @@
                       </a:r>
                     </a:p>
                   </a:txBody>
-                  <a:tcPr anchor="ctr" marL="73152" marR="73152" marT="36576" marB="36576">
+                  <a:tcPr marL="73152" marR="73152" marT="36576" marB="36576" anchor="ctr">
                     <a:solidFill>
                       <a:srgbClr val="E8F0F8"/>
                     </a:solidFill>
@@ -3781,12 +3827,17 @@
                       </a:r>
                     </a:p>
                   </a:txBody>
-                  <a:tcPr anchor="ctr" marL="73152" marR="73152" marT="36576" marB="36576">
+                  <a:tcPr marL="73152" marR="73152" marT="36576" marB="36576" anchor="ctr">
                     <a:solidFill>
                       <a:srgbClr val="E8F0F8"/>
                     </a:solidFill>
                   </a:tcPr>
                 </a:tc>
+                <a:extLst>
+                  <a:ext uri="{0D108BD9-81ED-4DB2-BD59-A6C34878D82A}">
+                    <a16:rowId xmlns:a16="http://schemas.microsoft.com/office/drawing/2014/main" val="10004"/>
+                  </a:ext>
+                </a:extLst>
               </a:tr>
               <a:tr h="487680">
                 <a:tc>
@@ -3806,7 +3857,7 @@
                       </a:r>
                     </a:p>
                   </a:txBody>
-                  <a:tcPr anchor="ctr" marL="73152" marR="73152" marT="36576" marB="36576">
+                  <a:tcPr marL="73152" marR="73152" marT="36576" marB="36576" anchor="ctr">
                     <a:solidFill>
                       <a:srgbClr val="FFFFFF"/>
                     </a:solidFill>
@@ -3829,12 +3880,17 @@
                       </a:r>
                     </a:p>
                   </a:txBody>
-                  <a:tcPr anchor="ctr" marL="73152" marR="73152" marT="36576" marB="36576">
+                  <a:tcPr marL="73152" marR="73152" marT="36576" marB="36576" anchor="ctr">
                     <a:solidFill>
                       <a:srgbClr val="FFFFFF"/>
                     </a:solidFill>
                   </a:tcPr>
                 </a:tc>
+                <a:extLst>
+                  <a:ext uri="{0D108BD9-81ED-4DB2-BD59-A6C34878D82A}">
+                    <a16:rowId xmlns:a16="http://schemas.microsoft.com/office/drawing/2014/main" val="10005"/>
+                  </a:ext>
+                </a:extLst>
               </a:tr>
               <a:tr h="487680">
                 <a:tc>
@@ -3854,7 +3910,7 @@
                       </a:r>
                     </a:p>
                   </a:txBody>
-                  <a:tcPr anchor="ctr" marL="73152" marR="73152" marT="36576" marB="36576">
+                  <a:tcPr marL="73152" marR="73152" marT="36576" marB="36576" anchor="ctr">
                     <a:solidFill>
                       <a:srgbClr val="E8F0F8"/>
                     </a:solidFill>
@@ -3877,12 +3933,17 @@
                       </a:r>
                     </a:p>
                   </a:txBody>
-                  <a:tcPr anchor="ctr" marL="73152" marR="73152" marT="36576" marB="36576">
+                  <a:tcPr marL="73152" marR="73152" marT="36576" marB="36576" anchor="ctr">
                     <a:solidFill>
                       <a:srgbClr val="E8F0F8"/>
                     </a:solidFill>
                   </a:tcPr>
                 </a:tc>
+                <a:extLst>
+                  <a:ext uri="{0D108BD9-81ED-4DB2-BD59-A6C34878D82A}">
+                    <a16:rowId xmlns:a16="http://schemas.microsoft.com/office/drawing/2014/main" val="10006"/>
+                  </a:ext>
+                </a:extLst>
               </a:tr>
               <a:tr h="487680">
                 <a:tc>
@@ -3902,7 +3963,7 @@
                       </a:r>
                     </a:p>
                   </a:txBody>
-                  <a:tcPr anchor="ctr" marL="73152" marR="73152" marT="36576" marB="36576">
+                  <a:tcPr marL="73152" marR="73152" marT="36576" marB="36576" anchor="ctr">
                     <a:solidFill>
                       <a:srgbClr val="FFFFFF"/>
                     </a:solidFill>
@@ -3925,12 +3986,17 @@
                       </a:r>
                     </a:p>
                   </a:txBody>
-                  <a:tcPr anchor="ctr" marL="73152" marR="73152" marT="36576" marB="36576">
+                  <a:tcPr marL="73152" marR="73152" marT="36576" marB="36576" anchor="ctr">
                     <a:solidFill>
                       <a:srgbClr val="FFFFFF"/>
                     </a:solidFill>
                   </a:tcPr>
                 </a:tc>
+                <a:extLst>
+                  <a:ext uri="{0D108BD9-81ED-4DB2-BD59-A6C34878D82A}">
+                    <a16:rowId xmlns:a16="http://schemas.microsoft.com/office/drawing/2014/main" val="10007"/>
+                  </a:ext>
+                </a:extLst>
               </a:tr>
               <a:tr h="487680">
                 <a:tc>
@@ -3950,7 +4016,7 @@
                       </a:r>
                     </a:p>
                   </a:txBody>
-                  <a:tcPr anchor="ctr" marL="73152" marR="73152" marT="36576" marB="36576">
+                  <a:tcPr marL="73152" marR="73152" marT="36576" marB="36576" anchor="ctr">
                     <a:solidFill>
                       <a:srgbClr val="E8F0F8"/>
                     </a:solidFill>
@@ -3973,12 +4039,17 @@
                       </a:r>
                     </a:p>
                   </a:txBody>
-                  <a:tcPr anchor="ctr" marL="73152" marR="73152" marT="36576" marB="36576">
+                  <a:tcPr marL="73152" marR="73152" marT="36576" marB="36576" anchor="ctr">
                     <a:solidFill>
                       <a:srgbClr val="E8F0F8"/>
                     </a:solidFill>
                   </a:tcPr>
                 </a:tc>
+                <a:extLst>
+                  <a:ext uri="{0D108BD9-81ED-4DB2-BD59-A6C34878D82A}">
+                    <a16:rowId xmlns:a16="http://schemas.microsoft.com/office/drawing/2014/main" val="10008"/>
+                  </a:ext>
+                </a:extLst>
               </a:tr>
             </a:tbl>
           </a:graphicData>
@@ -4037,9 +4108,27 @@
                 <a:tableStyleId>{5C22544A-7EE6-4342-B048-85BDC9FD1C3A}</a:tableStyleId>
               </a:tblPr>
               <a:tblGrid>
-                <a:gridCol w="1371600"/>
-                <a:gridCol w="1645920"/>
-                <a:gridCol w="2011680"/>
+                <a:gridCol w="1371600">
+                  <a:extLst>
+                    <a:ext uri="{9D8B030D-6E8A-4147-A177-3AD203B41FA5}">
+                      <a16:colId xmlns:a16="http://schemas.microsoft.com/office/drawing/2014/main" val="20000"/>
+                    </a:ext>
+                  </a:extLst>
+                </a:gridCol>
+                <a:gridCol w="1645920">
+                  <a:extLst>
+                    <a:ext uri="{9D8B030D-6E8A-4147-A177-3AD203B41FA5}">
+                      <a16:colId xmlns:a16="http://schemas.microsoft.com/office/drawing/2014/main" val="20001"/>
+                    </a:ext>
+                  </a:extLst>
+                </a:gridCol>
+                <a:gridCol w="2011680">
+                  <a:extLst>
+                    <a:ext uri="{9D8B030D-6E8A-4147-A177-3AD203B41FA5}">
+                      <a16:colId xmlns:a16="http://schemas.microsoft.com/office/drawing/2014/main" val="20002"/>
+                    </a:ext>
+                  </a:extLst>
+                </a:gridCol>
               </a:tblGrid>
               <a:tr h="487680">
                 <a:tc>
@@ -4059,7 +4148,7 @@
                       </a:r>
                     </a:p>
                   </a:txBody>
-                  <a:tcPr anchor="ctr" marL="73152" marR="73152" marT="36576" marB="36576">
+                  <a:tcPr marL="73152" marR="73152" marT="36576" marB="36576" anchor="ctr">
                     <a:solidFill>
                       <a:srgbClr val="1B3A5C"/>
                     </a:solidFill>
@@ -4082,7 +4171,7 @@
                       </a:r>
                     </a:p>
                   </a:txBody>
-                  <a:tcPr anchor="ctr" marL="73152" marR="73152" marT="36576" marB="36576">
+                  <a:tcPr marL="73152" marR="73152" marT="36576" marB="36576" anchor="ctr">
                     <a:solidFill>
                       <a:srgbClr val="1B3A5C"/>
                     </a:solidFill>
@@ -4105,12 +4194,17 @@
                       </a:r>
                     </a:p>
                   </a:txBody>
-                  <a:tcPr anchor="ctr" marL="73152" marR="73152" marT="36576" marB="36576">
+                  <a:tcPr marL="73152" marR="73152" marT="36576" marB="36576" anchor="ctr">
                     <a:solidFill>
                       <a:srgbClr val="1B3A5C"/>
                     </a:solidFill>
                   </a:tcPr>
                 </a:tc>
+                <a:extLst>
+                  <a:ext uri="{0D108BD9-81ED-4DB2-BD59-A6C34878D82A}">
+                    <a16:rowId xmlns:a16="http://schemas.microsoft.com/office/drawing/2014/main" val="10000"/>
+                  </a:ext>
+                </a:extLst>
               </a:tr>
               <a:tr h="487680">
                 <a:tc>
@@ -4130,7 +4224,7 @@
                       </a:r>
                     </a:p>
                   </a:txBody>
-                  <a:tcPr anchor="ctr" marL="73152" marR="73152" marT="36576" marB="36576">
+                  <a:tcPr marL="73152" marR="73152" marT="36576" marB="36576" anchor="ctr">
                     <a:solidFill>
                       <a:srgbClr val="FFFFFF"/>
                     </a:solidFill>
@@ -4153,7 +4247,7 @@
                       </a:r>
                     </a:p>
                   </a:txBody>
-                  <a:tcPr anchor="ctr" marL="73152" marR="73152" marT="36576" marB="36576">
+                  <a:tcPr marL="73152" marR="73152" marT="36576" marB="36576" anchor="ctr">
                     <a:solidFill>
                       <a:srgbClr val="FFFFFF"/>
                     </a:solidFill>
@@ -4176,12 +4270,17 @@
                       </a:r>
                     </a:p>
                   </a:txBody>
-                  <a:tcPr anchor="ctr" marL="73152" marR="73152" marT="36576" marB="36576">
+                  <a:tcPr marL="73152" marR="73152" marT="36576" marB="36576" anchor="ctr">
                     <a:solidFill>
                       <a:srgbClr val="FFFFFF"/>
                     </a:solidFill>
                   </a:tcPr>
                 </a:tc>
+                <a:extLst>
+                  <a:ext uri="{0D108BD9-81ED-4DB2-BD59-A6C34878D82A}">
+                    <a16:rowId xmlns:a16="http://schemas.microsoft.com/office/drawing/2014/main" val="10001"/>
+                  </a:ext>
+                </a:extLst>
               </a:tr>
               <a:tr h="487680">
                 <a:tc>
@@ -4201,7 +4300,7 @@
                       </a:r>
                     </a:p>
                   </a:txBody>
-                  <a:tcPr anchor="ctr" marL="73152" marR="73152" marT="36576" marB="36576">
+                  <a:tcPr marL="73152" marR="73152" marT="36576" marB="36576" anchor="ctr">
                     <a:solidFill>
                       <a:srgbClr val="E8F0F8"/>
                     </a:solidFill>
@@ -4224,7 +4323,7 @@
                       </a:r>
                     </a:p>
                   </a:txBody>
-                  <a:tcPr anchor="ctr" marL="73152" marR="73152" marT="36576" marB="36576">
+                  <a:tcPr marL="73152" marR="73152" marT="36576" marB="36576" anchor="ctr">
                     <a:solidFill>
                       <a:srgbClr val="E8F0F8"/>
                     </a:solidFill>
@@ -4247,12 +4346,17 @@
                       </a:r>
                     </a:p>
                   </a:txBody>
-                  <a:tcPr anchor="ctr" marL="73152" marR="73152" marT="36576" marB="36576">
+                  <a:tcPr marL="73152" marR="73152" marT="36576" marB="36576" anchor="ctr">
                     <a:solidFill>
                       <a:srgbClr val="E8F0F8"/>
                     </a:solidFill>
                   </a:tcPr>
                 </a:tc>
+                <a:extLst>
+                  <a:ext uri="{0D108BD9-81ED-4DB2-BD59-A6C34878D82A}">
+                    <a16:rowId xmlns:a16="http://schemas.microsoft.com/office/drawing/2014/main" val="10002"/>
+                  </a:ext>
+                </a:extLst>
               </a:tr>
               <a:tr h="487680">
                 <a:tc>
@@ -4272,7 +4376,7 @@
                       </a:r>
                     </a:p>
                   </a:txBody>
-                  <a:tcPr anchor="ctr" marL="73152" marR="73152" marT="36576" marB="36576">
+                  <a:tcPr marL="73152" marR="73152" marT="36576" marB="36576" anchor="ctr">
                     <a:solidFill>
                       <a:srgbClr val="FFFFFF"/>
                     </a:solidFill>
@@ -4295,7 +4399,7 @@
                       </a:r>
                     </a:p>
                   </a:txBody>
-                  <a:tcPr anchor="ctr" marL="73152" marR="73152" marT="36576" marB="36576">
+                  <a:tcPr marL="73152" marR="73152" marT="36576" marB="36576" anchor="ctr">
                     <a:solidFill>
                       <a:srgbClr val="FFFFFF"/>
                     </a:solidFill>
@@ -4318,12 +4422,17 @@
                       </a:r>
                     </a:p>
                   </a:txBody>
-                  <a:tcPr anchor="ctr" marL="73152" marR="73152" marT="36576" marB="36576">
+                  <a:tcPr marL="73152" marR="73152" marT="36576" marB="36576" anchor="ctr">
                     <a:solidFill>
                       <a:srgbClr val="FFFFFF"/>
                     </a:solidFill>
                   </a:tcPr>
                 </a:tc>
+                <a:extLst>
+                  <a:ext uri="{0D108BD9-81ED-4DB2-BD59-A6C34878D82A}">
+                    <a16:rowId xmlns:a16="http://schemas.microsoft.com/office/drawing/2014/main" val="10003"/>
+                  </a:ext>
+                </a:extLst>
               </a:tr>
               <a:tr h="487680">
                 <a:tc>
@@ -4343,7 +4452,7 @@
                       </a:r>
                     </a:p>
                   </a:txBody>
-                  <a:tcPr anchor="ctr" marL="73152" marR="73152" marT="36576" marB="36576">
+                  <a:tcPr marL="73152" marR="73152" marT="36576" marB="36576" anchor="ctr">
                     <a:solidFill>
                       <a:srgbClr val="E8F0F8"/>
                     </a:solidFill>
@@ -4366,7 +4475,7 @@
                       </a:r>
                     </a:p>
                   </a:txBody>
-                  <a:tcPr anchor="ctr" marL="73152" marR="73152" marT="36576" marB="36576">
+                  <a:tcPr marL="73152" marR="73152" marT="36576" marB="36576" anchor="ctr">
                     <a:solidFill>
                       <a:srgbClr val="E8F0F8"/>
                     </a:solidFill>
@@ -4389,12 +4498,17 @@
                       </a:r>
                     </a:p>
                   </a:txBody>
-                  <a:tcPr anchor="ctr" marL="73152" marR="73152" marT="36576" marB="36576">
+                  <a:tcPr marL="73152" marR="73152" marT="36576" marB="36576" anchor="ctr">
                     <a:solidFill>
                       <a:srgbClr val="E8F0F8"/>
                     </a:solidFill>
                   </a:tcPr>
                 </a:tc>
+                <a:extLst>
+                  <a:ext uri="{0D108BD9-81ED-4DB2-BD59-A6C34878D82A}">
+                    <a16:rowId xmlns:a16="http://schemas.microsoft.com/office/drawing/2014/main" val="10004"/>
+                  </a:ext>
+                </a:extLst>
               </a:tr>
               <a:tr h="487680">
                 <a:tc>
@@ -4414,7 +4528,7 @@
                       </a:r>
                     </a:p>
                   </a:txBody>
-                  <a:tcPr anchor="ctr" marL="73152" marR="73152" marT="36576" marB="36576">
+                  <a:tcPr marL="73152" marR="73152" marT="36576" marB="36576" anchor="ctr">
                     <a:solidFill>
                       <a:srgbClr val="FFFFFF"/>
                     </a:solidFill>
@@ -4437,7 +4551,7 @@
                       </a:r>
                     </a:p>
                   </a:txBody>
-                  <a:tcPr anchor="ctr" marL="73152" marR="73152" marT="36576" marB="36576">
+                  <a:tcPr marL="73152" marR="73152" marT="36576" marB="36576" anchor="ctr">
                     <a:solidFill>
                       <a:srgbClr val="FFFFFF"/>
                     </a:solidFill>
@@ -4460,12 +4574,17 @@
                       </a:r>
                     </a:p>
                   </a:txBody>
-                  <a:tcPr anchor="ctr" marL="73152" marR="73152" marT="36576" marB="36576">
+                  <a:tcPr marL="73152" marR="73152" marT="36576" marB="36576" anchor="ctr">
                     <a:solidFill>
                       <a:srgbClr val="FFFFFF"/>
                     </a:solidFill>
                   </a:tcPr>
                 </a:tc>
+                <a:extLst>
+                  <a:ext uri="{0D108BD9-81ED-4DB2-BD59-A6C34878D82A}">
+                    <a16:rowId xmlns:a16="http://schemas.microsoft.com/office/drawing/2014/main" val="10005"/>
+                  </a:ext>
+                </a:extLst>
               </a:tr>
             </a:tbl>
           </a:graphicData>
@@ -4551,7 +4670,7 @@
 </file>
 
 <file path=ppt/slides/slide11.xml><?xml version="1.0" encoding="utf-8"?>
-<p:sld xmlns:a="http://schemas.openxmlformats.org/drawingml/2006/main" xmlns:p="http://schemas.openxmlformats.org/presentationml/2006/main" xmlns:r="http://schemas.openxmlformats.org/officeDocument/2006/relationships">
+<p:sld xmlns:a="http://schemas.openxmlformats.org/drawingml/2006/main" xmlns:r="http://schemas.openxmlformats.org/officeDocument/2006/relationships" xmlns:p="http://schemas.openxmlformats.org/presentationml/2006/main">
   <p:cSld>
     <p:bg>
       <p:bgPr>
@@ -4567,7 +4686,14 @@
         <p:cNvGrpSpPr/>
         <p:nvPr/>
       </p:nvGrpSpPr>
-      <p:grpSpPr/>
+      <p:grpSpPr>
+        <a:xfrm>
+          <a:off x="0" y="0"/>
+          <a:ext cx="0" cy="0"/>
+          <a:chOff x="0" y="0"/>
+          <a:chExt cx="0" cy="0"/>
+        </a:xfrm>
+      </p:grpSpPr>
       <p:sp>
         <p:nvSpPr>
           <p:cNvPr id="2" name="Rectangle 1"/>
@@ -4608,6 +4734,7 @@
           <a:lstStyle/>
           <a:p>
             <a:pPr algn="ctr"/>
+            <a:endParaRPr/>
           </a:p>
         </p:txBody>
       </p:sp>
@@ -4651,6 +4778,7 @@
           <a:lstStyle/>
           <a:p>
             <a:pPr algn="ctr"/>
+            <a:endParaRPr/>
           </a:p>
         </p:txBody>
       </p:sp>
@@ -4729,6 +4857,7 @@
           <a:lstStyle/>
           <a:p>
             <a:pPr algn="ctr"/>
+            <a:endParaRPr/>
           </a:p>
         </p:txBody>
       </p:sp>
@@ -4858,15 +4987,12 @@
                 <a:spcPts val="600"/>
               </a:spcAft>
             </a:pPr>
-            <a:r>
-              <a:rPr sz="1600" b="0">
-                <a:solidFill>
-                  <a:srgbClr val="333333"/>
-                </a:solidFill>
-                <a:latin typeface="맑은 고딕"/>
-              </a:rPr>
-              <a:t/>
-            </a:r>
+            <a:endParaRPr sz="1800" b="0">
+              <a:solidFill>
+                <a:srgbClr val="333333"/>
+              </a:solidFill>
+              <a:latin typeface="맑은 고딕"/>
+            </a:endParaRPr>
           </a:p>
           <a:p>
             <a:pPr algn="l">
@@ -4906,15 +5032,12 @@
                 <a:spcPts val="600"/>
               </a:spcAft>
             </a:pPr>
-            <a:r>
-              <a:rPr sz="1600" b="0">
-                <a:solidFill>
-                  <a:srgbClr val="333333"/>
-                </a:solidFill>
-                <a:latin typeface="맑은 고딕"/>
-              </a:rPr>
-              <a:t/>
-            </a:r>
+            <a:endParaRPr sz="1800" b="0">
+              <a:solidFill>
+                <a:srgbClr val="333333"/>
+              </a:solidFill>
+              <a:latin typeface="맑은 고딕"/>
+            </a:endParaRPr>
           </a:p>
           <a:p>
             <a:pPr algn="l">
@@ -4985,8 +5108,20 @@
                 <a:tableStyleId>{5C22544A-7EE6-4342-B048-85BDC9FD1C3A}</a:tableStyleId>
               </a:tblPr>
               <a:tblGrid>
-                <a:gridCol w="2560320"/>
-                <a:gridCol w="1828800"/>
+                <a:gridCol w="2560320">
+                  <a:extLst>
+                    <a:ext uri="{9D8B030D-6E8A-4147-A177-3AD203B41FA5}">
+                      <a16:colId xmlns:a16="http://schemas.microsoft.com/office/drawing/2014/main" val="20000"/>
+                    </a:ext>
+                  </a:extLst>
+                </a:gridCol>
+                <a:gridCol w="1828800">
+                  <a:extLst>
+                    <a:ext uri="{9D8B030D-6E8A-4147-A177-3AD203B41FA5}">
+                      <a16:colId xmlns:a16="http://schemas.microsoft.com/office/drawing/2014/main" val="20001"/>
+                    </a:ext>
+                  </a:extLst>
+                </a:gridCol>
               </a:tblGrid>
               <a:tr h="457200">
                 <a:tc>
@@ -5006,7 +5141,7 @@
                       </a:r>
                     </a:p>
                   </a:txBody>
-                  <a:tcPr anchor="ctr" marL="73152" marR="73152" marT="36576" marB="36576">
+                  <a:tcPr marL="73152" marR="73152" marT="36576" marB="36576" anchor="ctr">
                     <a:solidFill>
                       <a:srgbClr val="1B3A5C"/>
                     </a:solidFill>
@@ -5029,12 +5164,17 @@
                       </a:r>
                     </a:p>
                   </a:txBody>
-                  <a:tcPr anchor="ctr" marL="73152" marR="73152" marT="36576" marB="36576">
+                  <a:tcPr marL="73152" marR="73152" marT="36576" marB="36576" anchor="ctr">
                     <a:solidFill>
                       <a:srgbClr val="1B3A5C"/>
                     </a:solidFill>
                   </a:tcPr>
                 </a:tc>
+                <a:extLst>
+                  <a:ext uri="{0D108BD9-81ED-4DB2-BD59-A6C34878D82A}">
+                    <a16:rowId xmlns:a16="http://schemas.microsoft.com/office/drawing/2014/main" val="10000"/>
+                  </a:ext>
+                </a:extLst>
               </a:tr>
               <a:tr h="457200">
                 <a:tc>
@@ -5054,7 +5194,7 @@
                       </a:r>
                     </a:p>
                   </a:txBody>
-                  <a:tcPr anchor="ctr" marL="73152" marR="73152" marT="36576" marB="36576">
+                  <a:tcPr marL="73152" marR="73152" marT="36576" marB="36576" anchor="ctr">
                     <a:solidFill>
                       <a:srgbClr val="FFFFFF"/>
                     </a:solidFill>
@@ -5077,12 +5217,17 @@
                       </a:r>
                     </a:p>
                   </a:txBody>
-                  <a:tcPr anchor="ctr" marL="73152" marR="73152" marT="36576" marB="36576">
+                  <a:tcPr marL="73152" marR="73152" marT="36576" marB="36576" anchor="ctr">
                     <a:solidFill>
                       <a:srgbClr val="FFFFFF"/>
                     </a:solidFill>
                   </a:tcPr>
                 </a:tc>
+                <a:extLst>
+                  <a:ext uri="{0D108BD9-81ED-4DB2-BD59-A6C34878D82A}">
+                    <a16:rowId xmlns:a16="http://schemas.microsoft.com/office/drawing/2014/main" val="10001"/>
+                  </a:ext>
+                </a:extLst>
               </a:tr>
               <a:tr h="457200">
                 <a:tc>
@@ -5102,7 +5247,7 @@
                       </a:r>
                     </a:p>
                   </a:txBody>
-                  <a:tcPr anchor="ctr" marL="73152" marR="73152" marT="36576" marB="36576">
+                  <a:tcPr marL="73152" marR="73152" marT="36576" marB="36576" anchor="ctr">
                     <a:solidFill>
                       <a:srgbClr val="E8F0F8"/>
                     </a:solidFill>
@@ -5125,12 +5270,17 @@
                       </a:r>
                     </a:p>
                   </a:txBody>
-                  <a:tcPr anchor="ctr" marL="73152" marR="73152" marT="36576" marB="36576">
+                  <a:tcPr marL="73152" marR="73152" marT="36576" marB="36576" anchor="ctr">
                     <a:solidFill>
                       <a:srgbClr val="E8F0F8"/>
                     </a:solidFill>
                   </a:tcPr>
                 </a:tc>
+                <a:extLst>
+                  <a:ext uri="{0D108BD9-81ED-4DB2-BD59-A6C34878D82A}">
+                    <a16:rowId xmlns:a16="http://schemas.microsoft.com/office/drawing/2014/main" val="10002"/>
+                  </a:ext>
+                </a:extLst>
               </a:tr>
               <a:tr h="457200">
                 <a:tc>
@@ -5150,7 +5300,7 @@
                       </a:r>
                     </a:p>
                   </a:txBody>
-                  <a:tcPr anchor="ctr" marL="73152" marR="73152" marT="36576" marB="36576">
+                  <a:tcPr marL="73152" marR="73152" marT="36576" marB="36576" anchor="ctr">
                     <a:solidFill>
                       <a:srgbClr val="FFFFFF"/>
                     </a:solidFill>
@@ -5173,12 +5323,17 @@
                       </a:r>
                     </a:p>
                   </a:txBody>
-                  <a:tcPr anchor="ctr" marL="73152" marR="73152" marT="36576" marB="36576">
+                  <a:tcPr marL="73152" marR="73152" marT="36576" marB="36576" anchor="ctr">
                     <a:solidFill>
                       <a:srgbClr val="FFFFFF"/>
                     </a:solidFill>
                   </a:tcPr>
                 </a:tc>
+                <a:extLst>
+                  <a:ext uri="{0D108BD9-81ED-4DB2-BD59-A6C34878D82A}">
+                    <a16:rowId xmlns:a16="http://schemas.microsoft.com/office/drawing/2014/main" val="10003"/>
+                  </a:ext>
+                </a:extLst>
               </a:tr>
               <a:tr h="457200">
                 <a:tc>
@@ -5198,7 +5353,7 @@
                       </a:r>
                     </a:p>
                   </a:txBody>
-                  <a:tcPr anchor="ctr" marL="73152" marR="73152" marT="36576" marB="36576">
+                  <a:tcPr marL="73152" marR="73152" marT="36576" marB="36576" anchor="ctr">
                     <a:solidFill>
                       <a:srgbClr val="E8F0F8"/>
                     </a:solidFill>
@@ -5221,12 +5376,17 @@
                       </a:r>
                     </a:p>
                   </a:txBody>
-                  <a:tcPr anchor="ctr" marL="73152" marR="73152" marT="36576" marB="36576">
+                  <a:tcPr marL="73152" marR="73152" marT="36576" marB="36576" anchor="ctr">
                     <a:solidFill>
                       <a:srgbClr val="E8F0F8"/>
                     </a:solidFill>
                   </a:tcPr>
                 </a:tc>
+                <a:extLst>
+                  <a:ext uri="{0D108BD9-81ED-4DB2-BD59-A6C34878D82A}">
+                    <a16:rowId xmlns:a16="http://schemas.microsoft.com/office/drawing/2014/main" val="10004"/>
+                  </a:ext>
+                </a:extLst>
               </a:tr>
             </a:tbl>
           </a:graphicData>
@@ -5241,7 +5401,7 @@
 </file>
 
 <file path=ppt/slides/slide12.xml><?xml version="1.0" encoding="utf-8"?>
-<p:sld xmlns:a="http://schemas.openxmlformats.org/drawingml/2006/main" xmlns:p="http://schemas.openxmlformats.org/presentationml/2006/main" xmlns:r="http://schemas.openxmlformats.org/officeDocument/2006/relationships">
+<p:sld xmlns:a="http://schemas.openxmlformats.org/drawingml/2006/main" xmlns:r="http://schemas.openxmlformats.org/officeDocument/2006/relationships" xmlns:p="http://schemas.openxmlformats.org/presentationml/2006/main">
   <p:cSld>
     <p:bg>
       <p:bgPr>
@@ -5257,7 +5417,14 @@
         <p:cNvGrpSpPr/>
         <p:nvPr/>
       </p:nvGrpSpPr>
-      <p:grpSpPr/>
+      <p:grpSpPr>
+        <a:xfrm>
+          <a:off x="0" y="0"/>
+          <a:ext cx="0" cy="0"/>
+          <a:chOff x="0" y="0"/>
+          <a:chExt cx="0" cy="0"/>
+        </a:xfrm>
+      </p:grpSpPr>
       <p:sp>
         <p:nvSpPr>
           <p:cNvPr id="2" name="Rectangle 1"/>
@@ -5298,6 +5465,7 @@
           <a:lstStyle/>
           <a:p>
             <a:pPr algn="ctr"/>
+            <a:endParaRPr/>
           </a:p>
         </p:txBody>
       </p:sp>
@@ -5341,6 +5509,7 @@
           <a:lstStyle/>
           <a:p>
             <a:pPr algn="ctr"/>
+            <a:endParaRPr/>
           </a:p>
         </p:txBody>
       </p:sp>
@@ -5419,6 +5588,7 @@
           <a:lstStyle/>
           <a:p>
             <a:pPr algn="ctr"/>
+            <a:endParaRPr/>
           </a:p>
         </p:txBody>
       </p:sp>
@@ -5548,15 +5718,12 @@
                 <a:spcPts val="600"/>
               </a:spcAft>
             </a:pPr>
-            <a:r>
-              <a:rPr sz="1600" b="0">
-                <a:solidFill>
-                  <a:srgbClr val="333333"/>
-                </a:solidFill>
-                <a:latin typeface="맑은 고딕"/>
-              </a:rPr>
-              <a:t/>
-            </a:r>
+            <a:endParaRPr sz="1800" b="0">
+              <a:solidFill>
+                <a:srgbClr val="333333"/>
+              </a:solidFill>
+              <a:latin typeface="맑은 고딕"/>
+            </a:endParaRPr>
           </a:p>
           <a:p>
             <a:pPr algn="l">
@@ -5628,15 +5795,12 @@
                 <a:spcPts val="600"/>
               </a:spcAft>
             </a:pPr>
-            <a:r>
-              <a:rPr sz="1600" b="0">
-                <a:solidFill>
-                  <a:srgbClr val="333333"/>
-                </a:solidFill>
-                <a:latin typeface="맑은 고딕"/>
-              </a:rPr>
-              <a:t/>
-            </a:r>
+            <a:endParaRPr sz="1800" b="0">
+              <a:solidFill>
+                <a:srgbClr val="333333"/>
+              </a:solidFill>
+              <a:latin typeface="맑은 고딕"/>
+            </a:endParaRPr>
           </a:p>
           <a:p>
             <a:pPr algn="l">
@@ -5697,7 +5861,7 @@
 </file>
 
 <file path=ppt/slides/slide13.xml><?xml version="1.0" encoding="utf-8"?>
-<p:sld xmlns:a="http://schemas.openxmlformats.org/drawingml/2006/main" xmlns:p="http://schemas.openxmlformats.org/presentationml/2006/main" xmlns:r="http://schemas.openxmlformats.org/officeDocument/2006/relationships">
+<p:sld xmlns:a="http://schemas.openxmlformats.org/drawingml/2006/main" xmlns:r="http://schemas.openxmlformats.org/officeDocument/2006/relationships" xmlns:p="http://schemas.openxmlformats.org/presentationml/2006/main">
   <p:cSld>
     <p:bg>
       <p:bgPr>
@@ -5713,7 +5877,14 @@
         <p:cNvGrpSpPr/>
         <p:nvPr/>
       </p:nvGrpSpPr>
-      <p:grpSpPr/>
+      <p:grpSpPr>
+        <a:xfrm>
+          <a:off x="0" y="0"/>
+          <a:ext cx="0" cy="0"/>
+          <a:chOff x="0" y="0"/>
+          <a:chExt cx="0" cy="0"/>
+        </a:xfrm>
+      </p:grpSpPr>
       <p:sp>
         <p:nvSpPr>
           <p:cNvPr id="2" name="Rectangle 1"/>
@@ -5754,6 +5925,7 @@
           <a:lstStyle/>
           <a:p>
             <a:pPr algn="ctr"/>
+            <a:endParaRPr/>
           </a:p>
         </p:txBody>
       </p:sp>
@@ -5797,6 +5969,7 @@
           <a:lstStyle/>
           <a:p>
             <a:pPr algn="ctr"/>
+            <a:endParaRPr/>
           </a:p>
         </p:txBody>
       </p:sp>
@@ -5875,6 +6048,7 @@
           <a:lstStyle/>
           <a:p>
             <a:pPr algn="ctr"/>
+            <a:endParaRPr/>
           </a:p>
         </p:txBody>
       </p:sp>
@@ -6093,15 +6267,12 @@
                 <a:spcPts val="600"/>
               </a:spcAft>
             </a:pPr>
-            <a:r>
-              <a:rPr sz="1600" b="0">
-                <a:solidFill>
-                  <a:srgbClr val="333333"/>
-                </a:solidFill>
-                <a:latin typeface="맑은 고딕"/>
-              </a:rPr>
-              <a:t/>
-            </a:r>
+            <a:endParaRPr sz="2100" b="1">
+              <a:solidFill>
+                <a:srgbClr val="1B3A5C"/>
+              </a:solidFill>
+              <a:latin typeface="맑은 고딕"/>
+            </a:endParaRPr>
           </a:p>
           <a:p>
             <a:pPr algn="l">
@@ -6157,15 +6328,12 @@
                 <a:spcPts val="600"/>
               </a:spcAft>
             </a:pPr>
-            <a:r>
-              <a:rPr sz="1600" b="0">
-                <a:solidFill>
-                  <a:srgbClr val="333333"/>
-                </a:solidFill>
-                <a:latin typeface="맑은 고딕"/>
-              </a:rPr>
-              <a:t/>
-            </a:r>
+            <a:endParaRPr sz="1700" b="0">
+              <a:solidFill>
+                <a:srgbClr val="333333"/>
+              </a:solidFill>
+              <a:latin typeface="맑은 고딕"/>
+            </a:endParaRPr>
           </a:p>
           <a:p>
             <a:pPr algn="l">
@@ -6221,15 +6389,12 @@
                 <a:spcPts val="600"/>
               </a:spcAft>
             </a:pPr>
-            <a:r>
-              <a:rPr sz="1600" b="0">
-                <a:solidFill>
-                  <a:srgbClr val="333333"/>
-                </a:solidFill>
-                <a:latin typeface="맑은 고딕"/>
-              </a:rPr>
-              <a:t/>
-            </a:r>
+            <a:endParaRPr sz="1700" b="0">
+              <a:solidFill>
+                <a:srgbClr val="333333"/>
+              </a:solidFill>
+              <a:latin typeface="맑은 고딕"/>
+            </a:endParaRPr>
           </a:p>
           <a:p>
             <a:pPr algn="l">
@@ -6290,7 +6455,7 @@
 </file>
 
 <file path=ppt/slides/slide14.xml><?xml version="1.0" encoding="utf-8"?>
-<p:sld xmlns:a="http://schemas.openxmlformats.org/drawingml/2006/main" xmlns:p="http://schemas.openxmlformats.org/presentationml/2006/main" xmlns:r="http://schemas.openxmlformats.org/officeDocument/2006/relationships">
+<p:sld xmlns:a="http://schemas.openxmlformats.org/drawingml/2006/main" xmlns:r="http://schemas.openxmlformats.org/officeDocument/2006/relationships" xmlns:p="http://schemas.openxmlformats.org/presentationml/2006/main">
   <p:cSld>
     <p:bg>
       <p:bgPr>
@@ -6306,7 +6471,14 @@
         <p:cNvGrpSpPr/>
         <p:nvPr/>
       </p:nvGrpSpPr>
-      <p:grpSpPr/>
+      <p:grpSpPr>
+        <a:xfrm>
+          <a:off x="0" y="0"/>
+          <a:ext cx="0" cy="0"/>
+          <a:chOff x="0" y="0"/>
+          <a:chExt cx="0" cy="0"/>
+        </a:xfrm>
+      </p:grpSpPr>
       <p:sp>
         <p:nvSpPr>
           <p:cNvPr id="2" name="Rectangle 1"/>
@@ -6347,6 +6519,7 @@
           <a:lstStyle/>
           <a:p>
             <a:pPr algn="ctr"/>
+            <a:endParaRPr/>
           </a:p>
         </p:txBody>
       </p:sp>
@@ -6390,6 +6563,7 @@
           <a:lstStyle/>
           <a:p>
             <a:pPr algn="ctr"/>
+            <a:endParaRPr/>
           </a:p>
         </p:txBody>
       </p:sp>
@@ -6468,6 +6642,7 @@
           <a:lstStyle/>
           <a:p>
             <a:pPr algn="ctr"/>
+            <a:endParaRPr/>
           </a:p>
         </p:txBody>
       </p:sp>
@@ -6525,8 +6700,20 @@
                 <a:tableStyleId>{5C22544A-7EE6-4342-B048-85BDC9FD1C3A}</a:tableStyleId>
               </a:tblPr>
               <a:tblGrid>
-                <a:gridCol w="3200400"/>
-                <a:gridCol w="8046720"/>
+                <a:gridCol w="3200400">
+                  <a:extLst>
+                    <a:ext uri="{9D8B030D-6E8A-4147-A177-3AD203B41FA5}">
+                      <a16:colId xmlns:a16="http://schemas.microsoft.com/office/drawing/2014/main" val="20000"/>
+                    </a:ext>
+                  </a:extLst>
+                </a:gridCol>
+                <a:gridCol w="8046720">
+                  <a:extLst>
+                    <a:ext uri="{9D8B030D-6E8A-4147-A177-3AD203B41FA5}">
+                      <a16:colId xmlns:a16="http://schemas.microsoft.com/office/drawing/2014/main" val="20001"/>
+                    </a:ext>
+                  </a:extLst>
+                </a:gridCol>
               </a:tblGrid>
               <a:tr h="419100">
                 <a:tc>
@@ -6546,7 +6733,7 @@
                       </a:r>
                     </a:p>
                   </a:txBody>
-                  <a:tcPr anchor="ctr" marL="73152" marR="73152" marT="36576" marB="36576">
+                  <a:tcPr marL="73152" marR="73152" marT="36576" marB="36576" anchor="ctr">
                     <a:solidFill>
                       <a:srgbClr val="1B3A5C"/>
                     </a:solidFill>
@@ -6569,12 +6756,17 @@
                       </a:r>
                     </a:p>
                   </a:txBody>
-                  <a:tcPr anchor="ctr" marL="73152" marR="73152" marT="36576" marB="36576">
+                  <a:tcPr marL="73152" marR="73152" marT="36576" marB="36576" anchor="ctr">
                     <a:solidFill>
                       <a:srgbClr val="1B3A5C"/>
                     </a:solidFill>
                   </a:tcPr>
                 </a:tc>
+                <a:extLst>
+                  <a:ext uri="{0D108BD9-81ED-4DB2-BD59-A6C34878D82A}">
+                    <a16:rowId xmlns:a16="http://schemas.microsoft.com/office/drawing/2014/main" val="10000"/>
+                  </a:ext>
+                </a:extLst>
               </a:tr>
               <a:tr h="419100">
                 <a:tc>
@@ -6594,7 +6786,7 @@
                       </a:r>
                     </a:p>
                   </a:txBody>
-                  <a:tcPr anchor="ctr" marL="73152" marR="73152" marT="36576" marB="36576">
+                  <a:tcPr marL="73152" marR="73152" marT="36576" marB="36576" anchor="ctr">
                     <a:solidFill>
                       <a:srgbClr val="FFFFFF"/>
                     </a:solidFill>
@@ -6617,12 +6809,17 @@
                       </a:r>
                     </a:p>
                   </a:txBody>
-                  <a:tcPr anchor="ctr" marL="73152" marR="73152" marT="36576" marB="36576">
+                  <a:tcPr marL="73152" marR="73152" marT="36576" marB="36576" anchor="ctr">
                     <a:solidFill>
                       <a:srgbClr val="FFFFFF"/>
                     </a:solidFill>
                   </a:tcPr>
                 </a:tc>
+                <a:extLst>
+                  <a:ext uri="{0D108BD9-81ED-4DB2-BD59-A6C34878D82A}">
+                    <a16:rowId xmlns:a16="http://schemas.microsoft.com/office/drawing/2014/main" val="10001"/>
+                  </a:ext>
+                </a:extLst>
               </a:tr>
               <a:tr h="419100">
                 <a:tc>
@@ -6642,7 +6839,7 @@
                       </a:r>
                     </a:p>
                   </a:txBody>
-                  <a:tcPr anchor="ctr" marL="73152" marR="73152" marT="36576" marB="36576">
+                  <a:tcPr marL="73152" marR="73152" marT="36576" marB="36576" anchor="ctr">
                     <a:solidFill>
                       <a:srgbClr val="E8F0F8"/>
                     </a:solidFill>
@@ -6665,12 +6862,17 @@
                       </a:r>
                     </a:p>
                   </a:txBody>
-                  <a:tcPr anchor="ctr" marL="73152" marR="73152" marT="36576" marB="36576">
+                  <a:tcPr marL="73152" marR="73152" marT="36576" marB="36576" anchor="ctr">
                     <a:solidFill>
                       <a:srgbClr val="E8F0F8"/>
                     </a:solidFill>
                   </a:tcPr>
                 </a:tc>
+                <a:extLst>
+                  <a:ext uri="{0D108BD9-81ED-4DB2-BD59-A6C34878D82A}">
+                    <a16:rowId xmlns:a16="http://schemas.microsoft.com/office/drawing/2014/main" val="10002"/>
+                  </a:ext>
+                </a:extLst>
               </a:tr>
               <a:tr h="419100">
                 <a:tc>
@@ -6690,7 +6892,7 @@
                       </a:r>
                     </a:p>
                   </a:txBody>
-                  <a:tcPr anchor="ctr" marL="73152" marR="73152" marT="36576" marB="36576">
+                  <a:tcPr marL="73152" marR="73152" marT="36576" marB="36576" anchor="ctr">
                     <a:solidFill>
                       <a:srgbClr val="FFFFFF"/>
                     </a:solidFill>
@@ -6713,12 +6915,17 @@
                       </a:r>
                     </a:p>
                   </a:txBody>
-                  <a:tcPr anchor="ctr" marL="73152" marR="73152" marT="36576" marB="36576">
+                  <a:tcPr marL="73152" marR="73152" marT="36576" marB="36576" anchor="ctr">
                     <a:solidFill>
                       <a:srgbClr val="FFFFFF"/>
                     </a:solidFill>
                   </a:tcPr>
                 </a:tc>
+                <a:extLst>
+                  <a:ext uri="{0D108BD9-81ED-4DB2-BD59-A6C34878D82A}">
+                    <a16:rowId xmlns:a16="http://schemas.microsoft.com/office/drawing/2014/main" val="10003"/>
+                  </a:ext>
+                </a:extLst>
               </a:tr>
               <a:tr h="419100">
                 <a:tc>
@@ -6738,7 +6945,7 @@
                       </a:r>
                     </a:p>
                   </a:txBody>
-                  <a:tcPr anchor="ctr" marL="73152" marR="73152" marT="36576" marB="36576">
+                  <a:tcPr marL="73152" marR="73152" marT="36576" marB="36576" anchor="ctr">
                     <a:solidFill>
                       <a:srgbClr val="E8F0F8"/>
                     </a:solidFill>
@@ -6761,12 +6968,17 @@
                       </a:r>
                     </a:p>
                   </a:txBody>
-                  <a:tcPr anchor="ctr" marL="73152" marR="73152" marT="36576" marB="36576">
+                  <a:tcPr marL="73152" marR="73152" marT="36576" marB="36576" anchor="ctr">
                     <a:solidFill>
                       <a:srgbClr val="E8F0F8"/>
                     </a:solidFill>
                   </a:tcPr>
                 </a:tc>
+                <a:extLst>
+                  <a:ext uri="{0D108BD9-81ED-4DB2-BD59-A6C34878D82A}">
+                    <a16:rowId xmlns:a16="http://schemas.microsoft.com/office/drawing/2014/main" val="10004"/>
+                  </a:ext>
+                </a:extLst>
               </a:tr>
               <a:tr h="419100">
                 <a:tc>
@@ -6786,7 +6998,7 @@
                       </a:r>
                     </a:p>
                   </a:txBody>
-                  <a:tcPr anchor="ctr" marL="73152" marR="73152" marT="36576" marB="36576">
+                  <a:tcPr marL="73152" marR="73152" marT="36576" marB="36576" anchor="ctr">
                     <a:solidFill>
                       <a:srgbClr val="FFFFFF"/>
                     </a:solidFill>
@@ -6809,12 +7021,17 @@
                       </a:r>
                     </a:p>
                   </a:txBody>
-                  <a:tcPr anchor="ctr" marL="73152" marR="73152" marT="36576" marB="36576">
+                  <a:tcPr marL="73152" marR="73152" marT="36576" marB="36576" anchor="ctr">
                     <a:solidFill>
                       <a:srgbClr val="FFFFFF"/>
                     </a:solidFill>
                   </a:tcPr>
                 </a:tc>
+                <a:extLst>
+                  <a:ext uri="{0D108BD9-81ED-4DB2-BD59-A6C34878D82A}">
+                    <a16:rowId xmlns:a16="http://schemas.microsoft.com/office/drawing/2014/main" val="10005"/>
+                  </a:ext>
+                </a:extLst>
               </a:tr>
               <a:tr h="419100">
                 <a:tc>
@@ -6834,7 +7051,7 @@
                       </a:r>
                     </a:p>
                   </a:txBody>
-                  <a:tcPr anchor="ctr" marL="73152" marR="73152" marT="36576" marB="36576">
+                  <a:tcPr marL="73152" marR="73152" marT="36576" marB="36576" anchor="ctr">
                     <a:solidFill>
                       <a:srgbClr val="E8F0F8"/>
                     </a:solidFill>
@@ -6857,12 +7074,17 @@
                       </a:r>
                     </a:p>
                   </a:txBody>
-                  <a:tcPr anchor="ctr" marL="73152" marR="73152" marT="36576" marB="36576">
+                  <a:tcPr marL="73152" marR="73152" marT="36576" marB="36576" anchor="ctr">
                     <a:solidFill>
                       <a:srgbClr val="E8F0F8"/>
                     </a:solidFill>
                   </a:tcPr>
                 </a:tc>
+                <a:extLst>
+                  <a:ext uri="{0D108BD9-81ED-4DB2-BD59-A6C34878D82A}">
+                    <a16:rowId xmlns:a16="http://schemas.microsoft.com/office/drawing/2014/main" val="10006"/>
+                  </a:ext>
+                </a:extLst>
               </a:tr>
               <a:tr h="419100">
                 <a:tc>
@@ -6882,7 +7104,7 @@
                       </a:r>
                     </a:p>
                   </a:txBody>
-                  <a:tcPr anchor="ctr" marL="73152" marR="73152" marT="36576" marB="36576">
+                  <a:tcPr marL="73152" marR="73152" marT="36576" marB="36576" anchor="ctr">
                     <a:solidFill>
                       <a:srgbClr val="FFFFFF"/>
                     </a:solidFill>
@@ -6905,12 +7127,17 @@
                       </a:r>
                     </a:p>
                   </a:txBody>
-                  <a:tcPr anchor="ctr" marL="73152" marR="73152" marT="36576" marB="36576">
+                  <a:tcPr marL="73152" marR="73152" marT="36576" marB="36576" anchor="ctr">
                     <a:solidFill>
                       <a:srgbClr val="FFFFFF"/>
                     </a:solidFill>
                   </a:tcPr>
                 </a:tc>
+                <a:extLst>
+                  <a:ext uri="{0D108BD9-81ED-4DB2-BD59-A6C34878D82A}">
+                    <a16:rowId xmlns:a16="http://schemas.microsoft.com/office/drawing/2014/main" val="10007"/>
+                  </a:ext>
+                </a:extLst>
               </a:tr>
               <a:tr h="419100">
                 <a:tc>
@@ -6930,7 +7157,7 @@
                       </a:r>
                     </a:p>
                   </a:txBody>
-                  <a:tcPr anchor="ctr" marL="73152" marR="73152" marT="36576" marB="36576">
+                  <a:tcPr marL="73152" marR="73152" marT="36576" marB="36576" anchor="ctr">
                     <a:solidFill>
                       <a:srgbClr val="E8F0F8"/>
                     </a:solidFill>
@@ -6953,12 +7180,17 @@
                       </a:r>
                     </a:p>
                   </a:txBody>
-                  <a:tcPr anchor="ctr" marL="73152" marR="73152" marT="36576" marB="36576">
+                  <a:tcPr marL="73152" marR="73152" marT="36576" marB="36576" anchor="ctr">
                     <a:solidFill>
                       <a:srgbClr val="E8F0F8"/>
                     </a:solidFill>
                   </a:tcPr>
                 </a:tc>
+                <a:extLst>
+                  <a:ext uri="{0D108BD9-81ED-4DB2-BD59-A6C34878D82A}">
+                    <a16:rowId xmlns:a16="http://schemas.microsoft.com/office/drawing/2014/main" val="10008"/>
+                  </a:ext>
+                </a:extLst>
               </a:tr>
               <a:tr h="419100">
                 <a:tc>
@@ -6978,7 +7210,7 @@
                       </a:r>
                     </a:p>
                   </a:txBody>
-                  <a:tcPr anchor="ctr" marL="73152" marR="73152" marT="36576" marB="36576">
+                  <a:tcPr marL="73152" marR="73152" marT="36576" marB="36576" anchor="ctr">
                     <a:solidFill>
                       <a:srgbClr val="FFFFFF"/>
                     </a:solidFill>
@@ -7001,12 +7233,17 @@
                       </a:r>
                     </a:p>
                   </a:txBody>
-                  <a:tcPr anchor="ctr" marL="73152" marR="73152" marT="36576" marB="36576">
+                  <a:tcPr marL="73152" marR="73152" marT="36576" marB="36576" anchor="ctr">
                     <a:solidFill>
                       <a:srgbClr val="FFFFFF"/>
                     </a:solidFill>
                   </a:tcPr>
                 </a:tc>
+                <a:extLst>
+                  <a:ext uri="{0D108BD9-81ED-4DB2-BD59-A6C34878D82A}">
+                    <a16:rowId xmlns:a16="http://schemas.microsoft.com/office/drawing/2014/main" val="10009"/>
+                  </a:ext>
+                </a:extLst>
               </a:tr>
               <a:tr h="419100">
                 <a:tc>
@@ -7026,7 +7263,7 @@
                       </a:r>
                     </a:p>
                   </a:txBody>
-                  <a:tcPr anchor="ctr" marL="73152" marR="73152" marT="36576" marB="36576">
+                  <a:tcPr marL="73152" marR="73152" marT="36576" marB="36576" anchor="ctr">
                     <a:solidFill>
                       <a:srgbClr val="E8F0F8"/>
                     </a:solidFill>
@@ -7049,12 +7286,17 @@
                       </a:r>
                     </a:p>
                   </a:txBody>
-                  <a:tcPr anchor="ctr" marL="73152" marR="73152" marT="36576" marB="36576">
+                  <a:tcPr marL="73152" marR="73152" marT="36576" marB="36576" anchor="ctr">
                     <a:solidFill>
                       <a:srgbClr val="E8F0F8"/>
                     </a:solidFill>
                   </a:tcPr>
                 </a:tc>
+                <a:extLst>
+                  <a:ext uri="{0D108BD9-81ED-4DB2-BD59-A6C34878D82A}">
+                    <a16:rowId xmlns:a16="http://schemas.microsoft.com/office/drawing/2014/main" val="10010"/>
+                  </a:ext>
+                </a:extLst>
               </a:tr>
               <a:tr h="419100">
                 <a:tc>
@@ -7074,7 +7316,7 @@
                       </a:r>
                     </a:p>
                   </a:txBody>
-                  <a:tcPr anchor="ctr" marL="73152" marR="73152" marT="36576" marB="36576">
+                  <a:tcPr marL="73152" marR="73152" marT="36576" marB="36576" anchor="ctr">
                     <a:solidFill>
                       <a:srgbClr val="FFFFFF"/>
                     </a:solidFill>
@@ -7097,12 +7339,17 @@
                       </a:r>
                     </a:p>
                   </a:txBody>
-                  <a:tcPr anchor="ctr" marL="73152" marR="73152" marT="36576" marB="36576">
+                  <a:tcPr marL="73152" marR="73152" marT="36576" marB="36576" anchor="ctr">
                     <a:solidFill>
                       <a:srgbClr val="FFFFFF"/>
                     </a:solidFill>
                   </a:tcPr>
                 </a:tc>
+                <a:extLst>
+                  <a:ext uri="{0D108BD9-81ED-4DB2-BD59-A6C34878D82A}">
+                    <a16:rowId xmlns:a16="http://schemas.microsoft.com/office/drawing/2014/main" val="10011"/>
+                  </a:ext>
+                </a:extLst>
               </a:tr>
             </a:tbl>
           </a:graphicData>
@@ -7117,7 +7364,7 @@
 </file>
 
 <file path=ppt/slides/slide15.xml><?xml version="1.0" encoding="utf-8"?>
-<p:sld xmlns:a="http://schemas.openxmlformats.org/drawingml/2006/main" xmlns:p="http://schemas.openxmlformats.org/presentationml/2006/main" xmlns:r="http://schemas.openxmlformats.org/officeDocument/2006/relationships">
+<p:sld xmlns:a="http://schemas.openxmlformats.org/drawingml/2006/main" xmlns:r="http://schemas.openxmlformats.org/officeDocument/2006/relationships" xmlns:p="http://schemas.openxmlformats.org/presentationml/2006/main">
   <p:cSld>
     <p:bg>
       <p:bgPr>
@@ -7133,7 +7380,14 @@
         <p:cNvGrpSpPr/>
         <p:nvPr/>
       </p:nvGrpSpPr>
-      <p:grpSpPr/>
+      <p:grpSpPr>
+        <a:xfrm>
+          <a:off x="0" y="0"/>
+          <a:ext cx="0" cy="0"/>
+          <a:chOff x="0" y="0"/>
+          <a:chExt cx="0" cy="0"/>
+        </a:xfrm>
+      </p:grpSpPr>
       <p:sp>
         <p:nvSpPr>
           <p:cNvPr id="2" name="Rectangle 1"/>
@@ -7174,6 +7428,7 @@
           <a:lstStyle/>
           <a:p>
             <a:pPr algn="ctr"/>
+            <a:endParaRPr/>
           </a:p>
         </p:txBody>
       </p:sp>
@@ -7217,6 +7472,7 @@
           <a:lstStyle/>
           <a:p>
             <a:pPr algn="ctr"/>
+            <a:endParaRPr/>
           </a:p>
         </p:txBody>
       </p:sp>
@@ -7295,6 +7551,7 @@
           <a:lstStyle/>
           <a:p>
             <a:pPr algn="ctr"/>
+            <a:endParaRPr/>
           </a:p>
         </p:txBody>
       </p:sp>
@@ -7352,9 +7609,27 @@
                 <a:tableStyleId>{5C22544A-7EE6-4342-B048-85BDC9FD1C3A}</a:tableStyleId>
               </a:tblPr>
               <a:tblGrid>
-                <a:gridCol w="1828800"/>
-                <a:gridCol w="2011680"/>
-                <a:gridCol w="7589520"/>
+                <a:gridCol w="1828800">
+                  <a:extLst>
+                    <a:ext uri="{9D8B030D-6E8A-4147-A177-3AD203B41FA5}">
+                      <a16:colId xmlns:a16="http://schemas.microsoft.com/office/drawing/2014/main" val="20000"/>
+                    </a:ext>
+                  </a:extLst>
+                </a:gridCol>
+                <a:gridCol w="2011680">
+                  <a:extLst>
+                    <a:ext uri="{9D8B030D-6E8A-4147-A177-3AD203B41FA5}">
+                      <a16:colId xmlns:a16="http://schemas.microsoft.com/office/drawing/2014/main" val="20001"/>
+                    </a:ext>
+                  </a:extLst>
+                </a:gridCol>
+                <a:gridCol w="7589520">
+                  <a:extLst>
+                    <a:ext uri="{9D8B030D-6E8A-4147-A177-3AD203B41FA5}">
+                      <a16:colId xmlns:a16="http://schemas.microsoft.com/office/drawing/2014/main" val="20002"/>
+                    </a:ext>
+                  </a:extLst>
+                </a:gridCol>
               </a:tblGrid>
               <a:tr h="627017">
                 <a:tc>
@@ -7374,7 +7649,7 @@
                       </a:r>
                     </a:p>
                   </a:txBody>
-                  <a:tcPr anchor="ctr" marL="73152" marR="73152" marT="36576" marB="36576">
+                  <a:tcPr marL="73152" marR="73152" marT="36576" marB="36576" anchor="ctr">
                     <a:solidFill>
                       <a:srgbClr val="1B3A5C"/>
                     </a:solidFill>
@@ -7397,7 +7672,7 @@
                       </a:r>
                     </a:p>
                   </a:txBody>
-                  <a:tcPr anchor="ctr" marL="73152" marR="73152" marT="36576" marB="36576">
+                  <a:tcPr marL="73152" marR="73152" marT="36576" marB="36576" anchor="ctr">
                     <a:solidFill>
                       <a:srgbClr val="1B3A5C"/>
                     </a:solidFill>
@@ -7420,12 +7695,17 @@
                       </a:r>
                     </a:p>
                   </a:txBody>
-                  <a:tcPr anchor="ctr" marL="73152" marR="73152" marT="36576" marB="36576">
+                  <a:tcPr marL="73152" marR="73152" marT="36576" marB="36576" anchor="ctr">
                     <a:solidFill>
                       <a:srgbClr val="1B3A5C"/>
                     </a:solidFill>
                   </a:tcPr>
                 </a:tc>
+                <a:extLst>
+                  <a:ext uri="{0D108BD9-81ED-4DB2-BD59-A6C34878D82A}">
+                    <a16:rowId xmlns:a16="http://schemas.microsoft.com/office/drawing/2014/main" val="10000"/>
+                  </a:ext>
+                </a:extLst>
               </a:tr>
               <a:tr h="627017">
                 <a:tc>
@@ -7446,7 +7726,7 @@
                       </a:r>
                     </a:p>
                   </a:txBody>
-                  <a:tcPr anchor="ctr" marL="73152" marR="73152" marT="36576" marB="36576">
+                  <a:tcPr marL="73152" marR="73152" marT="36576" marB="36576" anchor="ctr">
                     <a:solidFill>
                       <a:srgbClr val="FFFFFF"/>
                     </a:solidFill>
@@ -7470,7 +7750,7 @@
                       </a:r>
                     </a:p>
                   </a:txBody>
-                  <a:tcPr anchor="ctr" marL="73152" marR="73152" marT="36576" marB="36576">
+                  <a:tcPr marL="73152" marR="73152" marT="36576" marB="36576" anchor="ctr">
                     <a:solidFill>
                       <a:srgbClr val="FFFFFF"/>
                     </a:solidFill>
@@ -7494,12 +7774,17 @@
                       </a:r>
                     </a:p>
                   </a:txBody>
-                  <a:tcPr anchor="ctr" marL="73152" marR="73152" marT="36576" marB="36576">
+                  <a:tcPr marL="73152" marR="73152" marT="36576" marB="36576" anchor="ctr">
                     <a:solidFill>
                       <a:srgbClr val="FFFFFF"/>
                     </a:solidFill>
                   </a:tcPr>
                 </a:tc>
+                <a:extLst>
+                  <a:ext uri="{0D108BD9-81ED-4DB2-BD59-A6C34878D82A}">
+                    <a16:rowId xmlns:a16="http://schemas.microsoft.com/office/drawing/2014/main" val="10001"/>
+                  </a:ext>
+                </a:extLst>
               </a:tr>
               <a:tr h="627017">
                 <a:tc>
@@ -7519,7 +7804,7 @@
                       </a:r>
                     </a:p>
                   </a:txBody>
-                  <a:tcPr anchor="ctr" marL="73152" marR="73152" marT="36576" marB="36576">
+                  <a:tcPr marL="73152" marR="73152" marT="36576" marB="36576" anchor="ctr">
                     <a:solidFill>
                       <a:srgbClr val="E8F0F8"/>
                     </a:solidFill>
@@ -7542,7 +7827,7 @@
                       </a:r>
                     </a:p>
                   </a:txBody>
-                  <a:tcPr anchor="ctr" marL="73152" marR="73152" marT="36576" marB="36576">
+                  <a:tcPr marL="73152" marR="73152" marT="36576" marB="36576" anchor="ctr">
                     <a:solidFill>
                       <a:srgbClr val="E8F0F8"/>
                     </a:solidFill>
@@ -7566,12 +7851,17 @@
                       </a:r>
                     </a:p>
                   </a:txBody>
-                  <a:tcPr anchor="ctr" marL="73152" marR="73152" marT="36576" marB="36576">
+                  <a:tcPr marL="73152" marR="73152" marT="36576" marB="36576" anchor="ctr">
                     <a:solidFill>
                       <a:srgbClr val="E8F0F8"/>
                     </a:solidFill>
                   </a:tcPr>
                 </a:tc>
+                <a:extLst>
+                  <a:ext uri="{0D108BD9-81ED-4DB2-BD59-A6C34878D82A}">
+                    <a16:rowId xmlns:a16="http://schemas.microsoft.com/office/drawing/2014/main" val="10002"/>
+                  </a:ext>
+                </a:extLst>
               </a:tr>
               <a:tr h="627017">
                 <a:tc>
@@ -7591,7 +7881,7 @@
                       </a:r>
                     </a:p>
                   </a:txBody>
-                  <a:tcPr anchor="ctr" marL="73152" marR="73152" marT="36576" marB="36576">
+                  <a:tcPr marL="73152" marR="73152" marT="36576" marB="36576" anchor="ctr">
                     <a:solidFill>
                       <a:srgbClr val="FFFFFF"/>
                     </a:solidFill>
@@ -7614,7 +7904,7 @@
                       </a:r>
                     </a:p>
                   </a:txBody>
-                  <a:tcPr anchor="ctr" marL="73152" marR="73152" marT="36576" marB="36576">
+                  <a:tcPr marL="73152" marR="73152" marT="36576" marB="36576" anchor="ctr">
                     <a:solidFill>
                       <a:srgbClr val="FFFFFF"/>
                     </a:solidFill>
@@ -7638,12 +7928,17 @@
                       </a:r>
                     </a:p>
                   </a:txBody>
-                  <a:tcPr anchor="ctr" marL="73152" marR="73152" marT="36576" marB="36576">
+                  <a:tcPr marL="73152" marR="73152" marT="36576" marB="36576" anchor="ctr">
                     <a:solidFill>
                       <a:srgbClr val="FFFFFF"/>
                     </a:solidFill>
                   </a:tcPr>
                 </a:tc>
+                <a:extLst>
+                  <a:ext uri="{0D108BD9-81ED-4DB2-BD59-A6C34878D82A}">
+                    <a16:rowId xmlns:a16="http://schemas.microsoft.com/office/drawing/2014/main" val="10003"/>
+                  </a:ext>
+                </a:extLst>
               </a:tr>
               <a:tr h="627017">
                 <a:tc>
@@ -7663,7 +7958,7 @@
                       </a:r>
                     </a:p>
                   </a:txBody>
-                  <a:tcPr anchor="ctr" marL="73152" marR="73152" marT="36576" marB="36576">
+                  <a:tcPr marL="73152" marR="73152" marT="36576" marB="36576" anchor="ctr">
                     <a:solidFill>
                       <a:srgbClr val="E8F0F8"/>
                     </a:solidFill>
@@ -7686,7 +7981,7 @@
                       </a:r>
                     </a:p>
                   </a:txBody>
-                  <a:tcPr anchor="ctr" marL="73152" marR="73152" marT="36576" marB="36576">
+                  <a:tcPr marL="73152" marR="73152" marT="36576" marB="36576" anchor="ctr">
                     <a:solidFill>
                       <a:srgbClr val="E8F0F8"/>
                     </a:solidFill>
@@ -7709,12 +8004,17 @@
                       </a:r>
                     </a:p>
                   </a:txBody>
-                  <a:tcPr anchor="ctr" marL="73152" marR="73152" marT="36576" marB="36576">
+                  <a:tcPr marL="73152" marR="73152" marT="36576" marB="36576" anchor="ctr">
                     <a:solidFill>
                       <a:srgbClr val="E8F0F8"/>
                     </a:solidFill>
                   </a:tcPr>
                 </a:tc>
+                <a:extLst>
+                  <a:ext uri="{0D108BD9-81ED-4DB2-BD59-A6C34878D82A}">
+                    <a16:rowId xmlns:a16="http://schemas.microsoft.com/office/drawing/2014/main" val="10004"/>
+                  </a:ext>
+                </a:extLst>
               </a:tr>
               <a:tr h="627017">
                 <a:tc>
@@ -7734,7 +8034,7 @@
                       </a:r>
                     </a:p>
                   </a:txBody>
-                  <a:tcPr anchor="ctr" marL="73152" marR="73152" marT="36576" marB="36576">
+                  <a:tcPr marL="73152" marR="73152" marT="36576" marB="36576" anchor="ctr">
                     <a:solidFill>
                       <a:srgbClr val="FFFFFF"/>
                     </a:solidFill>
@@ -7757,7 +8057,7 @@
                       </a:r>
                     </a:p>
                   </a:txBody>
-                  <a:tcPr anchor="ctr" marL="73152" marR="73152" marT="36576" marB="36576">
+                  <a:tcPr marL="73152" marR="73152" marT="36576" marB="36576" anchor="ctr">
                     <a:solidFill>
                       <a:srgbClr val="FFFFFF"/>
                     </a:solidFill>
@@ -7781,12 +8081,17 @@
                       </a:r>
                     </a:p>
                   </a:txBody>
-                  <a:tcPr anchor="ctr" marL="73152" marR="73152" marT="36576" marB="36576">
+                  <a:tcPr marL="73152" marR="73152" marT="36576" marB="36576" anchor="ctr">
                     <a:solidFill>
                       <a:srgbClr val="FFFFFF"/>
                     </a:solidFill>
                   </a:tcPr>
                 </a:tc>
+                <a:extLst>
+                  <a:ext uri="{0D108BD9-81ED-4DB2-BD59-A6C34878D82A}">
+                    <a16:rowId xmlns:a16="http://schemas.microsoft.com/office/drawing/2014/main" val="10005"/>
+                  </a:ext>
+                </a:extLst>
               </a:tr>
               <a:tr h="627018">
                 <a:tc>
@@ -7806,7 +8111,7 @@
                       </a:r>
                     </a:p>
                   </a:txBody>
-                  <a:tcPr anchor="ctr" marL="73152" marR="73152" marT="36576" marB="36576">
+                  <a:tcPr marL="73152" marR="73152" marT="36576" marB="36576" anchor="ctr">
                     <a:solidFill>
                       <a:srgbClr val="E8F0F8"/>
                     </a:solidFill>
@@ -7829,7 +8134,7 @@
                       </a:r>
                     </a:p>
                   </a:txBody>
-                  <a:tcPr anchor="ctr" marL="73152" marR="73152" marT="36576" marB="36576">
+                  <a:tcPr marL="73152" marR="73152" marT="36576" marB="36576" anchor="ctr">
                     <a:solidFill>
                       <a:srgbClr val="E8F0F8"/>
                     </a:solidFill>
@@ -7853,12 +8158,17 @@
                       </a:r>
                     </a:p>
                   </a:txBody>
-                  <a:tcPr anchor="ctr" marL="73152" marR="73152" marT="36576" marB="36576">
+                  <a:tcPr marL="73152" marR="73152" marT="36576" marB="36576" anchor="ctr">
                     <a:solidFill>
                       <a:srgbClr val="E8F0F8"/>
                     </a:solidFill>
                   </a:tcPr>
                 </a:tc>
+                <a:extLst>
+                  <a:ext uri="{0D108BD9-81ED-4DB2-BD59-A6C34878D82A}">
+                    <a16:rowId xmlns:a16="http://schemas.microsoft.com/office/drawing/2014/main" val="10006"/>
+                  </a:ext>
+                </a:extLst>
               </a:tr>
             </a:tbl>
           </a:graphicData>
@@ -7912,7 +8222,7 @@
 </file>
 
 <file path=ppt/slides/slide16.xml><?xml version="1.0" encoding="utf-8"?>
-<p:sld xmlns:a="http://schemas.openxmlformats.org/drawingml/2006/main" xmlns:p="http://schemas.openxmlformats.org/presentationml/2006/main" xmlns:r="http://schemas.openxmlformats.org/officeDocument/2006/relationships">
+<p:sld xmlns:a="http://schemas.openxmlformats.org/drawingml/2006/main" xmlns:r="http://schemas.openxmlformats.org/officeDocument/2006/relationships" xmlns:p="http://schemas.openxmlformats.org/presentationml/2006/main">
   <p:cSld>
     <p:bg>
       <p:bgPr>
@@ -7928,7 +8238,14 @@
         <p:cNvGrpSpPr/>
         <p:nvPr/>
       </p:nvGrpSpPr>
-      <p:grpSpPr/>
+      <p:grpSpPr>
+        <a:xfrm>
+          <a:off x="0" y="0"/>
+          <a:ext cx="0" cy="0"/>
+          <a:chOff x="0" y="0"/>
+          <a:chExt cx="0" cy="0"/>
+        </a:xfrm>
+      </p:grpSpPr>
       <p:sp>
         <p:nvSpPr>
           <p:cNvPr id="2" name="Rectangle 1"/>
@@ -7969,6 +8286,7 @@
           <a:lstStyle/>
           <a:p>
             <a:pPr algn="ctr"/>
+            <a:endParaRPr/>
           </a:p>
         </p:txBody>
       </p:sp>
@@ -8012,6 +8330,7 @@
           <a:lstStyle/>
           <a:p>
             <a:pPr algn="ctr"/>
+            <a:endParaRPr/>
           </a:p>
         </p:txBody>
       </p:sp>
@@ -8090,6 +8409,7 @@
           <a:lstStyle/>
           <a:p>
             <a:pPr algn="ctr"/>
+            <a:endParaRPr/>
           </a:p>
         </p:txBody>
       </p:sp>
@@ -8147,9 +8467,27 @@
                 <a:tableStyleId>{5C22544A-7EE6-4342-B048-85BDC9FD1C3A}</a:tableStyleId>
               </a:tblPr>
               <a:tblGrid>
-                <a:gridCol w="1371600"/>
-                <a:gridCol w="4114800"/>
-                <a:gridCol w="5760720"/>
+                <a:gridCol w="1371600">
+                  <a:extLst>
+                    <a:ext uri="{9D8B030D-6E8A-4147-A177-3AD203B41FA5}">
+                      <a16:colId xmlns:a16="http://schemas.microsoft.com/office/drawing/2014/main" val="20000"/>
+                    </a:ext>
+                  </a:extLst>
+                </a:gridCol>
+                <a:gridCol w="4114800">
+                  <a:extLst>
+                    <a:ext uri="{9D8B030D-6E8A-4147-A177-3AD203B41FA5}">
+                      <a16:colId xmlns:a16="http://schemas.microsoft.com/office/drawing/2014/main" val="20001"/>
+                    </a:ext>
+                  </a:extLst>
+                </a:gridCol>
+                <a:gridCol w="5760720">
+                  <a:extLst>
+                    <a:ext uri="{9D8B030D-6E8A-4147-A177-3AD203B41FA5}">
+                      <a16:colId xmlns:a16="http://schemas.microsoft.com/office/drawing/2014/main" val="20002"/>
+                    </a:ext>
+                  </a:extLst>
+                </a:gridCol>
               </a:tblGrid>
               <a:tr h="386861">
                 <a:tc>
@@ -8169,7 +8507,7 @@
                       </a:r>
                     </a:p>
                   </a:txBody>
-                  <a:tcPr anchor="ctr" marL="73152" marR="73152" marT="36576" marB="36576">
+                  <a:tcPr marL="73152" marR="73152" marT="36576" marB="36576" anchor="ctr">
                     <a:solidFill>
                       <a:srgbClr val="1B3A5C"/>
                     </a:solidFill>
@@ -8192,7 +8530,7 @@
                       </a:r>
                     </a:p>
                   </a:txBody>
-                  <a:tcPr anchor="ctr" marL="73152" marR="73152" marT="36576" marB="36576">
+                  <a:tcPr marL="73152" marR="73152" marT="36576" marB="36576" anchor="ctr">
                     <a:solidFill>
                       <a:srgbClr val="1B3A5C"/>
                     </a:solidFill>
@@ -8215,12 +8553,17 @@
                       </a:r>
                     </a:p>
                   </a:txBody>
-                  <a:tcPr anchor="ctr" marL="73152" marR="73152" marT="36576" marB="36576">
+                  <a:tcPr marL="73152" marR="73152" marT="36576" marB="36576" anchor="ctr">
                     <a:solidFill>
                       <a:srgbClr val="1B3A5C"/>
                     </a:solidFill>
                   </a:tcPr>
                 </a:tc>
+                <a:extLst>
+                  <a:ext uri="{0D108BD9-81ED-4DB2-BD59-A6C34878D82A}">
+                    <a16:rowId xmlns:a16="http://schemas.microsoft.com/office/drawing/2014/main" val="10000"/>
+                  </a:ext>
+                </a:extLst>
               </a:tr>
               <a:tr h="386861">
                 <a:tc>
@@ -8240,7 +8583,7 @@
                       </a:r>
                     </a:p>
                   </a:txBody>
-                  <a:tcPr anchor="ctr" marL="73152" marR="73152" marT="36576" marB="36576">
+                  <a:tcPr marL="73152" marR="73152" marT="36576" marB="36576" anchor="ctr">
                     <a:solidFill>
                       <a:srgbClr val="FFFFFF"/>
                     </a:solidFill>
@@ -8263,7 +8606,7 @@
                       </a:r>
                     </a:p>
                   </a:txBody>
-                  <a:tcPr anchor="ctr" marL="73152" marR="73152" marT="36576" marB="36576">
+                  <a:tcPr marL="73152" marR="73152" marT="36576" marB="36576" anchor="ctr">
                     <a:solidFill>
                       <a:srgbClr val="FFFFFF"/>
                     </a:solidFill>
@@ -8286,12 +8629,17 @@
                       </a:r>
                     </a:p>
                   </a:txBody>
-                  <a:tcPr anchor="ctr" marL="73152" marR="73152" marT="36576" marB="36576">
+                  <a:tcPr marL="73152" marR="73152" marT="36576" marB="36576" anchor="ctr">
                     <a:solidFill>
                       <a:srgbClr val="FFFFFF"/>
                     </a:solidFill>
                   </a:tcPr>
                 </a:tc>
+                <a:extLst>
+                  <a:ext uri="{0D108BD9-81ED-4DB2-BD59-A6C34878D82A}">
+                    <a16:rowId xmlns:a16="http://schemas.microsoft.com/office/drawing/2014/main" val="10001"/>
+                  </a:ext>
+                </a:extLst>
               </a:tr>
               <a:tr h="386861">
                 <a:tc>
@@ -8311,7 +8659,7 @@
                       </a:r>
                     </a:p>
                   </a:txBody>
-                  <a:tcPr anchor="ctr" marL="73152" marR="73152" marT="36576" marB="36576">
+                  <a:tcPr marL="73152" marR="73152" marT="36576" marB="36576" anchor="ctr">
                     <a:solidFill>
                       <a:srgbClr val="E8F0F8"/>
                     </a:solidFill>
@@ -8334,7 +8682,7 @@
                       </a:r>
                     </a:p>
                   </a:txBody>
-                  <a:tcPr anchor="ctr" marL="73152" marR="73152" marT="36576" marB="36576">
+                  <a:tcPr marL="73152" marR="73152" marT="36576" marB="36576" anchor="ctr">
                     <a:solidFill>
                       <a:srgbClr val="E8F0F8"/>
                     </a:solidFill>
@@ -8357,12 +8705,17 @@
                       </a:r>
                     </a:p>
                   </a:txBody>
-                  <a:tcPr anchor="ctr" marL="73152" marR="73152" marT="36576" marB="36576">
+                  <a:tcPr marL="73152" marR="73152" marT="36576" marB="36576" anchor="ctr">
                     <a:solidFill>
                       <a:srgbClr val="E8F0F8"/>
                     </a:solidFill>
                   </a:tcPr>
                 </a:tc>
+                <a:extLst>
+                  <a:ext uri="{0D108BD9-81ED-4DB2-BD59-A6C34878D82A}">
+                    <a16:rowId xmlns:a16="http://schemas.microsoft.com/office/drawing/2014/main" val="10002"/>
+                  </a:ext>
+                </a:extLst>
               </a:tr>
               <a:tr h="386861">
                 <a:tc>
@@ -8382,7 +8735,7 @@
                       </a:r>
                     </a:p>
                   </a:txBody>
-                  <a:tcPr anchor="ctr" marL="73152" marR="73152" marT="36576" marB="36576">
+                  <a:tcPr marL="73152" marR="73152" marT="36576" marB="36576" anchor="ctr">
                     <a:solidFill>
                       <a:srgbClr val="FFFFFF"/>
                     </a:solidFill>
@@ -8405,7 +8758,7 @@
                       </a:r>
                     </a:p>
                   </a:txBody>
-                  <a:tcPr anchor="ctr" marL="73152" marR="73152" marT="36576" marB="36576">
+                  <a:tcPr marL="73152" marR="73152" marT="36576" marB="36576" anchor="ctr">
                     <a:solidFill>
                       <a:srgbClr val="FFFFFF"/>
                     </a:solidFill>
@@ -8428,12 +8781,17 @@
                       </a:r>
                     </a:p>
                   </a:txBody>
-                  <a:tcPr anchor="ctr" marL="73152" marR="73152" marT="36576" marB="36576">
+                  <a:tcPr marL="73152" marR="73152" marT="36576" marB="36576" anchor="ctr">
                     <a:solidFill>
                       <a:srgbClr val="FFFFFF"/>
                     </a:solidFill>
                   </a:tcPr>
                 </a:tc>
+                <a:extLst>
+                  <a:ext uri="{0D108BD9-81ED-4DB2-BD59-A6C34878D82A}">
+                    <a16:rowId xmlns:a16="http://schemas.microsoft.com/office/drawing/2014/main" val="10003"/>
+                  </a:ext>
+                </a:extLst>
               </a:tr>
               <a:tr h="386861">
                 <a:tc>
@@ -8453,7 +8811,7 @@
                       </a:r>
                     </a:p>
                   </a:txBody>
-                  <a:tcPr anchor="ctr" marL="73152" marR="73152" marT="36576" marB="36576">
+                  <a:tcPr marL="73152" marR="73152" marT="36576" marB="36576" anchor="ctr">
                     <a:solidFill>
                       <a:srgbClr val="E8F0F8"/>
                     </a:solidFill>
@@ -8476,7 +8834,7 @@
                       </a:r>
                     </a:p>
                   </a:txBody>
-                  <a:tcPr anchor="ctr" marL="73152" marR="73152" marT="36576" marB="36576">
+                  <a:tcPr marL="73152" marR="73152" marT="36576" marB="36576" anchor="ctr">
                     <a:solidFill>
                       <a:srgbClr val="E8F0F8"/>
                     </a:solidFill>
@@ -8499,12 +8857,17 @@
                       </a:r>
                     </a:p>
                   </a:txBody>
-                  <a:tcPr anchor="ctr" marL="73152" marR="73152" marT="36576" marB="36576">
+                  <a:tcPr marL="73152" marR="73152" marT="36576" marB="36576" anchor="ctr">
                     <a:solidFill>
                       <a:srgbClr val="E8F0F8"/>
                     </a:solidFill>
                   </a:tcPr>
                 </a:tc>
+                <a:extLst>
+                  <a:ext uri="{0D108BD9-81ED-4DB2-BD59-A6C34878D82A}">
+                    <a16:rowId xmlns:a16="http://schemas.microsoft.com/office/drawing/2014/main" val="10004"/>
+                  </a:ext>
+                </a:extLst>
               </a:tr>
               <a:tr h="386861">
                 <a:tc>
@@ -8524,7 +8887,7 @@
                       </a:r>
                     </a:p>
                   </a:txBody>
-                  <a:tcPr anchor="ctr" marL="73152" marR="73152" marT="36576" marB="36576">
+                  <a:tcPr marL="73152" marR="73152" marT="36576" marB="36576" anchor="ctr">
                     <a:solidFill>
                       <a:srgbClr val="FFFFFF"/>
                     </a:solidFill>
@@ -8547,7 +8910,7 @@
                       </a:r>
                     </a:p>
                   </a:txBody>
-                  <a:tcPr anchor="ctr" marL="73152" marR="73152" marT="36576" marB="36576">
+                  <a:tcPr marL="73152" marR="73152" marT="36576" marB="36576" anchor="ctr">
                     <a:solidFill>
                       <a:srgbClr val="FFFFFF"/>
                     </a:solidFill>
@@ -8570,12 +8933,17 @@
                       </a:r>
                     </a:p>
                   </a:txBody>
-                  <a:tcPr anchor="ctr" marL="73152" marR="73152" marT="36576" marB="36576">
+                  <a:tcPr marL="73152" marR="73152" marT="36576" marB="36576" anchor="ctr">
                     <a:solidFill>
                       <a:srgbClr val="FFFFFF"/>
                     </a:solidFill>
                   </a:tcPr>
                 </a:tc>
+                <a:extLst>
+                  <a:ext uri="{0D108BD9-81ED-4DB2-BD59-A6C34878D82A}">
+                    <a16:rowId xmlns:a16="http://schemas.microsoft.com/office/drawing/2014/main" val="10005"/>
+                  </a:ext>
+                </a:extLst>
               </a:tr>
               <a:tr h="386861">
                 <a:tc>
@@ -8595,7 +8963,7 @@
                       </a:r>
                     </a:p>
                   </a:txBody>
-                  <a:tcPr anchor="ctr" marL="73152" marR="73152" marT="36576" marB="36576">
+                  <a:tcPr marL="73152" marR="73152" marT="36576" marB="36576" anchor="ctr">
                     <a:solidFill>
                       <a:srgbClr val="E8F0F8"/>
                     </a:solidFill>
@@ -8618,7 +8986,7 @@
                       </a:r>
                     </a:p>
                   </a:txBody>
-                  <a:tcPr anchor="ctr" marL="73152" marR="73152" marT="36576" marB="36576">
+                  <a:tcPr marL="73152" marR="73152" marT="36576" marB="36576" anchor="ctr">
                     <a:solidFill>
                       <a:srgbClr val="E8F0F8"/>
                     </a:solidFill>
@@ -8641,12 +9009,17 @@
                       </a:r>
                     </a:p>
                   </a:txBody>
-                  <a:tcPr anchor="ctr" marL="73152" marR="73152" marT="36576" marB="36576">
+                  <a:tcPr marL="73152" marR="73152" marT="36576" marB="36576" anchor="ctr">
                     <a:solidFill>
                       <a:srgbClr val="E8F0F8"/>
                     </a:solidFill>
                   </a:tcPr>
                 </a:tc>
+                <a:extLst>
+                  <a:ext uri="{0D108BD9-81ED-4DB2-BD59-A6C34878D82A}">
+                    <a16:rowId xmlns:a16="http://schemas.microsoft.com/office/drawing/2014/main" val="10006"/>
+                  </a:ext>
+                </a:extLst>
               </a:tr>
               <a:tr h="386861">
                 <a:tc>
@@ -8666,7 +9039,7 @@
                       </a:r>
                     </a:p>
                   </a:txBody>
-                  <a:tcPr anchor="ctr" marL="73152" marR="73152" marT="36576" marB="36576">
+                  <a:tcPr marL="73152" marR="73152" marT="36576" marB="36576" anchor="ctr">
                     <a:solidFill>
                       <a:srgbClr val="FFFFFF"/>
                     </a:solidFill>
@@ -8689,7 +9062,7 @@
                       </a:r>
                     </a:p>
                   </a:txBody>
-                  <a:tcPr anchor="ctr" marL="73152" marR="73152" marT="36576" marB="36576">
+                  <a:tcPr marL="73152" marR="73152" marT="36576" marB="36576" anchor="ctr">
                     <a:solidFill>
                       <a:srgbClr val="FFFFFF"/>
                     </a:solidFill>
@@ -8712,12 +9085,17 @@
                       </a:r>
                     </a:p>
                   </a:txBody>
-                  <a:tcPr anchor="ctr" marL="73152" marR="73152" marT="36576" marB="36576">
+                  <a:tcPr marL="73152" marR="73152" marT="36576" marB="36576" anchor="ctr">
                     <a:solidFill>
                       <a:srgbClr val="FFFFFF"/>
                     </a:solidFill>
                   </a:tcPr>
                 </a:tc>
+                <a:extLst>
+                  <a:ext uri="{0D108BD9-81ED-4DB2-BD59-A6C34878D82A}">
+                    <a16:rowId xmlns:a16="http://schemas.microsoft.com/office/drawing/2014/main" val="10007"/>
+                  </a:ext>
+                </a:extLst>
               </a:tr>
               <a:tr h="386861">
                 <a:tc>
@@ -8737,7 +9115,7 @@
                       </a:r>
                     </a:p>
                   </a:txBody>
-                  <a:tcPr anchor="ctr" marL="73152" marR="73152" marT="36576" marB="36576">
+                  <a:tcPr marL="73152" marR="73152" marT="36576" marB="36576" anchor="ctr">
                     <a:solidFill>
                       <a:srgbClr val="E8F0F8"/>
                     </a:solidFill>
@@ -8760,7 +9138,7 @@
                       </a:r>
                     </a:p>
                   </a:txBody>
-                  <a:tcPr anchor="ctr" marL="73152" marR="73152" marT="36576" marB="36576">
+                  <a:tcPr marL="73152" marR="73152" marT="36576" marB="36576" anchor="ctr">
                     <a:solidFill>
                       <a:srgbClr val="E8F0F8"/>
                     </a:solidFill>
@@ -8783,12 +9161,17 @@
                       </a:r>
                     </a:p>
                   </a:txBody>
-                  <a:tcPr anchor="ctr" marL="73152" marR="73152" marT="36576" marB="36576">
+                  <a:tcPr marL="73152" marR="73152" marT="36576" marB="36576" anchor="ctr">
                     <a:solidFill>
                       <a:srgbClr val="E8F0F8"/>
                     </a:solidFill>
                   </a:tcPr>
                 </a:tc>
+                <a:extLst>
+                  <a:ext uri="{0D108BD9-81ED-4DB2-BD59-A6C34878D82A}">
+                    <a16:rowId xmlns:a16="http://schemas.microsoft.com/office/drawing/2014/main" val="10008"/>
+                  </a:ext>
+                </a:extLst>
               </a:tr>
               <a:tr h="386861">
                 <a:tc>
@@ -8808,7 +9191,7 @@
                       </a:r>
                     </a:p>
                   </a:txBody>
-                  <a:tcPr anchor="ctr" marL="73152" marR="73152" marT="36576" marB="36576">
+                  <a:tcPr marL="73152" marR="73152" marT="36576" marB="36576" anchor="ctr">
                     <a:solidFill>
                       <a:srgbClr val="FFFFFF"/>
                     </a:solidFill>
@@ -8831,7 +9214,7 @@
                       </a:r>
                     </a:p>
                   </a:txBody>
-                  <a:tcPr anchor="ctr" marL="73152" marR="73152" marT="36576" marB="36576">
+                  <a:tcPr marL="73152" marR="73152" marT="36576" marB="36576" anchor="ctr">
                     <a:solidFill>
                       <a:srgbClr val="FFFFFF"/>
                     </a:solidFill>
@@ -8854,12 +9237,17 @@
                       </a:r>
                     </a:p>
                   </a:txBody>
-                  <a:tcPr anchor="ctr" marL="73152" marR="73152" marT="36576" marB="36576">
+                  <a:tcPr marL="73152" marR="73152" marT="36576" marB="36576" anchor="ctr">
                     <a:solidFill>
                       <a:srgbClr val="FFFFFF"/>
                     </a:solidFill>
                   </a:tcPr>
                 </a:tc>
+                <a:extLst>
+                  <a:ext uri="{0D108BD9-81ED-4DB2-BD59-A6C34878D82A}">
+                    <a16:rowId xmlns:a16="http://schemas.microsoft.com/office/drawing/2014/main" val="10009"/>
+                  </a:ext>
+                </a:extLst>
               </a:tr>
               <a:tr h="386861">
                 <a:tc>
@@ -8879,7 +9267,7 @@
                       </a:r>
                     </a:p>
                   </a:txBody>
-                  <a:tcPr anchor="ctr" marL="73152" marR="73152" marT="36576" marB="36576">
+                  <a:tcPr marL="73152" marR="73152" marT="36576" marB="36576" anchor="ctr">
                     <a:solidFill>
                       <a:srgbClr val="E8F0F8"/>
                     </a:solidFill>
@@ -8902,7 +9290,7 @@
                       </a:r>
                     </a:p>
                   </a:txBody>
-                  <a:tcPr anchor="ctr" marL="73152" marR="73152" marT="36576" marB="36576">
+                  <a:tcPr marL="73152" marR="73152" marT="36576" marB="36576" anchor="ctr">
                     <a:solidFill>
                       <a:srgbClr val="E8F0F8"/>
                     </a:solidFill>
@@ -8925,12 +9313,17 @@
                       </a:r>
                     </a:p>
                   </a:txBody>
-                  <a:tcPr anchor="ctr" marL="73152" marR="73152" marT="36576" marB="36576">
+                  <a:tcPr marL="73152" marR="73152" marT="36576" marB="36576" anchor="ctr">
                     <a:solidFill>
                       <a:srgbClr val="E8F0F8"/>
                     </a:solidFill>
                   </a:tcPr>
                 </a:tc>
+                <a:extLst>
+                  <a:ext uri="{0D108BD9-81ED-4DB2-BD59-A6C34878D82A}">
+                    <a16:rowId xmlns:a16="http://schemas.microsoft.com/office/drawing/2014/main" val="10010"/>
+                  </a:ext>
+                </a:extLst>
               </a:tr>
               <a:tr h="386861">
                 <a:tc>
@@ -8950,7 +9343,7 @@
                       </a:r>
                     </a:p>
                   </a:txBody>
-                  <a:tcPr anchor="ctr" marL="73152" marR="73152" marT="36576" marB="36576">
+                  <a:tcPr marL="73152" marR="73152" marT="36576" marB="36576" anchor="ctr">
                     <a:solidFill>
                       <a:srgbClr val="FFFFFF"/>
                     </a:solidFill>
@@ -8973,7 +9366,7 @@
                       </a:r>
                     </a:p>
                   </a:txBody>
-                  <a:tcPr anchor="ctr" marL="73152" marR="73152" marT="36576" marB="36576">
+                  <a:tcPr marL="73152" marR="73152" marT="36576" marB="36576" anchor="ctr">
                     <a:solidFill>
                       <a:srgbClr val="FFFFFF"/>
                     </a:solidFill>
@@ -8996,12 +9389,17 @@
                       </a:r>
                     </a:p>
                   </a:txBody>
-                  <a:tcPr anchor="ctr" marL="73152" marR="73152" marT="36576" marB="36576">
+                  <a:tcPr marL="73152" marR="73152" marT="36576" marB="36576" anchor="ctr">
                     <a:solidFill>
                       <a:srgbClr val="FFFFFF"/>
                     </a:solidFill>
                   </a:tcPr>
                 </a:tc>
+                <a:extLst>
+                  <a:ext uri="{0D108BD9-81ED-4DB2-BD59-A6C34878D82A}">
+                    <a16:rowId xmlns:a16="http://schemas.microsoft.com/office/drawing/2014/main" val="10011"/>
+                  </a:ext>
+                </a:extLst>
               </a:tr>
               <a:tr h="386868">
                 <a:tc>
@@ -9021,7 +9419,7 @@
                       </a:r>
                     </a:p>
                   </a:txBody>
-                  <a:tcPr anchor="ctr" marL="73152" marR="73152" marT="36576" marB="36576">
+                  <a:tcPr marL="73152" marR="73152" marT="36576" marB="36576" anchor="ctr">
                     <a:solidFill>
                       <a:srgbClr val="E8F0F8"/>
                     </a:solidFill>
@@ -9044,7 +9442,7 @@
                       </a:r>
                     </a:p>
                   </a:txBody>
-                  <a:tcPr anchor="ctr" marL="73152" marR="73152" marT="36576" marB="36576">
+                  <a:tcPr marL="73152" marR="73152" marT="36576" marB="36576" anchor="ctr">
                     <a:solidFill>
                       <a:srgbClr val="E8F0F8"/>
                     </a:solidFill>
@@ -9067,12 +9465,17 @@
                       </a:r>
                     </a:p>
                   </a:txBody>
-                  <a:tcPr anchor="ctr" marL="73152" marR="73152" marT="36576" marB="36576">
+                  <a:tcPr marL="73152" marR="73152" marT="36576" marB="36576" anchor="ctr">
                     <a:solidFill>
                       <a:srgbClr val="E8F0F8"/>
                     </a:solidFill>
                   </a:tcPr>
                 </a:tc>
+                <a:extLst>
+                  <a:ext uri="{0D108BD9-81ED-4DB2-BD59-A6C34878D82A}">
+                    <a16:rowId xmlns:a16="http://schemas.microsoft.com/office/drawing/2014/main" val="10012"/>
+                  </a:ext>
+                </a:extLst>
               </a:tr>
             </a:tbl>
           </a:graphicData>
@@ -9087,7 +9490,7 @@
 </file>
 
 <file path=ppt/slides/slide17.xml><?xml version="1.0" encoding="utf-8"?>
-<p:sld xmlns:a="http://schemas.openxmlformats.org/drawingml/2006/main" xmlns:p="http://schemas.openxmlformats.org/presentationml/2006/main" xmlns:r="http://schemas.openxmlformats.org/officeDocument/2006/relationships">
+<p:sld xmlns:a="http://schemas.openxmlformats.org/drawingml/2006/main" xmlns:r="http://schemas.openxmlformats.org/officeDocument/2006/relationships" xmlns:p="http://schemas.openxmlformats.org/presentationml/2006/main">
   <p:cSld>
     <p:bg>
       <p:bgPr>
@@ -9103,7 +9506,14 @@
         <p:cNvGrpSpPr/>
         <p:nvPr/>
       </p:nvGrpSpPr>
-      <p:grpSpPr/>
+      <p:grpSpPr>
+        <a:xfrm>
+          <a:off x="0" y="0"/>
+          <a:ext cx="0" cy="0"/>
+          <a:chOff x="0" y="0"/>
+          <a:chExt cx="0" cy="0"/>
+        </a:xfrm>
+      </p:grpSpPr>
       <p:sp>
         <p:nvSpPr>
           <p:cNvPr id="2" name="Rectangle 1"/>
@@ -9144,6 +9554,7 @@
           <a:lstStyle/>
           <a:p>
             <a:pPr algn="ctr"/>
+            <a:endParaRPr/>
           </a:p>
         </p:txBody>
       </p:sp>
@@ -9187,6 +9598,7 @@
           <a:lstStyle/>
           <a:p>
             <a:pPr algn="ctr"/>
+            <a:endParaRPr/>
           </a:p>
         </p:txBody>
       </p:sp>
@@ -9265,6 +9677,7 @@
           <a:lstStyle/>
           <a:p>
             <a:pPr algn="ctr"/>
+            <a:endParaRPr/>
           </a:p>
         </p:txBody>
       </p:sp>
@@ -9866,7 +10279,7 @@
           </a:fontRef>
         </p:style>
         <p:txBody>
-          <a:bodyPr rtlCol="0" anchor="ctr" wrap="square"/>
+          <a:bodyPr wrap="square" rtlCol="0" anchor="ctr"/>
           <a:lstStyle/>
           <a:p>
             <a:pPr algn="ctr"/>
@@ -9891,7 +10304,7 @@
 </file>
 
 <file path=ppt/slides/slide18.xml><?xml version="1.0" encoding="utf-8"?>
-<p:sld xmlns:a="http://schemas.openxmlformats.org/drawingml/2006/main" xmlns:p="http://schemas.openxmlformats.org/presentationml/2006/main" xmlns:r="http://schemas.openxmlformats.org/officeDocument/2006/relationships">
+<p:sld xmlns:a="http://schemas.openxmlformats.org/drawingml/2006/main" xmlns:r="http://schemas.openxmlformats.org/officeDocument/2006/relationships" xmlns:p="http://schemas.openxmlformats.org/presentationml/2006/main">
   <p:cSld>
     <p:bg>
       <p:bgPr>
@@ -9907,7 +10320,14 @@
         <p:cNvGrpSpPr/>
         <p:nvPr/>
       </p:nvGrpSpPr>
-      <p:grpSpPr/>
+      <p:grpSpPr>
+        <a:xfrm>
+          <a:off x="0" y="0"/>
+          <a:ext cx="0" cy="0"/>
+          <a:chOff x="0" y="0"/>
+          <a:chExt cx="0" cy="0"/>
+        </a:xfrm>
+      </p:grpSpPr>
       <p:sp>
         <p:nvSpPr>
           <p:cNvPr id="2" name="Rectangle 1"/>
@@ -9948,6 +10368,7 @@
           <a:lstStyle/>
           <a:p>
             <a:pPr algn="ctr"/>
+            <a:endParaRPr/>
           </a:p>
         </p:txBody>
       </p:sp>
@@ -10459,49 +10880,6 @@
       </p:sp>
       <p:sp>
         <p:nvSpPr>
-          <p:cNvPr id="13" name="Rectangle 12"/>
-          <p:cNvSpPr/>
-          <p:nvPr/>
-        </p:nvSpPr>
-        <p:spPr>
-          <a:xfrm>
-            <a:off x="0" y="6035040"/>
-            <a:ext cx="12191695" cy="54864"/>
-          </a:xfrm>
-          <a:prstGeom prst="rect">
-            <a:avLst/>
-          </a:prstGeom>
-          <a:solidFill>
-            <a:srgbClr val="2ECC71"/>
-          </a:solidFill>
-          <a:ln>
-            <a:noFill/>
-          </a:ln>
-        </p:spPr>
-        <p:style>
-          <a:lnRef idx="1">
-            <a:schemeClr val="accent1"/>
-          </a:lnRef>
-          <a:fillRef idx="3">
-            <a:schemeClr val="accent1"/>
-          </a:fillRef>
-          <a:effectRef idx="2">
-            <a:schemeClr val="accent1"/>
-          </a:effectRef>
-          <a:fontRef idx="minor">
-            <a:schemeClr val="lt1"/>
-          </a:fontRef>
-        </p:style>
-        <p:txBody>
-          <a:bodyPr rtlCol="0" anchor="ctr"/>
-          <a:lstStyle/>
-          <a:p>
-            <a:pPr algn="ctr"/>
-          </a:p>
-        </p:txBody>
-      </p:sp>
-      <p:sp>
-        <p:nvSpPr>
           <p:cNvPr id="14" name="TextBox 13"/>
           <p:cNvSpPr txBox="1"/>
           <p:nvPr/>
@@ -10579,7 +10957,7 @@
 </file>
 
 <file path=ppt/slides/slide2.xml><?xml version="1.0" encoding="utf-8"?>
-<p:sld xmlns:a="http://schemas.openxmlformats.org/drawingml/2006/main" xmlns:p="http://schemas.openxmlformats.org/presentationml/2006/main" xmlns:r="http://schemas.openxmlformats.org/officeDocument/2006/relationships">
+<p:sld xmlns:a="http://schemas.openxmlformats.org/drawingml/2006/main" xmlns:r="http://schemas.openxmlformats.org/officeDocument/2006/relationships" xmlns:p="http://schemas.openxmlformats.org/presentationml/2006/main">
   <p:cSld>
     <p:bg>
       <p:bgPr>
@@ -10595,7 +10973,14 @@
         <p:cNvGrpSpPr/>
         <p:nvPr/>
       </p:nvGrpSpPr>
-      <p:grpSpPr/>
+      <p:grpSpPr>
+        <a:xfrm>
+          <a:off x="0" y="0"/>
+          <a:ext cx="0" cy="0"/>
+          <a:chOff x="0" y="0"/>
+          <a:chExt cx="0" cy="0"/>
+        </a:xfrm>
+      </p:grpSpPr>
       <p:sp>
         <p:nvSpPr>
           <p:cNvPr id="2" name="Rectangle 1"/>
@@ -10636,6 +11021,7 @@
           <a:lstStyle/>
           <a:p>
             <a:pPr algn="ctr"/>
+            <a:endParaRPr/>
           </a:p>
         </p:txBody>
       </p:sp>
@@ -10679,6 +11065,7 @@
           <a:lstStyle/>
           <a:p>
             <a:pPr algn="ctr"/>
+            <a:endParaRPr/>
           </a:p>
         </p:txBody>
       </p:sp>
@@ -10757,6 +11144,7 @@
           <a:lstStyle/>
           <a:p>
             <a:pPr algn="ctr"/>
+            <a:endParaRPr/>
           </a:p>
         </p:txBody>
       </p:sp>
@@ -11492,7 +11880,7 @@
 </file>
 
 <file path=ppt/slides/slide3.xml><?xml version="1.0" encoding="utf-8"?>
-<p:sld xmlns:a="http://schemas.openxmlformats.org/drawingml/2006/main" xmlns:p="http://schemas.openxmlformats.org/presentationml/2006/main" xmlns:r="http://schemas.openxmlformats.org/officeDocument/2006/relationships">
+<p:sld xmlns:a="http://schemas.openxmlformats.org/drawingml/2006/main" xmlns:r="http://schemas.openxmlformats.org/officeDocument/2006/relationships" xmlns:p="http://schemas.openxmlformats.org/presentationml/2006/main">
   <p:cSld>
     <p:bg>
       <p:bgPr>
@@ -11508,7 +11896,14 @@
         <p:cNvGrpSpPr/>
         <p:nvPr/>
       </p:nvGrpSpPr>
-      <p:grpSpPr/>
+      <p:grpSpPr>
+        <a:xfrm>
+          <a:off x="0" y="0"/>
+          <a:ext cx="0" cy="0"/>
+          <a:chOff x="0" y="0"/>
+          <a:chExt cx="0" cy="0"/>
+        </a:xfrm>
+      </p:grpSpPr>
       <p:sp>
         <p:nvSpPr>
           <p:cNvPr id="2" name="Rectangle 1"/>
@@ -11549,6 +11944,7 @@
           <a:lstStyle/>
           <a:p>
             <a:pPr algn="ctr"/>
+            <a:endParaRPr/>
           </a:p>
         </p:txBody>
       </p:sp>
@@ -11592,6 +11988,7 @@
           <a:lstStyle/>
           <a:p>
             <a:pPr algn="ctr"/>
+            <a:endParaRPr/>
           </a:p>
         </p:txBody>
       </p:sp>
@@ -11670,6 +12067,7 @@
           <a:lstStyle/>
           <a:p>
             <a:pPr algn="ctr"/>
+            <a:endParaRPr/>
           </a:p>
         </p:txBody>
       </p:sp>
@@ -11783,15 +12181,12 @@
                 <a:spcPts val="600"/>
               </a:spcAft>
             </a:pPr>
-            <a:r>
-              <a:rPr sz="1600" b="0">
-                <a:solidFill>
-                  <a:srgbClr val="333333"/>
-                </a:solidFill>
-                <a:latin typeface="맑은 고딕"/>
-              </a:rPr>
-              <a:t/>
-            </a:r>
+            <a:endParaRPr sz="1800" b="0">
+              <a:solidFill>
+                <a:srgbClr val="333333"/>
+              </a:solidFill>
+              <a:latin typeface="맑은 고딕"/>
+            </a:endParaRPr>
           </a:p>
           <a:p>
             <a:pPr algn="l">
@@ -11863,15 +12258,12 @@
                 <a:spcPts val="600"/>
               </a:spcAft>
             </a:pPr>
-            <a:r>
-              <a:rPr sz="1600" b="0">
-                <a:solidFill>
-                  <a:srgbClr val="333333"/>
-                </a:solidFill>
-                <a:latin typeface="맑은 고딕"/>
-              </a:rPr>
-              <a:t/>
-            </a:r>
+            <a:endParaRPr sz="1800" b="0">
+              <a:solidFill>
+                <a:srgbClr val="333333"/>
+              </a:solidFill>
+              <a:latin typeface="맑은 고딕"/>
+            </a:endParaRPr>
           </a:p>
           <a:p>
             <a:pPr algn="l">
@@ -11959,7 +12351,7 @@
           </a:fontRef>
         </p:style>
         <p:txBody>
-          <a:bodyPr rtlCol="0" anchor="ctr" wrap="square"/>
+          <a:bodyPr wrap="square" rtlCol="0" anchor="ctr"/>
           <a:lstStyle/>
           <a:p>
             <a:pPr algn="ctr"/>
@@ -11984,7 +12376,7 @@
 </file>
 
 <file path=ppt/slides/slide4.xml><?xml version="1.0" encoding="utf-8"?>
-<p:sld xmlns:a="http://schemas.openxmlformats.org/drawingml/2006/main" xmlns:p="http://schemas.openxmlformats.org/presentationml/2006/main" xmlns:r="http://schemas.openxmlformats.org/officeDocument/2006/relationships">
+<p:sld xmlns:a="http://schemas.openxmlformats.org/drawingml/2006/main" xmlns:r="http://schemas.openxmlformats.org/officeDocument/2006/relationships" xmlns:p="http://schemas.openxmlformats.org/presentationml/2006/main">
   <p:cSld>
     <p:bg>
       <p:bgPr>
@@ -12000,7 +12392,14 @@
         <p:cNvGrpSpPr/>
         <p:nvPr/>
       </p:nvGrpSpPr>
-      <p:grpSpPr/>
+      <p:grpSpPr>
+        <a:xfrm>
+          <a:off x="0" y="0"/>
+          <a:ext cx="0" cy="0"/>
+          <a:chOff x="0" y="0"/>
+          <a:chExt cx="0" cy="0"/>
+        </a:xfrm>
+      </p:grpSpPr>
       <p:sp>
         <p:nvSpPr>
           <p:cNvPr id="2" name="Rectangle 1"/>
@@ -12041,6 +12440,7 @@
           <a:lstStyle/>
           <a:p>
             <a:pPr algn="ctr"/>
+            <a:endParaRPr/>
           </a:p>
         </p:txBody>
       </p:sp>
@@ -12084,6 +12484,7 @@
           <a:lstStyle/>
           <a:p>
             <a:pPr algn="ctr"/>
+            <a:endParaRPr/>
           </a:p>
         </p:txBody>
       </p:sp>
@@ -12162,6 +12563,7 @@
           <a:lstStyle/>
           <a:p>
             <a:pPr algn="ctr"/>
+            <a:endParaRPr/>
           </a:p>
         </p:txBody>
       </p:sp>
@@ -12219,10 +12621,34 @@
                 <a:tableStyleId>{5C22544A-7EE6-4342-B048-85BDC9FD1C3A}</a:tableStyleId>
               </a:tblPr>
               <a:tblGrid>
-                <a:gridCol w="2011680"/>
-                <a:gridCol w="3474720"/>
-                <a:gridCol w="2560320"/>
-                <a:gridCol w="3017520"/>
+                <a:gridCol w="2011680">
+                  <a:extLst>
+                    <a:ext uri="{9D8B030D-6E8A-4147-A177-3AD203B41FA5}">
+                      <a16:colId xmlns:a16="http://schemas.microsoft.com/office/drawing/2014/main" val="20000"/>
+                    </a:ext>
+                  </a:extLst>
+                </a:gridCol>
+                <a:gridCol w="3474720">
+                  <a:extLst>
+                    <a:ext uri="{9D8B030D-6E8A-4147-A177-3AD203B41FA5}">
+                      <a16:colId xmlns:a16="http://schemas.microsoft.com/office/drawing/2014/main" val="20001"/>
+                    </a:ext>
+                  </a:extLst>
+                </a:gridCol>
+                <a:gridCol w="2560320">
+                  <a:extLst>
+                    <a:ext uri="{9D8B030D-6E8A-4147-A177-3AD203B41FA5}">
+                      <a16:colId xmlns:a16="http://schemas.microsoft.com/office/drawing/2014/main" val="20002"/>
+                    </a:ext>
+                  </a:extLst>
+                </a:gridCol>
+                <a:gridCol w="3017520">
+                  <a:extLst>
+                    <a:ext uri="{9D8B030D-6E8A-4147-A177-3AD203B41FA5}">
+                      <a16:colId xmlns:a16="http://schemas.microsoft.com/office/drawing/2014/main" val="20003"/>
+                    </a:ext>
+                  </a:extLst>
+                </a:gridCol>
               </a:tblGrid>
               <a:tr h="533400">
                 <a:tc>
@@ -12242,7 +12668,7 @@
                       </a:r>
                     </a:p>
                   </a:txBody>
-                  <a:tcPr anchor="ctr" marL="73152" marR="73152" marT="36576" marB="36576">
+                  <a:tcPr marL="73152" marR="73152" marT="36576" marB="36576" anchor="ctr">
                     <a:solidFill>
                       <a:srgbClr val="1B3A5C"/>
                     </a:solidFill>
@@ -12265,7 +12691,7 @@
                       </a:r>
                     </a:p>
                   </a:txBody>
-                  <a:tcPr anchor="ctr" marL="73152" marR="73152" marT="36576" marB="36576">
+                  <a:tcPr marL="73152" marR="73152" marT="36576" marB="36576" anchor="ctr">
                     <a:solidFill>
                       <a:srgbClr val="1B3A5C"/>
                     </a:solidFill>
@@ -12288,7 +12714,7 @@
                       </a:r>
                     </a:p>
                   </a:txBody>
-                  <a:tcPr anchor="ctr" marL="73152" marR="73152" marT="36576" marB="36576">
+                  <a:tcPr marL="73152" marR="73152" marT="36576" marB="36576" anchor="ctr">
                     <a:solidFill>
                       <a:srgbClr val="1B3A5C"/>
                     </a:solidFill>
@@ -12311,12 +12737,17 @@
                       </a:r>
                     </a:p>
                   </a:txBody>
-                  <a:tcPr anchor="ctr" marL="73152" marR="73152" marT="36576" marB="36576">
+                  <a:tcPr marL="73152" marR="73152" marT="36576" marB="36576" anchor="ctr">
                     <a:solidFill>
                       <a:srgbClr val="1B3A5C"/>
                     </a:solidFill>
                   </a:tcPr>
                 </a:tc>
+                <a:extLst>
+                  <a:ext uri="{0D108BD9-81ED-4DB2-BD59-A6C34878D82A}">
+                    <a16:rowId xmlns:a16="http://schemas.microsoft.com/office/drawing/2014/main" val="10000"/>
+                  </a:ext>
+                </a:extLst>
               </a:tr>
               <a:tr h="533400">
                 <a:tc>
@@ -12336,7 +12767,7 @@
                       </a:r>
                     </a:p>
                   </a:txBody>
-                  <a:tcPr anchor="ctr" marL="73152" marR="73152" marT="36576" marB="36576">
+                  <a:tcPr marL="73152" marR="73152" marT="36576" marB="36576" anchor="ctr">
                     <a:solidFill>
                       <a:srgbClr val="FFFFFF"/>
                     </a:solidFill>
@@ -12359,7 +12790,7 @@
                       </a:r>
                     </a:p>
                   </a:txBody>
-                  <a:tcPr anchor="ctr" marL="73152" marR="73152" marT="36576" marB="36576">
+                  <a:tcPr marL="73152" marR="73152" marT="36576" marB="36576" anchor="ctr">
                     <a:solidFill>
                       <a:srgbClr val="FFFFFF"/>
                     </a:solidFill>
@@ -12382,7 +12813,7 @@
                       </a:r>
                     </a:p>
                   </a:txBody>
-                  <a:tcPr anchor="ctr" marL="73152" marR="73152" marT="36576" marB="36576">
+                  <a:tcPr marL="73152" marR="73152" marT="36576" marB="36576" anchor="ctr">
                     <a:solidFill>
                       <a:srgbClr val="FFFFFF"/>
                     </a:solidFill>
@@ -12405,12 +12836,17 @@
                       </a:r>
                     </a:p>
                   </a:txBody>
-                  <a:tcPr anchor="ctr" marL="73152" marR="73152" marT="36576" marB="36576">
+                  <a:tcPr marL="73152" marR="73152" marT="36576" marB="36576" anchor="ctr">
                     <a:solidFill>
                       <a:srgbClr val="FFFFFF"/>
                     </a:solidFill>
                   </a:tcPr>
                 </a:tc>
+                <a:extLst>
+                  <a:ext uri="{0D108BD9-81ED-4DB2-BD59-A6C34878D82A}">
+                    <a16:rowId xmlns:a16="http://schemas.microsoft.com/office/drawing/2014/main" val="10001"/>
+                  </a:ext>
+                </a:extLst>
               </a:tr>
               <a:tr h="533400">
                 <a:tc>
@@ -12430,7 +12866,7 @@
                       </a:r>
                     </a:p>
                   </a:txBody>
-                  <a:tcPr anchor="ctr" marL="73152" marR="73152" marT="36576" marB="36576">
+                  <a:tcPr marL="73152" marR="73152" marT="36576" marB="36576" anchor="ctr">
                     <a:solidFill>
                       <a:srgbClr val="E8F0F8"/>
                     </a:solidFill>
@@ -12453,7 +12889,7 @@
                       </a:r>
                     </a:p>
                   </a:txBody>
-                  <a:tcPr anchor="ctr" marL="73152" marR="73152" marT="36576" marB="36576">
+                  <a:tcPr marL="73152" marR="73152" marT="36576" marB="36576" anchor="ctr">
                     <a:solidFill>
                       <a:srgbClr val="E8F0F8"/>
                     </a:solidFill>
@@ -12476,7 +12912,7 @@
                       </a:r>
                     </a:p>
                   </a:txBody>
-                  <a:tcPr anchor="ctr" marL="73152" marR="73152" marT="36576" marB="36576">
+                  <a:tcPr marL="73152" marR="73152" marT="36576" marB="36576" anchor="ctr">
                     <a:solidFill>
                       <a:srgbClr val="E8F0F8"/>
                     </a:solidFill>
@@ -12499,12 +12935,17 @@
                       </a:r>
                     </a:p>
                   </a:txBody>
-                  <a:tcPr anchor="ctr" marL="73152" marR="73152" marT="36576" marB="36576">
+                  <a:tcPr marL="73152" marR="73152" marT="36576" marB="36576" anchor="ctr">
                     <a:solidFill>
                       <a:srgbClr val="E8F0F8"/>
                     </a:solidFill>
                   </a:tcPr>
                 </a:tc>
+                <a:extLst>
+                  <a:ext uri="{0D108BD9-81ED-4DB2-BD59-A6C34878D82A}">
+                    <a16:rowId xmlns:a16="http://schemas.microsoft.com/office/drawing/2014/main" val="10002"/>
+                  </a:ext>
+                </a:extLst>
               </a:tr>
               <a:tr h="533400">
                 <a:tc>
@@ -12524,7 +12965,7 @@
                       </a:r>
                     </a:p>
                   </a:txBody>
-                  <a:tcPr anchor="ctr" marL="73152" marR="73152" marT="36576" marB="36576">
+                  <a:tcPr marL="73152" marR="73152" marT="36576" marB="36576" anchor="ctr">
                     <a:solidFill>
                       <a:srgbClr val="FFFFFF"/>
                     </a:solidFill>
@@ -12547,7 +12988,7 @@
                       </a:r>
                     </a:p>
                   </a:txBody>
-                  <a:tcPr anchor="ctr" marL="73152" marR="73152" marT="36576" marB="36576">
+                  <a:tcPr marL="73152" marR="73152" marT="36576" marB="36576" anchor="ctr">
                     <a:solidFill>
                       <a:srgbClr val="FFFFFF"/>
                     </a:solidFill>
@@ -12570,7 +13011,7 @@
                       </a:r>
                     </a:p>
                   </a:txBody>
-                  <a:tcPr anchor="ctr" marL="73152" marR="73152" marT="36576" marB="36576">
+                  <a:tcPr marL="73152" marR="73152" marT="36576" marB="36576" anchor="ctr">
                     <a:solidFill>
                       <a:srgbClr val="FFFFFF"/>
                     </a:solidFill>
@@ -12593,12 +13034,17 @@
                       </a:r>
                     </a:p>
                   </a:txBody>
-                  <a:tcPr anchor="ctr" marL="73152" marR="73152" marT="36576" marB="36576">
+                  <a:tcPr marL="73152" marR="73152" marT="36576" marB="36576" anchor="ctr">
                     <a:solidFill>
                       <a:srgbClr val="FFFFFF"/>
                     </a:solidFill>
                   </a:tcPr>
                 </a:tc>
+                <a:extLst>
+                  <a:ext uri="{0D108BD9-81ED-4DB2-BD59-A6C34878D82A}">
+                    <a16:rowId xmlns:a16="http://schemas.microsoft.com/office/drawing/2014/main" val="10003"/>
+                  </a:ext>
+                </a:extLst>
               </a:tr>
               <a:tr h="533400">
                 <a:tc>
@@ -12618,7 +13064,7 @@
                       </a:r>
                     </a:p>
                   </a:txBody>
-                  <a:tcPr anchor="ctr" marL="73152" marR="73152" marT="36576" marB="36576">
+                  <a:tcPr marL="73152" marR="73152" marT="36576" marB="36576" anchor="ctr">
                     <a:solidFill>
                       <a:srgbClr val="E8F0F8"/>
                     </a:solidFill>
@@ -12641,7 +13087,7 @@
                       </a:r>
                     </a:p>
                   </a:txBody>
-                  <a:tcPr anchor="ctr" marL="73152" marR="73152" marT="36576" marB="36576">
+                  <a:tcPr marL="73152" marR="73152" marT="36576" marB="36576" anchor="ctr">
                     <a:solidFill>
                       <a:srgbClr val="E8F0F8"/>
                     </a:solidFill>
@@ -12664,7 +13110,7 @@
                       </a:r>
                     </a:p>
                   </a:txBody>
-                  <a:tcPr anchor="ctr" marL="73152" marR="73152" marT="36576" marB="36576">
+                  <a:tcPr marL="73152" marR="73152" marT="36576" marB="36576" anchor="ctr">
                     <a:solidFill>
                       <a:srgbClr val="E8F0F8"/>
                     </a:solidFill>
@@ -12687,12 +13133,17 @@
                       </a:r>
                     </a:p>
                   </a:txBody>
-                  <a:tcPr anchor="ctr" marL="73152" marR="73152" marT="36576" marB="36576">
+                  <a:tcPr marL="73152" marR="73152" marT="36576" marB="36576" anchor="ctr">
                     <a:solidFill>
                       <a:srgbClr val="E8F0F8"/>
                     </a:solidFill>
                   </a:tcPr>
                 </a:tc>
+                <a:extLst>
+                  <a:ext uri="{0D108BD9-81ED-4DB2-BD59-A6C34878D82A}">
+                    <a16:rowId xmlns:a16="http://schemas.microsoft.com/office/drawing/2014/main" val="10004"/>
+                  </a:ext>
+                </a:extLst>
               </a:tr>
               <a:tr h="533400">
                 <a:tc>
@@ -12712,7 +13163,7 @@
                       </a:r>
                     </a:p>
                   </a:txBody>
-                  <a:tcPr anchor="ctr" marL="73152" marR="73152" marT="36576" marB="36576">
+                  <a:tcPr marL="73152" marR="73152" marT="36576" marB="36576" anchor="ctr">
                     <a:solidFill>
                       <a:srgbClr val="FFFFFF"/>
                     </a:solidFill>
@@ -12735,7 +13186,7 @@
                       </a:r>
                     </a:p>
                   </a:txBody>
-                  <a:tcPr anchor="ctr" marL="73152" marR="73152" marT="36576" marB="36576">
+                  <a:tcPr marL="73152" marR="73152" marT="36576" marB="36576" anchor="ctr">
                     <a:solidFill>
                       <a:srgbClr val="FFFFFF"/>
                     </a:solidFill>
@@ -12758,7 +13209,7 @@
                       </a:r>
                     </a:p>
                   </a:txBody>
-                  <a:tcPr anchor="ctr" marL="73152" marR="73152" marT="36576" marB="36576">
+                  <a:tcPr marL="73152" marR="73152" marT="36576" marB="36576" anchor="ctr">
                     <a:solidFill>
                       <a:srgbClr val="FFFFFF"/>
                     </a:solidFill>
@@ -12781,12 +13232,17 @@
                       </a:r>
                     </a:p>
                   </a:txBody>
-                  <a:tcPr anchor="ctr" marL="73152" marR="73152" marT="36576" marB="36576">
+                  <a:tcPr marL="73152" marR="73152" marT="36576" marB="36576" anchor="ctr">
                     <a:solidFill>
                       <a:srgbClr val="FFFFFF"/>
                     </a:solidFill>
                   </a:tcPr>
                 </a:tc>
+                <a:extLst>
+                  <a:ext uri="{0D108BD9-81ED-4DB2-BD59-A6C34878D82A}">
+                    <a16:rowId xmlns:a16="http://schemas.microsoft.com/office/drawing/2014/main" val="10005"/>
+                  </a:ext>
+                </a:extLst>
               </a:tr>
             </a:tbl>
           </a:graphicData>
@@ -12856,7 +13312,7 @@
 </file>
 
 <file path=ppt/slides/slide5.xml><?xml version="1.0" encoding="utf-8"?>
-<p:sld xmlns:a="http://schemas.openxmlformats.org/drawingml/2006/main" xmlns:p="http://schemas.openxmlformats.org/presentationml/2006/main" xmlns:r="http://schemas.openxmlformats.org/officeDocument/2006/relationships">
+<p:sld xmlns:a="http://schemas.openxmlformats.org/drawingml/2006/main" xmlns:r="http://schemas.openxmlformats.org/officeDocument/2006/relationships" xmlns:p="http://schemas.openxmlformats.org/presentationml/2006/main">
   <p:cSld>
     <p:bg>
       <p:bgPr>
@@ -12872,7 +13328,14 @@
         <p:cNvGrpSpPr/>
         <p:nvPr/>
       </p:nvGrpSpPr>
-      <p:grpSpPr/>
+      <p:grpSpPr>
+        <a:xfrm>
+          <a:off x="0" y="0"/>
+          <a:ext cx="0" cy="0"/>
+          <a:chOff x="0" y="0"/>
+          <a:chExt cx="0" cy="0"/>
+        </a:xfrm>
+      </p:grpSpPr>
       <p:sp>
         <p:nvSpPr>
           <p:cNvPr id="2" name="Rectangle 1"/>
@@ -12913,6 +13376,7 @@
           <a:lstStyle/>
           <a:p>
             <a:pPr algn="ctr"/>
+            <a:endParaRPr/>
           </a:p>
         </p:txBody>
       </p:sp>
@@ -12956,6 +13420,7 @@
           <a:lstStyle/>
           <a:p>
             <a:pPr algn="ctr"/>
+            <a:endParaRPr/>
           </a:p>
         </p:txBody>
       </p:sp>
@@ -13034,6 +13499,7 @@
           <a:lstStyle/>
           <a:p>
             <a:pPr algn="ctr"/>
+            <a:endParaRPr/>
           </a:p>
         </p:txBody>
       </p:sp>
@@ -13061,7 +13527,7 @@
           <a:p>
             <a:pPr algn="r"/>
             <a:r>
-              <a:rPr sz="1200" b="0">
+              <a:rPr sz="1200" b="0" dirty="0">
                 <a:solidFill>
                   <a:srgbClr val="666666"/>
                 </a:solidFill>
@@ -13080,8 +13546,8 @@
         </p:nvSpPr>
         <p:spPr>
           <a:xfrm>
-            <a:off x="457200" y="1645920"/>
-            <a:ext cx="2560320" cy="3657600"/>
+            <a:off x="274320" y="1463040"/>
+            <a:ext cx="2743200" cy="4480560"/>
           </a:xfrm>
           <a:prstGeom prst="roundRect">
             <a:avLst/>
@@ -13112,6 +13578,7 @@
           <a:lstStyle/>
           <a:p>
             <a:pPr algn="ctr"/>
+            <a:endParaRPr/>
           </a:p>
         </p:txBody>
       </p:sp>
@@ -13123,8 +13590,8 @@
         </p:nvSpPr>
         <p:spPr>
           <a:xfrm>
-            <a:off x="548640" y="1737360"/>
-            <a:ext cx="2377440" cy="640080"/>
+            <a:off x="365760" y="1554480"/>
+            <a:ext cx="2560320" cy="731520"/>
           </a:xfrm>
           <a:prstGeom prst="rect">
             <a:avLst/>
@@ -13158,8 +13625,8 @@
         </p:nvSpPr>
         <p:spPr>
           <a:xfrm>
-            <a:off x="640080" y="2468880"/>
-            <a:ext cx="2194560" cy="2560320"/>
+            <a:off x="411480" y="2377440"/>
+            <a:ext cx="2468880" cy="3291840"/>
           </a:xfrm>
           <a:prstGeom prst="rect">
             <a:avLst/>
@@ -13174,7 +13641,7 @@
           <a:p>
             <a:pPr>
               <a:spcAft>
-                <a:spcPts val="600"/>
+                <a:spcPts val="800"/>
               </a:spcAft>
             </a:pPr>
             <a:r>
@@ -13190,7 +13657,7 @@
           <a:p>
             <a:pPr>
               <a:spcAft>
-                <a:spcPts val="600"/>
+                <a:spcPts val="800"/>
               </a:spcAft>
             </a:pPr>
             <a:r>
@@ -13206,7 +13673,7 @@
           <a:p>
             <a:pPr>
               <a:spcAft>
-                <a:spcPts val="600"/>
+                <a:spcPts val="800"/>
               </a:spcAft>
             </a:pPr>
             <a:r>
@@ -13229,7 +13696,7 @@
         </p:nvSpPr>
         <p:spPr>
           <a:xfrm>
-            <a:off x="3063240" y="3200400"/>
+            <a:off x="3035808" y="3383280"/>
             <a:ext cx="274320" cy="457200"/>
           </a:xfrm>
           <a:prstGeom prst="rect">
@@ -13264,8 +13731,8 @@
         </p:nvSpPr>
         <p:spPr>
           <a:xfrm>
-            <a:off x="3337560" y="1645920"/>
-            <a:ext cx="2560320" cy="3657600"/>
+            <a:off x="3200400" y="1463040"/>
+            <a:ext cx="2743200" cy="4480560"/>
           </a:xfrm>
           <a:prstGeom prst="roundRect">
             <a:avLst/>
@@ -13296,6 +13763,7 @@
           <a:lstStyle/>
           <a:p>
             <a:pPr algn="ctr"/>
+            <a:endParaRPr/>
           </a:p>
         </p:txBody>
       </p:sp>
@@ -13307,8 +13775,8 @@
         </p:nvSpPr>
         <p:spPr>
           <a:xfrm>
-            <a:off x="3429000" y="1737360"/>
-            <a:ext cx="2377440" cy="640080"/>
+            <a:off x="3291840" y="1554480"/>
+            <a:ext cx="2560320" cy="731520"/>
           </a:xfrm>
           <a:prstGeom prst="rect">
             <a:avLst/>
@@ -13342,8 +13810,8 @@
         </p:nvSpPr>
         <p:spPr>
           <a:xfrm>
-            <a:off x="3520440" y="2468880"/>
-            <a:ext cx="2194560" cy="2560320"/>
+            <a:off x="3337560" y="2377440"/>
+            <a:ext cx="2468880" cy="3291840"/>
           </a:xfrm>
           <a:prstGeom prst="rect">
             <a:avLst/>
@@ -13358,7 +13826,7 @@
           <a:p>
             <a:pPr>
               <a:spcAft>
-                <a:spcPts val="600"/>
+                <a:spcPts val="800"/>
               </a:spcAft>
             </a:pPr>
             <a:r>
@@ -13374,7 +13842,7 @@
           <a:p>
             <a:pPr>
               <a:spcAft>
-                <a:spcPts val="600"/>
+                <a:spcPts val="800"/>
               </a:spcAft>
             </a:pPr>
             <a:r>
@@ -13390,7 +13858,7 @@
           <a:p>
             <a:pPr>
               <a:spcAft>
-                <a:spcPts val="600"/>
+                <a:spcPts val="800"/>
               </a:spcAft>
             </a:pPr>
             <a:r>
@@ -13406,7 +13874,7 @@
           <a:p>
             <a:pPr>
               <a:spcAft>
-                <a:spcPts val="600"/>
+                <a:spcPts val="800"/>
               </a:spcAft>
             </a:pPr>
             <a:r>
@@ -13429,7 +13897,7 @@
         </p:nvSpPr>
         <p:spPr>
           <a:xfrm>
-            <a:off x="5943600" y="3200400"/>
+            <a:off x="5961888" y="3383280"/>
             <a:ext cx="274320" cy="457200"/>
           </a:xfrm>
           <a:prstGeom prst="rect">
@@ -13464,8 +13932,8 @@
         </p:nvSpPr>
         <p:spPr>
           <a:xfrm>
-            <a:off x="6217920" y="1645920"/>
-            <a:ext cx="2560320" cy="3657600"/>
+            <a:off x="6126480" y="1463040"/>
+            <a:ext cx="2743200" cy="4480560"/>
           </a:xfrm>
           <a:prstGeom prst="roundRect">
             <a:avLst/>
@@ -13496,6 +13964,7 @@
           <a:lstStyle/>
           <a:p>
             <a:pPr algn="ctr"/>
+            <a:endParaRPr/>
           </a:p>
         </p:txBody>
       </p:sp>
@@ -13507,8 +13976,8 @@
         </p:nvSpPr>
         <p:spPr>
           <a:xfrm>
-            <a:off x="6309360" y="1737360"/>
-            <a:ext cx="2377440" cy="640080"/>
+            <a:off x="6217920" y="1554480"/>
+            <a:ext cx="2560320" cy="731520"/>
           </a:xfrm>
           <a:prstGeom prst="rect">
             <a:avLst/>
@@ -13542,8 +14011,8 @@
         </p:nvSpPr>
         <p:spPr>
           <a:xfrm>
-            <a:off x="6400800" y="2468880"/>
-            <a:ext cx="2194560" cy="2560320"/>
+            <a:off x="6263640" y="2377440"/>
+            <a:ext cx="2468880" cy="3291840"/>
           </a:xfrm>
           <a:prstGeom prst="rect">
             <a:avLst/>
@@ -13558,7 +14027,7 @@
           <a:p>
             <a:pPr>
               <a:spcAft>
-                <a:spcPts val="600"/>
+                <a:spcPts val="800"/>
               </a:spcAft>
             </a:pPr>
             <a:r>
@@ -13574,7 +14043,7 @@
           <a:p>
             <a:pPr>
               <a:spcAft>
-                <a:spcPts val="600"/>
+                <a:spcPts val="800"/>
               </a:spcAft>
             </a:pPr>
             <a:r>
@@ -13590,7 +14059,7 @@
           <a:p>
             <a:pPr>
               <a:spcAft>
-                <a:spcPts val="600"/>
+                <a:spcPts val="800"/>
               </a:spcAft>
             </a:pPr>
             <a:r>
@@ -13613,7 +14082,7 @@
         </p:nvSpPr>
         <p:spPr>
           <a:xfrm>
-            <a:off x="8823960" y="3200400"/>
+            <a:off x="8887968" y="3383280"/>
             <a:ext cx="274320" cy="457200"/>
           </a:xfrm>
           <a:prstGeom prst="rect">
@@ -13648,8 +14117,8 @@
         </p:nvSpPr>
         <p:spPr>
           <a:xfrm>
-            <a:off x="9098280" y="1645920"/>
-            <a:ext cx="2560320" cy="3657600"/>
+            <a:off x="9052560" y="1463040"/>
+            <a:ext cx="2743200" cy="4480560"/>
           </a:xfrm>
           <a:prstGeom prst="roundRect">
             <a:avLst/>
@@ -13680,6 +14149,7 @@
           <a:lstStyle/>
           <a:p>
             <a:pPr algn="ctr"/>
+            <a:endParaRPr/>
           </a:p>
         </p:txBody>
       </p:sp>
@@ -13691,8 +14161,8 @@
         </p:nvSpPr>
         <p:spPr>
           <a:xfrm>
-            <a:off x="9189720" y="1737360"/>
-            <a:ext cx="2377440" cy="640080"/>
+            <a:off x="9144000" y="1554480"/>
+            <a:ext cx="2560320" cy="731520"/>
           </a:xfrm>
           <a:prstGeom prst="rect">
             <a:avLst/>
@@ -13726,8 +14196,8 @@
         </p:nvSpPr>
         <p:spPr>
           <a:xfrm>
-            <a:off x="9281160" y="2468880"/>
-            <a:ext cx="2194560" cy="2560320"/>
+            <a:off x="9189720" y="2377440"/>
+            <a:ext cx="2468880" cy="3291840"/>
           </a:xfrm>
           <a:prstGeom prst="rect">
             <a:avLst/>
@@ -13742,7 +14212,7 @@
           <a:p>
             <a:pPr>
               <a:spcAft>
-                <a:spcPts val="600"/>
+                <a:spcPts val="800"/>
               </a:spcAft>
             </a:pPr>
             <a:r>
@@ -13758,7 +14228,7 @@
           <a:p>
             <a:pPr>
               <a:spcAft>
-                <a:spcPts val="600"/>
+                <a:spcPts val="800"/>
               </a:spcAft>
             </a:pPr>
             <a:r>
@@ -13774,7 +14244,7 @@
           <a:p>
             <a:pPr>
               <a:spcAft>
-                <a:spcPts val="600"/>
+                <a:spcPts val="800"/>
               </a:spcAft>
             </a:pPr>
             <a:r>
@@ -13790,7 +14260,7 @@
           <a:p>
             <a:pPr>
               <a:spcAft>
-                <a:spcPts val="600"/>
+                <a:spcPts val="800"/>
               </a:spcAft>
             </a:pPr>
             <a:r>
@@ -13813,8 +14283,8 @@
         </p:nvSpPr>
         <p:spPr>
           <a:xfrm>
-            <a:off x="731520" y="5486400"/>
-            <a:ext cx="10698480" cy="731520"/>
+            <a:off x="731520" y="6126480"/>
+            <a:ext cx="10698480" cy="548640"/>
           </a:xfrm>
           <a:prstGeom prst="rect">
             <a:avLst/>
@@ -13833,7 +14303,7 @@
               </a:spcAft>
             </a:pPr>
             <a:r>
-              <a:rPr sz="1600" b="0">
+              <a:rPr sz="1500" b="0">
                 <a:solidFill>
                   <a:srgbClr val="666666"/>
                 </a:solidFill>
@@ -13849,7 +14319,7 @@
               </a:spcAft>
             </a:pPr>
             <a:r>
-              <a:rPr sz="1600" b="0">
+              <a:rPr sz="1500" b="0">
                 <a:solidFill>
                   <a:srgbClr val="666666"/>
                 </a:solidFill>
@@ -13869,7 +14339,7 @@
 </file>
 
 <file path=ppt/slides/slide6.xml><?xml version="1.0" encoding="utf-8"?>
-<p:sld xmlns:a="http://schemas.openxmlformats.org/drawingml/2006/main" xmlns:p="http://schemas.openxmlformats.org/presentationml/2006/main" xmlns:r="http://schemas.openxmlformats.org/officeDocument/2006/relationships">
+<p:sld xmlns:a="http://schemas.openxmlformats.org/drawingml/2006/main" xmlns:r="http://schemas.openxmlformats.org/officeDocument/2006/relationships" xmlns:p="http://schemas.openxmlformats.org/presentationml/2006/main">
   <p:cSld>
     <p:bg>
       <p:bgPr>
@@ -13885,7 +14355,14 @@
         <p:cNvGrpSpPr/>
         <p:nvPr/>
       </p:nvGrpSpPr>
-      <p:grpSpPr/>
+      <p:grpSpPr>
+        <a:xfrm>
+          <a:off x="0" y="0"/>
+          <a:ext cx="0" cy="0"/>
+          <a:chOff x="0" y="0"/>
+          <a:chExt cx="0" cy="0"/>
+        </a:xfrm>
+      </p:grpSpPr>
       <p:sp>
         <p:nvSpPr>
           <p:cNvPr id="2" name="Rectangle 1"/>
@@ -13926,6 +14403,7 @@
           <a:lstStyle/>
           <a:p>
             <a:pPr algn="ctr"/>
+            <a:endParaRPr/>
           </a:p>
         </p:txBody>
       </p:sp>
@@ -13969,6 +14447,7 @@
           <a:lstStyle/>
           <a:p>
             <a:pPr algn="ctr"/>
+            <a:endParaRPr/>
           </a:p>
         </p:txBody>
       </p:sp>
@@ -14047,6 +14526,7 @@
           <a:lstStyle/>
           <a:p>
             <a:pPr algn="ctr"/>
+            <a:endParaRPr/>
           </a:p>
         </p:txBody>
       </p:sp>
@@ -14104,10 +14584,34 @@
                 <a:tableStyleId>{5C22544A-7EE6-4342-B048-85BDC9FD1C3A}</a:tableStyleId>
               </a:tblPr>
               <a:tblGrid>
-                <a:gridCol w="1645920"/>
-                <a:gridCol w="3200400"/>
-                <a:gridCol w="3200400"/>
-                <a:gridCol w="3200400"/>
+                <a:gridCol w="1645920">
+                  <a:extLst>
+                    <a:ext uri="{9D8B030D-6E8A-4147-A177-3AD203B41FA5}">
+                      <a16:colId xmlns:a16="http://schemas.microsoft.com/office/drawing/2014/main" val="20000"/>
+                    </a:ext>
+                  </a:extLst>
+                </a:gridCol>
+                <a:gridCol w="3200400">
+                  <a:extLst>
+                    <a:ext uri="{9D8B030D-6E8A-4147-A177-3AD203B41FA5}">
+                      <a16:colId xmlns:a16="http://schemas.microsoft.com/office/drawing/2014/main" val="20001"/>
+                    </a:ext>
+                  </a:extLst>
+                </a:gridCol>
+                <a:gridCol w="3200400">
+                  <a:extLst>
+                    <a:ext uri="{9D8B030D-6E8A-4147-A177-3AD203B41FA5}">
+                      <a16:colId xmlns:a16="http://schemas.microsoft.com/office/drawing/2014/main" val="20002"/>
+                    </a:ext>
+                  </a:extLst>
+                </a:gridCol>
+                <a:gridCol w="3200400">
+                  <a:extLst>
+                    <a:ext uri="{9D8B030D-6E8A-4147-A177-3AD203B41FA5}">
+                      <a16:colId xmlns:a16="http://schemas.microsoft.com/office/drawing/2014/main" val="20003"/>
+                    </a:ext>
+                  </a:extLst>
+                </a:gridCol>
               </a:tblGrid>
               <a:tr h="640080">
                 <a:tc>
@@ -14127,7 +14631,7 @@
                       </a:r>
                     </a:p>
                   </a:txBody>
-                  <a:tcPr anchor="ctr" marL="73152" marR="73152" marT="36576" marB="36576">
+                  <a:tcPr marL="73152" marR="73152" marT="36576" marB="36576" anchor="ctr">
                     <a:solidFill>
                       <a:srgbClr val="1B3A5C"/>
                     </a:solidFill>
@@ -14150,7 +14654,7 @@
                       </a:r>
                     </a:p>
                   </a:txBody>
-                  <a:tcPr anchor="ctr" marL="73152" marR="73152" marT="36576" marB="36576">
+                  <a:tcPr marL="73152" marR="73152" marT="36576" marB="36576" anchor="ctr">
                     <a:solidFill>
                       <a:srgbClr val="1B3A5C"/>
                     </a:solidFill>
@@ -14173,7 +14677,7 @@
                       </a:r>
                     </a:p>
                   </a:txBody>
-                  <a:tcPr anchor="ctr" marL="73152" marR="73152" marT="36576" marB="36576">
+                  <a:tcPr marL="73152" marR="73152" marT="36576" marB="36576" anchor="ctr">
                     <a:solidFill>
                       <a:srgbClr val="1B3A5C"/>
                     </a:solidFill>
@@ -14196,12 +14700,17 @@
                       </a:r>
                     </a:p>
                   </a:txBody>
-                  <a:tcPr anchor="ctr" marL="73152" marR="73152" marT="36576" marB="36576">
+                  <a:tcPr marL="73152" marR="73152" marT="36576" marB="36576" anchor="ctr">
                     <a:solidFill>
                       <a:srgbClr val="1B3A5C"/>
                     </a:solidFill>
                   </a:tcPr>
                 </a:tc>
+                <a:extLst>
+                  <a:ext uri="{0D108BD9-81ED-4DB2-BD59-A6C34878D82A}">
+                    <a16:rowId xmlns:a16="http://schemas.microsoft.com/office/drawing/2014/main" val="10000"/>
+                  </a:ext>
+                </a:extLst>
               </a:tr>
               <a:tr h="640080">
                 <a:tc>
@@ -14221,7 +14730,7 @@
                       </a:r>
                     </a:p>
                   </a:txBody>
-                  <a:tcPr anchor="ctr" marL="73152" marR="73152" marT="36576" marB="36576">
+                  <a:tcPr marL="73152" marR="73152" marT="36576" marB="36576" anchor="ctr">
                     <a:solidFill>
                       <a:srgbClr val="FFFFFF"/>
                     </a:solidFill>
@@ -14244,7 +14753,7 @@
                       </a:r>
                     </a:p>
                   </a:txBody>
-                  <a:tcPr anchor="ctr" marL="73152" marR="73152" marT="36576" marB="36576">
+                  <a:tcPr marL="73152" marR="73152" marT="36576" marB="36576" anchor="ctr">
                     <a:solidFill>
                       <a:srgbClr val="FFFFFF"/>
                     </a:solidFill>
@@ -14267,7 +14776,7 @@
                       </a:r>
                     </a:p>
                   </a:txBody>
-                  <a:tcPr anchor="ctr" marL="73152" marR="73152" marT="36576" marB="36576">
+                  <a:tcPr marL="73152" marR="73152" marT="36576" marB="36576" anchor="ctr">
                     <a:solidFill>
                       <a:srgbClr val="FFFFFF"/>
                     </a:solidFill>
@@ -14290,12 +14799,17 @@
                       </a:r>
                     </a:p>
                   </a:txBody>
-                  <a:tcPr anchor="ctr" marL="73152" marR="73152" marT="36576" marB="36576">
+                  <a:tcPr marL="73152" marR="73152" marT="36576" marB="36576" anchor="ctr">
                     <a:solidFill>
                       <a:srgbClr val="FFFFFF"/>
                     </a:solidFill>
                   </a:tcPr>
                 </a:tc>
+                <a:extLst>
+                  <a:ext uri="{0D108BD9-81ED-4DB2-BD59-A6C34878D82A}">
+                    <a16:rowId xmlns:a16="http://schemas.microsoft.com/office/drawing/2014/main" val="10001"/>
+                  </a:ext>
+                </a:extLst>
               </a:tr>
               <a:tr h="640080">
                 <a:tc>
@@ -14315,7 +14829,7 @@
                       </a:r>
                     </a:p>
                   </a:txBody>
-                  <a:tcPr anchor="ctr" marL="73152" marR="73152" marT="36576" marB="36576">
+                  <a:tcPr marL="73152" marR="73152" marT="36576" marB="36576" anchor="ctr">
                     <a:solidFill>
                       <a:srgbClr val="E8F0F8"/>
                     </a:solidFill>
@@ -14338,7 +14852,7 @@
                       </a:r>
                     </a:p>
                   </a:txBody>
-                  <a:tcPr anchor="ctr" marL="73152" marR="73152" marT="36576" marB="36576">
+                  <a:tcPr marL="73152" marR="73152" marT="36576" marB="36576" anchor="ctr">
                     <a:solidFill>
                       <a:srgbClr val="E8F0F8"/>
                     </a:solidFill>
@@ -14361,7 +14875,7 @@
                       </a:r>
                     </a:p>
                   </a:txBody>
-                  <a:tcPr anchor="ctr" marL="73152" marR="73152" marT="36576" marB="36576">
+                  <a:tcPr marL="73152" marR="73152" marT="36576" marB="36576" anchor="ctr">
                     <a:solidFill>
                       <a:srgbClr val="E8F0F8"/>
                     </a:solidFill>
@@ -14384,12 +14898,17 @@
                       </a:r>
                     </a:p>
                   </a:txBody>
-                  <a:tcPr anchor="ctr" marL="73152" marR="73152" marT="36576" marB="36576">
+                  <a:tcPr marL="73152" marR="73152" marT="36576" marB="36576" anchor="ctr">
                     <a:solidFill>
                       <a:srgbClr val="E8F0F8"/>
                     </a:solidFill>
                   </a:tcPr>
                 </a:tc>
+                <a:extLst>
+                  <a:ext uri="{0D108BD9-81ED-4DB2-BD59-A6C34878D82A}">
+                    <a16:rowId xmlns:a16="http://schemas.microsoft.com/office/drawing/2014/main" val="10002"/>
+                  </a:ext>
+                </a:extLst>
               </a:tr>
               <a:tr h="640080">
                 <a:tc>
@@ -14409,7 +14928,7 @@
                       </a:r>
                     </a:p>
                   </a:txBody>
-                  <a:tcPr anchor="ctr" marL="73152" marR="73152" marT="36576" marB="36576">
+                  <a:tcPr marL="73152" marR="73152" marT="36576" marB="36576" anchor="ctr">
                     <a:solidFill>
                       <a:srgbClr val="FFFFFF"/>
                     </a:solidFill>
@@ -14433,7 +14952,7 @@
                       </a:r>
                     </a:p>
                   </a:txBody>
-                  <a:tcPr anchor="ctr" marL="73152" marR="73152" marT="36576" marB="36576">
+                  <a:tcPr marL="73152" marR="73152" marT="36576" marB="36576" anchor="ctr">
                     <a:solidFill>
                       <a:srgbClr val="FFFFFF"/>
                     </a:solidFill>
@@ -14457,7 +14976,7 @@
                       </a:r>
                     </a:p>
                   </a:txBody>
-                  <a:tcPr anchor="ctr" marL="73152" marR="73152" marT="36576" marB="36576">
+                  <a:tcPr marL="73152" marR="73152" marT="36576" marB="36576" anchor="ctr">
                     <a:solidFill>
                       <a:srgbClr val="FFFFFF"/>
                     </a:solidFill>
@@ -14481,12 +15000,17 @@
                       </a:r>
                     </a:p>
                   </a:txBody>
-                  <a:tcPr anchor="ctr" marL="73152" marR="73152" marT="36576" marB="36576">
+                  <a:tcPr marL="73152" marR="73152" marT="36576" marB="36576" anchor="ctr">
                     <a:solidFill>
                       <a:srgbClr val="FFFFFF"/>
                     </a:solidFill>
                   </a:tcPr>
                 </a:tc>
+                <a:extLst>
+                  <a:ext uri="{0D108BD9-81ED-4DB2-BD59-A6C34878D82A}">
+                    <a16:rowId xmlns:a16="http://schemas.microsoft.com/office/drawing/2014/main" val="10003"/>
+                  </a:ext>
+                </a:extLst>
               </a:tr>
               <a:tr h="640080">
                 <a:tc>
@@ -14506,7 +15030,7 @@
                       </a:r>
                     </a:p>
                   </a:txBody>
-                  <a:tcPr anchor="ctr" marL="73152" marR="73152" marT="36576" marB="36576">
+                  <a:tcPr marL="73152" marR="73152" marT="36576" marB="36576" anchor="ctr">
                     <a:solidFill>
                       <a:srgbClr val="E8F0F8"/>
                     </a:solidFill>
@@ -14529,7 +15053,7 @@
                       </a:r>
                     </a:p>
                   </a:txBody>
-                  <a:tcPr anchor="ctr" marL="73152" marR="73152" marT="36576" marB="36576">
+                  <a:tcPr marL="73152" marR="73152" marT="36576" marB="36576" anchor="ctr">
                     <a:solidFill>
                       <a:srgbClr val="E8F0F8"/>
                     </a:solidFill>
@@ -14552,7 +15076,7 @@
                       </a:r>
                     </a:p>
                   </a:txBody>
-                  <a:tcPr anchor="ctr" marL="73152" marR="73152" marT="36576" marB="36576">
+                  <a:tcPr marL="73152" marR="73152" marT="36576" marB="36576" anchor="ctr">
                     <a:solidFill>
                       <a:srgbClr val="E8F0F8"/>
                     </a:solidFill>
@@ -14575,12 +15099,17 @@
                       </a:r>
                     </a:p>
                   </a:txBody>
-                  <a:tcPr anchor="ctr" marL="73152" marR="73152" marT="36576" marB="36576">
+                  <a:tcPr marL="73152" marR="73152" marT="36576" marB="36576" anchor="ctr">
                     <a:solidFill>
                       <a:srgbClr val="E8F0F8"/>
                     </a:solidFill>
                   </a:tcPr>
                 </a:tc>
+                <a:extLst>
+                  <a:ext uri="{0D108BD9-81ED-4DB2-BD59-A6C34878D82A}">
+                    <a16:rowId xmlns:a16="http://schemas.microsoft.com/office/drawing/2014/main" val="10004"/>
+                  </a:ext>
+                </a:extLst>
               </a:tr>
               <a:tr h="640080">
                 <a:tc>
@@ -14600,7 +15129,7 @@
                       </a:r>
                     </a:p>
                   </a:txBody>
-                  <a:tcPr anchor="ctr" marL="73152" marR="73152" marT="36576" marB="36576">
+                  <a:tcPr marL="73152" marR="73152" marT="36576" marB="36576" anchor="ctr">
                     <a:solidFill>
                       <a:srgbClr val="FFFFFF"/>
                     </a:solidFill>
@@ -14623,7 +15152,7 @@
                       </a:r>
                     </a:p>
                   </a:txBody>
-                  <a:tcPr anchor="ctr" marL="73152" marR="73152" marT="36576" marB="36576">
+                  <a:tcPr marL="73152" marR="73152" marT="36576" marB="36576" anchor="ctr">
                     <a:solidFill>
                       <a:srgbClr val="FFFFFF"/>
                     </a:solidFill>
@@ -14646,7 +15175,7 @@
                       </a:r>
                     </a:p>
                   </a:txBody>
-                  <a:tcPr anchor="ctr" marL="73152" marR="73152" marT="36576" marB="36576">
+                  <a:tcPr marL="73152" marR="73152" marT="36576" marB="36576" anchor="ctr">
                     <a:solidFill>
                       <a:srgbClr val="FFFFFF"/>
                     </a:solidFill>
@@ -14670,12 +15199,17 @@
                       </a:r>
                     </a:p>
                   </a:txBody>
-                  <a:tcPr anchor="ctr" marL="73152" marR="73152" marT="36576" marB="36576">
+                  <a:tcPr marL="73152" marR="73152" marT="36576" marB="36576" anchor="ctr">
                     <a:solidFill>
                       <a:srgbClr val="FFFFFF"/>
                     </a:solidFill>
                   </a:tcPr>
                 </a:tc>
+                <a:extLst>
+                  <a:ext uri="{0D108BD9-81ED-4DB2-BD59-A6C34878D82A}">
+                    <a16:rowId xmlns:a16="http://schemas.microsoft.com/office/drawing/2014/main" val="10005"/>
+                  </a:ext>
+                </a:extLst>
               </a:tr>
             </a:tbl>
           </a:graphicData>
@@ -14745,7 +15279,7 @@
 </file>
 
 <file path=ppt/slides/slide7.xml><?xml version="1.0" encoding="utf-8"?>
-<p:sld xmlns:a="http://schemas.openxmlformats.org/drawingml/2006/main" xmlns:p="http://schemas.openxmlformats.org/presentationml/2006/main" xmlns:r="http://schemas.openxmlformats.org/officeDocument/2006/relationships">
+<p:sld xmlns:a="http://schemas.openxmlformats.org/drawingml/2006/main" xmlns:r="http://schemas.openxmlformats.org/officeDocument/2006/relationships" xmlns:p="http://schemas.openxmlformats.org/presentationml/2006/main">
   <p:cSld>
     <p:bg>
       <p:bgPr>
@@ -14761,7 +15295,14 @@
         <p:cNvGrpSpPr/>
         <p:nvPr/>
       </p:nvGrpSpPr>
-      <p:grpSpPr/>
+      <p:grpSpPr>
+        <a:xfrm>
+          <a:off x="0" y="0"/>
+          <a:ext cx="0" cy="0"/>
+          <a:chOff x="0" y="0"/>
+          <a:chExt cx="0" cy="0"/>
+        </a:xfrm>
+      </p:grpSpPr>
       <p:sp>
         <p:nvSpPr>
           <p:cNvPr id="2" name="Rectangle 1"/>
@@ -14802,6 +15343,7 @@
           <a:lstStyle/>
           <a:p>
             <a:pPr algn="ctr"/>
+            <a:endParaRPr/>
           </a:p>
         </p:txBody>
       </p:sp>
@@ -14845,6 +15387,7 @@
           <a:lstStyle/>
           <a:p>
             <a:pPr algn="ctr"/>
+            <a:endParaRPr/>
           </a:p>
         </p:txBody>
       </p:sp>
@@ -14923,6 +15466,7 @@
           <a:lstStyle/>
           <a:p>
             <a:pPr algn="ctr"/>
+            <a:endParaRPr/>
           </a:p>
         </p:txBody>
       </p:sp>
@@ -14980,10 +15524,34 @@
                 <a:tableStyleId>{5C22544A-7EE6-4342-B048-85BDC9FD1C3A}</a:tableStyleId>
               </a:tblPr>
               <a:tblGrid>
-                <a:gridCol w="1828800"/>
-                <a:gridCol w="2560320"/>
-                <a:gridCol w="3657600"/>
-                <a:gridCol w="3383280"/>
+                <a:gridCol w="1828800">
+                  <a:extLst>
+                    <a:ext uri="{9D8B030D-6E8A-4147-A177-3AD203B41FA5}">
+                      <a16:colId xmlns:a16="http://schemas.microsoft.com/office/drawing/2014/main" val="20000"/>
+                    </a:ext>
+                  </a:extLst>
+                </a:gridCol>
+                <a:gridCol w="2560320">
+                  <a:extLst>
+                    <a:ext uri="{9D8B030D-6E8A-4147-A177-3AD203B41FA5}">
+                      <a16:colId xmlns:a16="http://schemas.microsoft.com/office/drawing/2014/main" val="20001"/>
+                    </a:ext>
+                  </a:extLst>
+                </a:gridCol>
+                <a:gridCol w="3657600">
+                  <a:extLst>
+                    <a:ext uri="{9D8B030D-6E8A-4147-A177-3AD203B41FA5}">
+                      <a16:colId xmlns:a16="http://schemas.microsoft.com/office/drawing/2014/main" val="20002"/>
+                    </a:ext>
+                  </a:extLst>
+                </a:gridCol>
+                <a:gridCol w="3383280">
+                  <a:extLst>
+                    <a:ext uri="{9D8B030D-6E8A-4147-A177-3AD203B41FA5}">
+                      <a16:colId xmlns:a16="http://schemas.microsoft.com/office/drawing/2014/main" val="20003"/>
+                    </a:ext>
+                  </a:extLst>
+                </a:gridCol>
               </a:tblGrid>
               <a:tr h="685800">
                 <a:tc>
@@ -15003,7 +15571,7 @@
                       </a:r>
                     </a:p>
                   </a:txBody>
-                  <a:tcPr anchor="ctr" marL="73152" marR="73152" marT="36576" marB="36576">
+                  <a:tcPr marL="73152" marR="73152" marT="36576" marB="36576" anchor="ctr">
                     <a:solidFill>
                       <a:srgbClr val="1B3A5C"/>
                     </a:solidFill>
@@ -15026,7 +15594,7 @@
                       </a:r>
                     </a:p>
                   </a:txBody>
-                  <a:tcPr anchor="ctr" marL="73152" marR="73152" marT="36576" marB="36576">
+                  <a:tcPr marL="73152" marR="73152" marT="36576" marB="36576" anchor="ctr">
                     <a:solidFill>
                       <a:srgbClr val="1B3A5C"/>
                     </a:solidFill>
@@ -15049,7 +15617,7 @@
                       </a:r>
                     </a:p>
                   </a:txBody>
-                  <a:tcPr anchor="ctr" marL="73152" marR="73152" marT="36576" marB="36576">
+                  <a:tcPr marL="73152" marR="73152" marT="36576" marB="36576" anchor="ctr">
                     <a:solidFill>
                       <a:srgbClr val="1B3A5C"/>
                     </a:solidFill>
@@ -15072,12 +15640,17 @@
                       </a:r>
                     </a:p>
                   </a:txBody>
-                  <a:tcPr anchor="ctr" marL="73152" marR="73152" marT="36576" marB="36576">
+                  <a:tcPr marL="73152" marR="73152" marT="36576" marB="36576" anchor="ctr">
                     <a:solidFill>
                       <a:srgbClr val="1B3A5C"/>
                     </a:solidFill>
                   </a:tcPr>
                 </a:tc>
+                <a:extLst>
+                  <a:ext uri="{0D108BD9-81ED-4DB2-BD59-A6C34878D82A}">
+                    <a16:rowId xmlns:a16="http://schemas.microsoft.com/office/drawing/2014/main" val="10000"/>
+                  </a:ext>
+                </a:extLst>
               </a:tr>
               <a:tr h="685800">
                 <a:tc>
@@ -15098,7 +15671,7 @@
                       </a:r>
                     </a:p>
                   </a:txBody>
-                  <a:tcPr anchor="ctr" marL="73152" marR="73152" marT="36576" marB="36576">
+                  <a:tcPr marL="73152" marR="73152" marT="36576" marB="36576" anchor="ctr">
                     <a:solidFill>
                       <a:srgbClr val="FFFFFF"/>
                     </a:solidFill>
@@ -15121,7 +15694,7 @@
                       </a:r>
                     </a:p>
                   </a:txBody>
-                  <a:tcPr anchor="ctr" marL="73152" marR="73152" marT="36576" marB="36576">
+                  <a:tcPr marL="73152" marR="73152" marT="36576" marB="36576" anchor="ctr">
                     <a:solidFill>
                       <a:srgbClr val="FFFFFF"/>
                     </a:solidFill>
@@ -15144,7 +15717,7 @@
                       </a:r>
                     </a:p>
                   </a:txBody>
-                  <a:tcPr anchor="ctr" marL="73152" marR="73152" marT="36576" marB="36576">
+                  <a:tcPr marL="73152" marR="73152" marT="36576" marB="36576" anchor="ctr">
                     <a:solidFill>
                       <a:srgbClr val="FFFFFF"/>
                     </a:solidFill>
@@ -15167,12 +15740,17 @@
                       </a:r>
                     </a:p>
                   </a:txBody>
-                  <a:tcPr anchor="ctr" marL="73152" marR="73152" marT="36576" marB="36576">
+                  <a:tcPr marL="73152" marR="73152" marT="36576" marB="36576" anchor="ctr">
                     <a:solidFill>
                       <a:srgbClr val="FFFFFF"/>
                     </a:solidFill>
                   </a:tcPr>
                 </a:tc>
+                <a:extLst>
+                  <a:ext uri="{0D108BD9-81ED-4DB2-BD59-A6C34878D82A}">
+                    <a16:rowId xmlns:a16="http://schemas.microsoft.com/office/drawing/2014/main" val="10001"/>
+                  </a:ext>
+                </a:extLst>
               </a:tr>
               <a:tr h="685800">
                 <a:tc>
@@ -15193,7 +15771,7 @@
                       </a:r>
                     </a:p>
                   </a:txBody>
-                  <a:tcPr anchor="ctr" marL="73152" marR="73152" marT="36576" marB="36576">
+                  <a:tcPr marL="73152" marR="73152" marT="36576" marB="36576" anchor="ctr">
                     <a:solidFill>
                       <a:srgbClr val="E8F0F8"/>
                     </a:solidFill>
@@ -15216,7 +15794,7 @@
                       </a:r>
                     </a:p>
                   </a:txBody>
-                  <a:tcPr anchor="ctr" marL="73152" marR="73152" marT="36576" marB="36576">
+                  <a:tcPr marL="73152" marR="73152" marT="36576" marB="36576" anchor="ctr">
                     <a:solidFill>
                       <a:srgbClr val="E8F0F8"/>
                     </a:solidFill>
@@ -15240,7 +15818,7 @@
                       </a:r>
                     </a:p>
                   </a:txBody>
-                  <a:tcPr anchor="ctr" marL="73152" marR="73152" marT="36576" marB="36576">
+                  <a:tcPr marL="73152" marR="73152" marT="36576" marB="36576" anchor="ctr">
                     <a:solidFill>
                       <a:srgbClr val="E8F0F8"/>
                     </a:solidFill>
@@ -15263,12 +15841,17 @@
                       </a:r>
                     </a:p>
                   </a:txBody>
-                  <a:tcPr anchor="ctr" marL="73152" marR="73152" marT="36576" marB="36576">
+                  <a:tcPr marL="73152" marR="73152" marT="36576" marB="36576" anchor="ctr">
                     <a:solidFill>
                       <a:srgbClr val="E8F0F8"/>
                     </a:solidFill>
                   </a:tcPr>
                 </a:tc>
+                <a:extLst>
+                  <a:ext uri="{0D108BD9-81ED-4DB2-BD59-A6C34878D82A}">
+                    <a16:rowId xmlns:a16="http://schemas.microsoft.com/office/drawing/2014/main" val="10002"/>
+                  </a:ext>
+                </a:extLst>
               </a:tr>
               <a:tr h="685800">
                 <a:tc>
@@ -15289,7 +15872,7 @@
                       </a:r>
                     </a:p>
                   </a:txBody>
-                  <a:tcPr anchor="ctr" marL="73152" marR="73152" marT="36576" marB="36576">
+                  <a:tcPr marL="73152" marR="73152" marT="36576" marB="36576" anchor="ctr">
                     <a:solidFill>
                       <a:srgbClr val="FFFFFF"/>
                     </a:solidFill>
@@ -15313,7 +15896,7 @@
                       </a:r>
                     </a:p>
                   </a:txBody>
-                  <a:tcPr anchor="ctr" marL="73152" marR="73152" marT="36576" marB="36576">
+                  <a:tcPr marL="73152" marR="73152" marT="36576" marB="36576" anchor="ctr">
                     <a:solidFill>
                       <a:srgbClr val="FFFFFF"/>
                     </a:solidFill>
@@ -15337,7 +15920,7 @@
                       </a:r>
                     </a:p>
                   </a:txBody>
-                  <a:tcPr anchor="ctr" marL="73152" marR="73152" marT="36576" marB="36576">
+                  <a:tcPr marL="73152" marR="73152" marT="36576" marB="36576" anchor="ctr">
                     <a:solidFill>
                       <a:srgbClr val="FFFFFF"/>
                     </a:solidFill>
@@ -15360,12 +15943,17 @@
                       </a:r>
                     </a:p>
                   </a:txBody>
-                  <a:tcPr anchor="ctr" marL="73152" marR="73152" marT="36576" marB="36576">
+                  <a:tcPr marL="73152" marR="73152" marT="36576" marB="36576" anchor="ctr">
                     <a:solidFill>
                       <a:srgbClr val="FFFFFF"/>
                     </a:solidFill>
                   </a:tcPr>
                 </a:tc>
+                <a:extLst>
+                  <a:ext uri="{0D108BD9-81ED-4DB2-BD59-A6C34878D82A}">
+                    <a16:rowId xmlns:a16="http://schemas.microsoft.com/office/drawing/2014/main" val="10003"/>
+                  </a:ext>
+                </a:extLst>
               </a:tr>
               <a:tr h="685800">
                 <a:tc>
@@ -15386,7 +15974,7 @@
                       </a:r>
                     </a:p>
                   </a:txBody>
-                  <a:tcPr anchor="ctr" marL="73152" marR="73152" marT="36576" marB="36576">
+                  <a:tcPr marL="73152" marR="73152" marT="36576" marB="36576" anchor="ctr">
                     <a:solidFill>
                       <a:srgbClr val="E8F0F8"/>
                     </a:solidFill>
@@ -15409,7 +15997,7 @@
                       </a:r>
                     </a:p>
                   </a:txBody>
-                  <a:tcPr anchor="ctr" marL="73152" marR="73152" marT="36576" marB="36576">
+                  <a:tcPr marL="73152" marR="73152" marT="36576" marB="36576" anchor="ctr">
                     <a:solidFill>
                       <a:srgbClr val="E8F0F8"/>
                     </a:solidFill>
@@ -15433,7 +16021,7 @@
                       </a:r>
                     </a:p>
                   </a:txBody>
-                  <a:tcPr anchor="ctr" marL="73152" marR="73152" marT="36576" marB="36576">
+                  <a:tcPr marL="73152" marR="73152" marT="36576" marB="36576" anchor="ctr">
                     <a:solidFill>
                       <a:srgbClr val="E8F0F8"/>
                     </a:solidFill>
@@ -15456,12 +16044,17 @@
                       </a:r>
                     </a:p>
                   </a:txBody>
-                  <a:tcPr anchor="ctr" marL="73152" marR="73152" marT="36576" marB="36576">
+                  <a:tcPr marL="73152" marR="73152" marT="36576" marB="36576" anchor="ctr">
                     <a:solidFill>
                       <a:srgbClr val="E8F0F8"/>
                     </a:solidFill>
                   </a:tcPr>
                 </a:tc>
+                <a:extLst>
+                  <a:ext uri="{0D108BD9-81ED-4DB2-BD59-A6C34878D82A}">
+                    <a16:rowId xmlns:a16="http://schemas.microsoft.com/office/drawing/2014/main" val="10004"/>
+                  </a:ext>
+                </a:extLst>
               </a:tr>
               <a:tr h="685800">
                 <a:tc>
@@ -15481,7 +16074,7 @@
                       </a:r>
                     </a:p>
                   </a:txBody>
-                  <a:tcPr anchor="ctr" marL="73152" marR="73152" marT="36576" marB="36576">
+                  <a:tcPr marL="73152" marR="73152" marT="36576" marB="36576" anchor="ctr">
                     <a:solidFill>
                       <a:srgbClr val="FFFFFF"/>
                     </a:solidFill>
@@ -15504,7 +16097,7 @@
                       </a:r>
                     </a:p>
                   </a:txBody>
-                  <a:tcPr anchor="ctr" marL="73152" marR="73152" marT="36576" marB="36576">
+                  <a:tcPr marL="73152" marR="73152" marT="36576" marB="36576" anchor="ctr">
                     <a:solidFill>
                       <a:srgbClr val="FFFFFF"/>
                     </a:solidFill>
@@ -15527,7 +16120,7 @@
                       </a:r>
                     </a:p>
                   </a:txBody>
-                  <a:tcPr anchor="ctr" marL="73152" marR="73152" marT="36576" marB="36576">
+                  <a:tcPr marL="73152" marR="73152" marT="36576" marB="36576" anchor="ctr">
                     <a:solidFill>
                       <a:srgbClr val="FFFFFF"/>
                     </a:solidFill>
@@ -15550,12 +16143,17 @@
                       </a:r>
                     </a:p>
                   </a:txBody>
-                  <a:tcPr anchor="ctr" marL="73152" marR="73152" marT="36576" marB="36576">
+                  <a:tcPr marL="73152" marR="73152" marT="36576" marB="36576" anchor="ctr">
                     <a:solidFill>
                       <a:srgbClr val="FFFFFF"/>
                     </a:solidFill>
                   </a:tcPr>
                 </a:tc>
+                <a:extLst>
+                  <a:ext uri="{0D108BD9-81ED-4DB2-BD59-A6C34878D82A}">
+                    <a16:rowId xmlns:a16="http://schemas.microsoft.com/office/drawing/2014/main" val="10005"/>
+                  </a:ext>
+                </a:extLst>
               </a:tr>
             </a:tbl>
           </a:graphicData>
@@ -15609,7 +16207,7 @@
 </file>
 
 <file path=ppt/slides/slide8.xml><?xml version="1.0" encoding="utf-8"?>
-<p:sld xmlns:a="http://schemas.openxmlformats.org/drawingml/2006/main" xmlns:p="http://schemas.openxmlformats.org/presentationml/2006/main" xmlns:r="http://schemas.openxmlformats.org/officeDocument/2006/relationships">
+<p:sld xmlns:a="http://schemas.openxmlformats.org/drawingml/2006/main" xmlns:r="http://schemas.openxmlformats.org/officeDocument/2006/relationships" xmlns:p="http://schemas.openxmlformats.org/presentationml/2006/main">
   <p:cSld>
     <p:bg>
       <p:bgPr>
@@ -15625,7 +16223,14 @@
         <p:cNvGrpSpPr/>
         <p:nvPr/>
       </p:nvGrpSpPr>
-      <p:grpSpPr/>
+      <p:grpSpPr>
+        <a:xfrm>
+          <a:off x="0" y="0"/>
+          <a:ext cx="0" cy="0"/>
+          <a:chOff x="0" y="0"/>
+          <a:chExt cx="0" cy="0"/>
+        </a:xfrm>
+      </p:grpSpPr>
       <p:sp>
         <p:nvSpPr>
           <p:cNvPr id="2" name="Rectangle 1"/>
@@ -15666,6 +16271,7 @@
           <a:lstStyle/>
           <a:p>
             <a:pPr algn="ctr"/>
+            <a:endParaRPr/>
           </a:p>
         </p:txBody>
       </p:sp>
@@ -15709,6 +16315,7 @@
           <a:lstStyle/>
           <a:p>
             <a:pPr algn="ctr"/>
+            <a:endParaRPr/>
           </a:p>
         </p:txBody>
       </p:sp>
@@ -15787,6 +16394,7 @@
           <a:lstStyle/>
           <a:p>
             <a:pPr algn="ctr"/>
+            <a:endParaRPr/>
           </a:p>
         </p:txBody>
       </p:sp>
@@ -16445,7 +17053,7 @@
 </file>
 
 <file path=ppt/slides/slide9.xml><?xml version="1.0" encoding="utf-8"?>
-<p:sld xmlns:a="http://schemas.openxmlformats.org/drawingml/2006/main" xmlns:p="http://schemas.openxmlformats.org/presentationml/2006/main" xmlns:r="http://schemas.openxmlformats.org/officeDocument/2006/relationships">
+<p:sld xmlns:a="http://schemas.openxmlformats.org/drawingml/2006/main" xmlns:r="http://schemas.openxmlformats.org/officeDocument/2006/relationships" xmlns:p="http://schemas.openxmlformats.org/presentationml/2006/main">
   <p:cSld>
     <p:bg>
       <p:bgPr>
@@ -16461,7 +17069,14 @@
         <p:cNvGrpSpPr/>
         <p:nvPr/>
       </p:nvGrpSpPr>
-      <p:grpSpPr/>
+      <p:grpSpPr>
+        <a:xfrm>
+          <a:off x="0" y="0"/>
+          <a:ext cx="0" cy="0"/>
+          <a:chOff x="0" y="0"/>
+          <a:chExt cx="0" cy="0"/>
+        </a:xfrm>
+      </p:grpSpPr>
       <p:sp>
         <p:nvSpPr>
           <p:cNvPr id="2" name="Rectangle 1"/>
@@ -16502,6 +17117,7 @@
           <a:lstStyle/>
           <a:p>
             <a:pPr algn="ctr"/>
+            <a:endParaRPr/>
           </a:p>
         </p:txBody>
       </p:sp>
@@ -16545,6 +17161,7 @@
           <a:lstStyle/>
           <a:p>
             <a:pPr algn="ctr"/>
+            <a:endParaRPr/>
           </a:p>
         </p:txBody>
       </p:sp>
@@ -16623,6 +17240,7 @@
           <a:lstStyle/>
           <a:p>
             <a:pPr algn="ctr"/>
+            <a:endParaRPr/>
           </a:p>
         </p:txBody>
       </p:sp>
@@ -16680,10 +17298,34 @@
                 <a:tableStyleId>{5C22544A-7EE6-4342-B048-85BDC9FD1C3A}</a:tableStyleId>
               </a:tblPr>
               <a:tblGrid>
-                <a:gridCol w="2011680"/>
-                <a:gridCol w="2743200"/>
-                <a:gridCol w="2743200"/>
-                <a:gridCol w="3931920"/>
+                <a:gridCol w="2011680">
+                  <a:extLst>
+                    <a:ext uri="{9D8B030D-6E8A-4147-A177-3AD203B41FA5}">
+                      <a16:colId xmlns:a16="http://schemas.microsoft.com/office/drawing/2014/main" val="20000"/>
+                    </a:ext>
+                  </a:extLst>
+                </a:gridCol>
+                <a:gridCol w="2743200">
+                  <a:extLst>
+                    <a:ext uri="{9D8B030D-6E8A-4147-A177-3AD203B41FA5}">
+                      <a16:colId xmlns:a16="http://schemas.microsoft.com/office/drawing/2014/main" val="20001"/>
+                    </a:ext>
+                  </a:extLst>
+                </a:gridCol>
+                <a:gridCol w="2743200">
+                  <a:extLst>
+                    <a:ext uri="{9D8B030D-6E8A-4147-A177-3AD203B41FA5}">
+                      <a16:colId xmlns:a16="http://schemas.microsoft.com/office/drawing/2014/main" val="20002"/>
+                    </a:ext>
+                  </a:extLst>
+                </a:gridCol>
+                <a:gridCol w="3931920">
+                  <a:extLst>
+                    <a:ext uri="{9D8B030D-6E8A-4147-A177-3AD203B41FA5}">
+                      <a16:colId xmlns:a16="http://schemas.microsoft.com/office/drawing/2014/main" val="20003"/>
+                    </a:ext>
+                  </a:extLst>
+                </a:gridCol>
               </a:tblGrid>
               <a:tr h="487680">
                 <a:tc>
@@ -16703,7 +17345,7 @@
                       </a:r>
                     </a:p>
                   </a:txBody>
-                  <a:tcPr anchor="ctr" marL="73152" marR="73152" marT="36576" marB="36576">
+                  <a:tcPr marL="73152" marR="73152" marT="36576" marB="36576" anchor="ctr">
                     <a:solidFill>
                       <a:srgbClr val="1B3A5C"/>
                     </a:solidFill>
@@ -16726,7 +17368,7 @@
                       </a:r>
                     </a:p>
                   </a:txBody>
-                  <a:tcPr anchor="ctr" marL="73152" marR="73152" marT="36576" marB="36576">
+                  <a:tcPr marL="73152" marR="73152" marT="36576" marB="36576" anchor="ctr">
                     <a:solidFill>
                       <a:srgbClr val="1B3A5C"/>
                     </a:solidFill>
@@ -16749,7 +17391,7 @@
                       </a:r>
                     </a:p>
                   </a:txBody>
-                  <a:tcPr anchor="ctr" marL="73152" marR="73152" marT="36576" marB="36576">
+                  <a:tcPr marL="73152" marR="73152" marT="36576" marB="36576" anchor="ctr">
                     <a:solidFill>
                       <a:srgbClr val="1B3A5C"/>
                     </a:solidFill>
@@ -16772,12 +17414,17 @@
                       </a:r>
                     </a:p>
                   </a:txBody>
-                  <a:tcPr anchor="ctr" marL="73152" marR="73152" marT="36576" marB="36576">
+                  <a:tcPr marL="73152" marR="73152" marT="36576" marB="36576" anchor="ctr">
                     <a:solidFill>
                       <a:srgbClr val="1B3A5C"/>
                     </a:solidFill>
                   </a:tcPr>
                 </a:tc>
+                <a:extLst>
+                  <a:ext uri="{0D108BD9-81ED-4DB2-BD59-A6C34878D82A}">
+                    <a16:rowId xmlns:a16="http://schemas.microsoft.com/office/drawing/2014/main" val="10000"/>
+                  </a:ext>
+                </a:extLst>
               </a:tr>
               <a:tr h="487680">
                 <a:tc>
@@ -16797,7 +17444,7 @@
                       </a:r>
                     </a:p>
                   </a:txBody>
-                  <a:tcPr anchor="ctr" marL="73152" marR="73152" marT="36576" marB="36576">
+                  <a:tcPr marL="73152" marR="73152" marT="36576" marB="36576" anchor="ctr">
                     <a:solidFill>
                       <a:srgbClr val="FFFFFF"/>
                     </a:solidFill>
@@ -16809,18 +17456,10 @@
                     <a:lstStyle/>
                     <a:p>
                       <a:pPr algn="l"/>
-                      <a:r>
-                        <a:rPr sz="1400" b="0">
-                          <a:solidFill>
-                            <a:srgbClr val="333333"/>
-                          </a:solidFill>
-                          <a:latin typeface="맑은 고딕"/>
-                        </a:rPr>
-                        <a:t/>
-                      </a:r>
-                    </a:p>
-                  </a:txBody>
-                  <a:tcPr anchor="ctr" marL="73152" marR="73152" marT="36576" marB="36576">
+                      <a:endParaRPr/>
+                    </a:p>
+                  </a:txBody>
+                  <a:tcPr marL="73152" marR="73152" marT="36576" marB="36576" anchor="ctr">
                     <a:solidFill>
                       <a:srgbClr val="FFFFFF"/>
                     </a:solidFill>
@@ -16843,7 +17482,7 @@
                       </a:r>
                     </a:p>
                   </a:txBody>
-                  <a:tcPr anchor="ctr" marL="73152" marR="73152" marT="36576" marB="36576">
+                  <a:tcPr marL="73152" marR="73152" marT="36576" marB="36576" anchor="ctr">
                     <a:solidFill>
                       <a:srgbClr val="FFFFFF"/>
                     </a:solidFill>
@@ -16866,12 +17505,17 @@
                       </a:r>
                     </a:p>
                   </a:txBody>
-                  <a:tcPr anchor="ctr" marL="73152" marR="73152" marT="36576" marB="36576">
+                  <a:tcPr marL="73152" marR="73152" marT="36576" marB="36576" anchor="ctr">
                     <a:solidFill>
                       <a:srgbClr val="FFFFFF"/>
                     </a:solidFill>
                   </a:tcPr>
                 </a:tc>
+                <a:extLst>
+                  <a:ext uri="{0D108BD9-81ED-4DB2-BD59-A6C34878D82A}">
+                    <a16:rowId xmlns:a16="http://schemas.microsoft.com/office/drawing/2014/main" val="10001"/>
+                  </a:ext>
+                </a:extLst>
               </a:tr>
               <a:tr h="487680">
                 <a:tc>
@@ -16891,7 +17535,7 @@
                       </a:r>
                     </a:p>
                   </a:txBody>
-                  <a:tcPr anchor="ctr" marL="73152" marR="73152" marT="36576" marB="36576">
+                  <a:tcPr marL="73152" marR="73152" marT="36576" marB="36576" anchor="ctr">
                     <a:solidFill>
                       <a:srgbClr val="E8F0F8"/>
                     </a:solidFill>
@@ -16914,7 +17558,7 @@
                       </a:r>
                     </a:p>
                   </a:txBody>
-                  <a:tcPr anchor="ctr" marL="73152" marR="73152" marT="36576" marB="36576">
+                  <a:tcPr marL="73152" marR="73152" marT="36576" marB="36576" anchor="ctr">
                     <a:solidFill>
                       <a:srgbClr val="E8F0F8"/>
                     </a:solidFill>
@@ -16926,18 +17570,10 @@
                     <a:lstStyle/>
                     <a:p>
                       <a:pPr algn="l"/>
-                      <a:r>
-                        <a:rPr sz="1400" b="0">
-                          <a:solidFill>
-                            <a:srgbClr val="333333"/>
-                          </a:solidFill>
-                          <a:latin typeface="맑은 고딕"/>
-                        </a:rPr>
-                        <a:t/>
-                      </a:r>
-                    </a:p>
-                  </a:txBody>
-                  <a:tcPr anchor="ctr" marL="73152" marR="73152" marT="36576" marB="36576">
+                      <a:endParaRPr/>
+                    </a:p>
+                  </a:txBody>
+                  <a:tcPr marL="73152" marR="73152" marT="36576" marB="36576" anchor="ctr">
                     <a:solidFill>
                       <a:srgbClr val="E8F0F8"/>
                     </a:solidFill>
@@ -16960,12 +17596,17 @@
                       </a:r>
                     </a:p>
                   </a:txBody>
-                  <a:tcPr anchor="ctr" marL="73152" marR="73152" marT="36576" marB="36576">
+                  <a:tcPr marL="73152" marR="73152" marT="36576" marB="36576" anchor="ctr">
                     <a:solidFill>
                       <a:srgbClr val="E8F0F8"/>
                     </a:solidFill>
                   </a:tcPr>
                 </a:tc>
+                <a:extLst>
+                  <a:ext uri="{0D108BD9-81ED-4DB2-BD59-A6C34878D82A}">
+                    <a16:rowId xmlns:a16="http://schemas.microsoft.com/office/drawing/2014/main" val="10002"/>
+                  </a:ext>
+                </a:extLst>
               </a:tr>
               <a:tr h="487680">
                 <a:tc>
@@ -16985,7 +17626,7 @@
                       </a:r>
                     </a:p>
                   </a:txBody>
-                  <a:tcPr anchor="ctr" marL="73152" marR="73152" marT="36576" marB="36576">
+                  <a:tcPr marL="73152" marR="73152" marT="36576" marB="36576" anchor="ctr">
                     <a:solidFill>
                       <a:srgbClr val="FFFFFF"/>
                     </a:solidFill>
@@ -17008,7 +17649,7 @@
                       </a:r>
                     </a:p>
                   </a:txBody>
-                  <a:tcPr anchor="ctr" marL="73152" marR="73152" marT="36576" marB="36576">
+                  <a:tcPr marL="73152" marR="73152" marT="36576" marB="36576" anchor="ctr">
                     <a:solidFill>
                       <a:srgbClr val="FFFFFF"/>
                     </a:solidFill>
@@ -17020,18 +17661,10 @@
                     <a:lstStyle/>
                     <a:p>
                       <a:pPr algn="l"/>
-                      <a:r>
-                        <a:rPr sz="1400" b="0">
-                          <a:solidFill>
-                            <a:srgbClr val="333333"/>
-                          </a:solidFill>
-                          <a:latin typeface="맑은 고딕"/>
-                        </a:rPr>
-                        <a:t/>
-                      </a:r>
-                    </a:p>
-                  </a:txBody>
-                  <a:tcPr anchor="ctr" marL="73152" marR="73152" marT="36576" marB="36576">
+                      <a:endParaRPr/>
+                    </a:p>
+                  </a:txBody>
+                  <a:tcPr marL="73152" marR="73152" marT="36576" marB="36576" anchor="ctr">
                     <a:solidFill>
                       <a:srgbClr val="FFFFFF"/>
                     </a:solidFill>
@@ -17054,12 +17687,17 @@
                       </a:r>
                     </a:p>
                   </a:txBody>
-                  <a:tcPr anchor="ctr" marL="73152" marR="73152" marT="36576" marB="36576">
+                  <a:tcPr marL="73152" marR="73152" marT="36576" marB="36576" anchor="ctr">
                     <a:solidFill>
                       <a:srgbClr val="FFFFFF"/>
                     </a:solidFill>
                   </a:tcPr>
                 </a:tc>
+                <a:extLst>
+                  <a:ext uri="{0D108BD9-81ED-4DB2-BD59-A6C34878D82A}">
+                    <a16:rowId xmlns:a16="http://schemas.microsoft.com/office/drawing/2014/main" val="10003"/>
+                  </a:ext>
+                </a:extLst>
               </a:tr>
               <a:tr h="487680">
                 <a:tc>
@@ -17079,7 +17717,7 @@
                       </a:r>
                     </a:p>
                   </a:txBody>
-                  <a:tcPr anchor="ctr" marL="73152" marR="73152" marT="36576" marB="36576">
+                  <a:tcPr marL="73152" marR="73152" marT="36576" marB="36576" anchor="ctr">
                     <a:solidFill>
                       <a:srgbClr val="E8F0F8"/>
                     </a:solidFill>
@@ -17102,7 +17740,7 @@
                       </a:r>
                     </a:p>
                   </a:txBody>
-                  <a:tcPr anchor="ctr" marL="73152" marR="73152" marT="36576" marB="36576">
+                  <a:tcPr marL="73152" marR="73152" marT="36576" marB="36576" anchor="ctr">
                     <a:solidFill>
                       <a:srgbClr val="E8F0F8"/>
                     </a:solidFill>
@@ -17114,18 +17752,10 @@
                     <a:lstStyle/>
                     <a:p>
                       <a:pPr algn="l"/>
-                      <a:r>
-                        <a:rPr sz="1400" b="0">
-                          <a:solidFill>
-                            <a:srgbClr val="333333"/>
-                          </a:solidFill>
-                          <a:latin typeface="맑은 고딕"/>
-                        </a:rPr>
-                        <a:t/>
-                      </a:r>
-                    </a:p>
-                  </a:txBody>
-                  <a:tcPr anchor="ctr" marL="73152" marR="73152" marT="36576" marB="36576">
+                      <a:endParaRPr/>
+                    </a:p>
+                  </a:txBody>
+                  <a:tcPr marL="73152" marR="73152" marT="36576" marB="36576" anchor="ctr">
                     <a:solidFill>
                       <a:srgbClr val="E8F0F8"/>
                     </a:solidFill>
@@ -17148,12 +17778,17 @@
                       </a:r>
                     </a:p>
                   </a:txBody>
-                  <a:tcPr anchor="ctr" marL="73152" marR="73152" marT="36576" marB="36576">
+                  <a:tcPr marL="73152" marR="73152" marT="36576" marB="36576" anchor="ctr">
                     <a:solidFill>
                       <a:srgbClr val="E8F0F8"/>
                     </a:solidFill>
                   </a:tcPr>
                 </a:tc>
+                <a:extLst>
+                  <a:ext uri="{0D108BD9-81ED-4DB2-BD59-A6C34878D82A}">
+                    <a16:rowId xmlns:a16="http://schemas.microsoft.com/office/drawing/2014/main" val="10004"/>
+                  </a:ext>
+                </a:extLst>
               </a:tr>
               <a:tr h="487680">
                 <a:tc>
@@ -17173,7 +17808,7 @@
                       </a:r>
                     </a:p>
                   </a:txBody>
-                  <a:tcPr anchor="ctr" marL="73152" marR="73152" marT="36576" marB="36576">
+                  <a:tcPr marL="73152" marR="73152" marT="36576" marB="36576" anchor="ctr">
                     <a:solidFill>
                       <a:srgbClr val="FFFFFF"/>
                     </a:solidFill>
@@ -17196,7 +17831,7 @@
                       </a:r>
                     </a:p>
                   </a:txBody>
-                  <a:tcPr anchor="ctr" marL="73152" marR="73152" marT="36576" marB="36576">
+                  <a:tcPr marL="73152" marR="73152" marT="36576" marB="36576" anchor="ctr">
                     <a:solidFill>
                       <a:srgbClr val="FFFFFF"/>
                     </a:solidFill>
@@ -17208,18 +17843,10 @@
                     <a:lstStyle/>
                     <a:p>
                       <a:pPr algn="l"/>
-                      <a:r>
-                        <a:rPr sz="1400" b="0">
-                          <a:solidFill>
-                            <a:srgbClr val="333333"/>
-                          </a:solidFill>
-                          <a:latin typeface="맑은 고딕"/>
-                        </a:rPr>
-                        <a:t/>
-                      </a:r>
-                    </a:p>
-                  </a:txBody>
-                  <a:tcPr anchor="ctr" marL="73152" marR="73152" marT="36576" marB="36576">
+                      <a:endParaRPr/>
+                    </a:p>
+                  </a:txBody>
+                  <a:tcPr marL="73152" marR="73152" marT="36576" marB="36576" anchor="ctr">
                     <a:solidFill>
                       <a:srgbClr val="FFFFFF"/>
                     </a:solidFill>
@@ -17242,12 +17869,17 @@
                       </a:r>
                     </a:p>
                   </a:txBody>
-                  <a:tcPr anchor="ctr" marL="73152" marR="73152" marT="36576" marB="36576">
+                  <a:tcPr marL="73152" marR="73152" marT="36576" marB="36576" anchor="ctr">
                     <a:solidFill>
                       <a:srgbClr val="FFFFFF"/>
                     </a:solidFill>
                   </a:tcPr>
                 </a:tc>
+                <a:extLst>
+                  <a:ext uri="{0D108BD9-81ED-4DB2-BD59-A6C34878D82A}">
+                    <a16:rowId xmlns:a16="http://schemas.microsoft.com/office/drawing/2014/main" val="10005"/>
+                  </a:ext>
+                </a:extLst>
               </a:tr>
               <a:tr h="487680">
                 <a:tc>
@@ -17267,7 +17899,7 @@
                       </a:r>
                     </a:p>
                   </a:txBody>
-                  <a:tcPr anchor="ctr" marL="73152" marR="73152" marT="36576" marB="36576">
+                  <a:tcPr marL="73152" marR="73152" marT="36576" marB="36576" anchor="ctr">
                     <a:solidFill>
                       <a:srgbClr val="E8F0F8"/>
                     </a:solidFill>
@@ -17290,7 +17922,7 @@
                       </a:r>
                     </a:p>
                   </a:txBody>
-                  <a:tcPr anchor="ctr" marL="73152" marR="73152" marT="36576" marB="36576">
+                  <a:tcPr marL="73152" marR="73152" marT="36576" marB="36576" anchor="ctr">
                     <a:solidFill>
                       <a:srgbClr val="E8F0F8"/>
                     </a:solidFill>
@@ -17302,18 +17934,10 @@
                     <a:lstStyle/>
                     <a:p>
                       <a:pPr algn="l"/>
-                      <a:r>
-                        <a:rPr sz="1400" b="0">
-                          <a:solidFill>
-                            <a:srgbClr val="333333"/>
-                          </a:solidFill>
-                          <a:latin typeface="맑은 고딕"/>
-                        </a:rPr>
-                        <a:t/>
-                      </a:r>
-                    </a:p>
-                  </a:txBody>
-                  <a:tcPr anchor="ctr" marL="73152" marR="73152" marT="36576" marB="36576">
+                      <a:endParaRPr/>
+                    </a:p>
+                  </a:txBody>
+                  <a:tcPr marL="73152" marR="73152" marT="36576" marB="36576" anchor="ctr">
                     <a:solidFill>
                       <a:srgbClr val="E8F0F8"/>
                     </a:solidFill>
@@ -17336,12 +17960,17 @@
                       </a:r>
                     </a:p>
                   </a:txBody>
-                  <a:tcPr anchor="ctr" marL="73152" marR="73152" marT="36576" marB="36576">
+                  <a:tcPr marL="73152" marR="73152" marT="36576" marB="36576" anchor="ctr">
                     <a:solidFill>
                       <a:srgbClr val="E8F0F8"/>
                     </a:solidFill>
                   </a:tcPr>
                 </a:tc>
+                <a:extLst>
+                  <a:ext uri="{0D108BD9-81ED-4DB2-BD59-A6C34878D82A}">
+                    <a16:rowId xmlns:a16="http://schemas.microsoft.com/office/drawing/2014/main" val="10006"/>
+                  </a:ext>
+                </a:extLst>
               </a:tr>
               <a:tr h="487680">
                 <a:tc>
@@ -17361,7 +17990,7 @@
                       </a:r>
                     </a:p>
                   </a:txBody>
-                  <a:tcPr anchor="ctr" marL="73152" marR="73152" marT="36576" marB="36576">
+                  <a:tcPr marL="73152" marR="73152" marT="36576" marB="36576" anchor="ctr">
                     <a:solidFill>
                       <a:srgbClr val="FFFFFF"/>
                     </a:solidFill>
@@ -17384,7 +18013,7 @@
                       </a:r>
                     </a:p>
                   </a:txBody>
-                  <a:tcPr anchor="ctr" marL="73152" marR="73152" marT="36576" marB="36576">
+                  <a:tcPr marL="73152" marR="73152" marT="36576" marB="36576" anchor="ctr">
                     <a:solidFill>
                       <a:srgbClr val="FFFFFF"/>
                     </a:solidFill>
@@ -17396,18 +18025,10 @@
                     <a:lstStyle/>
                     <a:p>
                       <a:pPr algn="l"/>
-                      <a:r>
-                        <a:rPr sz="1400" b="0">
-                          <a:solidFill>
-                            <a:srgbClr val="333333"/>
-                          </a:solidFill>
-                          <a:latin typeface="맑은 고딕"/>
-                        </a:rPr>
-                        <a:t/>
-                      </a:r>
-                    </a:p>
-                  </a:txBody>
-                  <a:tcPr anchor="ctr" marL="73152" marR="73152" marT="36576" marB="36576">
+                      <a:endParaRPr/>
+                    </a:p>
+                  </a:txBody>
+                  <a:tcPr marL="73152" marR="73152" marT="36576" marB="36576" anchor="ctr">
                     <a:solidFill>
                       <a:srgbClr val="FFFFFF"/>
                     </a:solidFill>
@@ -17430,12 +18051,17 @@
                       </a:r>
                     </a:p>
                   </a:txBody>
-                  <a:tcPr anchor="ctr" marL="73152" marR="73152" marT="36576" marB="36576">
+                  <a:tcPr marL="73152" marR="73152" marT="36576" marB="36576" anchor="ctr">
                     <a:solidFill>
                       <a:srgbClr val="FFFFFF"/>
                     </a:solidFill>
                   </a:tcPr>
                 </a:tc>
+                <a:extLst>
+                  <a:ext uri="{0D108BD9-81ED-4DB2-BD59-A6C34878D82A}">
+                    <a16:rowId xmlns:a16="http://schemas.microsoft.com/office/drawing/2014/main" val="10007"/>
+                  </a:ext>
+                </a:extLst>
               </a:tr>
               <a:tr h="487680">
                 <a:tc>
@@ -17455,7 +18081,7 @@
                       </a:r>
                     </a:p>
                   </a:txBody>
-                  <a:tcPr anchor="ctr" marL="73152" marR="73152" marT="36576" marB="36576">
+                  <a:tcPr marL="73152" marR="73152" marT="36576" marB="36576" anchor="ctr">
                     <a:solidFill>
                       <a:srgbClr val="E8F0F8"/>
                     </a:solidFill>
@@ -17467,18 +18093,10 @@
                     <a:lstStyle/>
                     <a:p>
                       <a:pPr algn="l"/>
-                      <a:r>
-                        <a:rPr sz="1400" b="0">
-                          <a:solidFill>
-                            <a:srgbClr val="333333"/>
-                          </a:solidFill>
-                          <a:latin typeface="맑은 고딕"/>
-                        </a:rPr>
-                        <a:t/>
-                      </a:r>
-                    </a:p>
-                  </a:txBody>
-                  <a:tcPr anchor="ctr" marL="73152" marR="73152" marT="36576" marB="36576">
+                      <a:endParaRPr/>
+                    </a:p>
+                  </a:txBody>
+                  <a:tcPr marL="73152" marR="73152" marT="36576" marB="36576" anchor="ctr">
                     <a:solidFill>
                       <a:srgbClr val="E8F0F8"/>
                     </a:solidFill>
@@ -17501,7 +18119,7 @@
                       </a:r>
                     </a:p>
                   </a:txBody>
-                  <a:tcPr anchor="ctr" marL="73152" marR="73152" marT="36576" marB="36576">
+                  <a:tcPr marL="73152" marR="73152" marT="36576" marB="36576" anchor="ctr">
                     <a:solidFill>
                       <a:srgbClr val="E8F0F8"/>
                     </a:solidFill>
@@ -17524,12 +18142,17 @@
                       </a:r>
                     </a:p>
                   </a:txBody>
-                  <a:tcPr anchor="ctr" marL="73152" marR="73152" marT="36576" marB="36576">
+                  <a:tcPr marL="73152" marR="73152" marT="36576" marB="36576" anchor="ctr">
                     <a:solidFill>
                       <a:srgbClr val="E8F0F8"/>
                     </a:solidFill>
                   </a:tcPr>
                 </a:tc>
+                <a:extLst>
+                  <a:ext uri="{0D108BD9-81ED-4DB2-BD59-A6C34878D82A}">
+                    <a16:rowId xmlns:a16="http://schemas.microsoft.com/office/drawing/2014/main" val="10008"/>
+                  </a:ext>
+                </a:extLst>
               </a:tr>
             </a:tbl>
           </a:graphicData>

--- a/Prompts/수소에너지_발표자료.pptx
+++ b/Prompts/수소에너지_발표자료.pptx
@@ -13547,7 +13547,7 @@
         <p:spPr>
           <a:xfrm>
             <a:off x="274320" y="1463040"/>
-            <a:ext cx="2743200" cy="4480560"/>
+            <a:ext cx="2743200" cy="3785616"/>
           </a:xfrm>
           <a:prstGeom prst="roundRect">
             <a:avLst/>
@@ -13732,7 +13732,7 @@
         <p:spPr>
           <a:xfrm>
             <a:off x="3200400" y="1463040"/>
-            <a:ext cx="2743200" cy="4480560"/>
+            <a:ext cx="2743200" cy="3785616"/>
           </a:xfrm>
           <a:prstGeom prst="roundRect">
             <a:avLst/>
@@ -13933,7 +13933,7 @@
         <p:spPr>
           <a:xfrm>
             <a:off x="6126480" y="1463040"/>
-            <a:ext cx="2743200" cy="4480560"/>
+            <a:ext cx="2743200" cy="3785616"/>
           </a:xfrm>
           <a:prstGeom prst="roundRect">
             <a:avLst/>
@@ -14118,7 +14118,7 @@
         <p:spPr>
           <a:xfrm>
             <a:off x="9052560" y="1463040"/>
-            <a:ext cx="2743200" cy="4480560"/>
+            <a:ext cx="2743200" cy="3785616"/>
           </a:xfrm>
           <a:prstGeom prst="roundRect">
             <a:avLst/>
@@ -14283,7 +14283,7 @@
         </p:nvSpPr>
         <p:spPr>
           <a:xfrm>
-            <a:off x="731520" y="6126480"/>
+            <a:off x="685800" y="5687568"/>
             <a:ext cx="10698480" cy="548640"/>
           </a:xfrm>
           <a:prstGeom prst="rect">
@@ -14303,13 +14303,121 @@
               </a:spcAft>
             </a:pPr>
             <a:r>
-              <a:rPr sz="1500" b="0">
+              <a:rPr sz="1500" b="0" dirty="0">
                 <a:solidFill>
                   <a:srgbClr val="666666"/>
                 </a:solidFill>
                 <a:latin typeface="맑은 고딕"/>
               </a:rPr>
-              <a:t>2050 글로벌 수소 운송: 파이프라인 55% + 암모니아 해상운송 40%</a:t>
+              <a:t>2050 </a:t>
+            </a:r>
+            <a:r>
+              <a:rPr sz="1500" b="0" dirty="0" err="1">
+                <a:solidFill>
+                  <a:srgbClr val="666666"/>
+                </a:solidFill>
+                <a:latin typeface="맑은 고딕"/>
+              </a:rPr>
+              <a:t>글로벌</a:t>
+            </a:r>
+            <a:r>
+              <a:rPr sz="1500" b="0" dirty="0">
+                <a:solidFill>
+                  <a:srgbClr val="666666"/>
+                </a:solidFill>
+                <a:latin typeface="맑은 고딕"/>
+              </a:rPr>
+              <a:t> </a:t>
+            </a:r>
+            <a:r>
+              <a:rPr sz="1500" b="0" dirty="0" err="1">
+                <a:solidFill>
+                  <a:srgbClr val="666666"/>
+                </a:solidFill>
+                <a:latin typeface="맑은 고딕"/>
+              </a:rPr>
+              <a:t>수소</a:t>
+            </a:r>
+            <a:r>
+              <a:rPr sz="1500" b="0" dirty="0">
+                <a:solidFill>
+                  <a:srgbClr val="666666"/>
+                </a:solidFill>
+                <a:latin typeface="맑은 고딕"/>
+              </a:rPr>
+              <a:t> </a:t>
+            </a:r>
+            <a:r>
+              <a:rPr sz="1500" b="0" dirty="0" err="1">
+                <a:solidFill>
+                  <a:srgbClr val="666666"/>
+                </a:solidFill>
+                <a:latin typeface="맑은 고딕"/>
+              </a:rPr>
+              <a:t>운송</a:t>
+            </a:r>
+            <a:r>
+              <a:rPr sz="1500" b="0" dirty="0">
+                <a:solidFill>
+                  <a:srgbClr val="666666"/>
+                </a:solidFill>
+                <a:latin typeface="맑은 고딕"/>
+              </a:rPr>
+              <a:t>: </a:t>
+            </a:r>
+            <a:r>
+              <a:rPr sz="1500" b="0" dirty="0" err="1">
+                <a:solidFill>
+                  <a:srgbClr val="666666"/>
+                </a:solidFill>
+                <a:latin typeface="맑은 고딕"/>
+              </a:rPr>
+              <a:t>파이프라인</a:t>
+            </a:r>
+            <a:r>
+              <a:rPr sz="1500" b="0" dirty="0">
+                <a:solidFill>
+                  <a:srgbClr val="666666"/>
+                </a:solidFill>
+                <a:latin typeface="맑은 고딕"/>
+              </a:rPr>
+              <a:t> 55% + </a:t>
+            </a:r>
+            <a:r>
+              <a:rPr sz="1500" b="0" dirty="0" err="1">
+                <a:solidFill>
+                  <a:srgbClr val="666666"/>
+                </a:solidFill>
+                <a:latin typeface="맑은 고딕"/>
+              </a:rPr>
+              <a:t>암모니아</a:t>
+            </a:r>
+            <a:r>
+              <a:rPr sz="1500" b="0" dirty="0">
+                <a:solidFill>
+                  <a:srgbClr val="666666"/>
+                </a:solidFill>
+                <a:latin typeface="맑은 고딕"/>
+              </a:rPr>
+              <a:t> </a:t>
+            </a:r>
+            <a:r>
+              <a:rPr sz="1500" b="0" dirty="0" err="1">
+                <a:solidFill>
+                  <a:srgbClr val="666666"/>
+                </a:solidFill>
+                <a:latin typeface="맑은 고딕"/>
+              </a:rPr>
+              <a:t>해상운송</a:t>
+            </a:r>
+            <a:r>
+              <a:rPr sz="1500" b="0" dirty="0">
+                <a:solidFill>
+                  <a:srgbClr val="666666"/>
+                </a:solidFill>
+                <a:latin typeface="맑은 고딕"/>
+              </a:rPr>
+              <a:t> 40%</a:t>
             </a:r>
           </a:p>
           <a:p>
@@ -14319,13 +14427,58 @@
               </a:spcAft>
             </a:pPr>
             <a:r>
-              <a:rPr sz="1500" b="0">
+              <a:rPr sz="1500" b="0" dirty="0" err="1">
                 <a:solidFill>
                   <a:srgbClr val="666666"/>
                 </a:solidFill>
                 <a:latin typeface="맑은 고딕"/>
               </a:rPr>
-              <a:t>수소 저장·운송 시장: $21.7B (2030) → $566B (2050)</a:t>
+              <a:t>수소</a:t>
+            </a:r>
+            <a:r>
+              <a:rPr sz="1500" b="0" dirty="0">
+                <a:solidFill>
+                  <a:srgbClr val="666666"/>
+                </a:solidFill>
+                <a:latin typeface="맑은 고딕"/>
+              </a:rPr>
+              <a:t> </a:t>
+            </a:r>
+            <a:r>
+              <a:rPr sz="1500" b="0" dirty="0" err="1">
+                <a:solidFill>
+                  <a:srgbClr val="666666"/>
+                </a:solidFill>
+                <a:latin typeface="맑은 고딕"/>
+              </a:rPr>
+              <a:t>저장·운송</a:t>
+            </a:r>
+            <a:r>
+              <a:rPr sz="1500" b="0" dirty="0">
+                <a:solidFill>
+                  <a:srgbClr val="666666"/>
+                </a:solidFill>
+                <a:latin typeface="맑은 고딕"/>
+              </a:rPr>
+              <a:t> </a:t>
+            </a:r>
+            <a:r>
+              <a:rPr sz="1500" b="0" dirty="0" err="1">
+                <a:solidFill>
+                  <a:srgbClr val="666666"/>
+                </a:solidFill>
+                <a:latin typeface="맑은 고딕"/>
+              </a:rPr>
+              <a:t>시장</a:t>
+            </a:r>
+            <a:r>
+              <a:rPr sz="1500" b="0" dirty="0">
+                <a:solidFill>
+                  <a:srgbClr val="666666"/>
+                </a:solidFill>
+                <a:latin typeface="맑은 고딕"/>
+              </a:rPr>
+              <a:t>: $21.7B (2030) → $566B (2050)</a:t>
             </a:r>
           </a:p>
         </p:txBody>
